--- a/doc/勉強会_titanic.pptx
+++ b/doc/勉強会_titanic.pptx
@@ -13,12 +13,13 @@
     <p:sldId id="273" r:id="rId7"/>
     <p:sldId id="333" r:id="rId8"/>
     <p:sldId id="336" r:id="rId9"/>
-    <p:sldId id="292" r:id="rId10"/>
-    <p:sldId id="332" r:id="rId11"/>
-    <p:sldId id="327" r:id="rId12"/>
-    <p:sldId id="315" r:id="rId13"/>
-    <p:sldId id="294" r:id="rId14"/>
-    <p:sldId id="280" r:id="rId15"/>
+    <p:sldId id="338" r:id="rId10"/>
+    <p:sldId id="292" r:id="rId11"/>
+    <p:sldId id="332" r:id="rId12"/>
+    <p:sldId id="327" r:id="rId13"/>
+    <p:sldId id="315" r:id="rId14"/>
+    <p:sldId id="294" r:id="rId15"/>
+    <p:sldId id="280" r:id="rId16"/>
   </p:sldIdLst>
   <p:sldSz cx="9144000" cy="6858000" type="screen4x3"/>
   <p:notesSz cx="6858000" cy="9144000"/>
@@ -1641,14 +1642,16 @@
         <a:lstStyle/>
         <a:p>
           <a:r>
-            <a:rPr lang="ja-JP" altLang="en-US" dirty="0" smtClean="0"/>
-            <a:t>今回の</a:t>
+            <a:rPr lang="ja-JP" altLang="en-US" dirty="0" smtClean="0">
+              <a:latin typeface="Meiryo UI" panose="020B0604030504040204" pitchFamily="50" charset="-128"/>
+              <a:ea typeface="Meiryo UI" panose="020B0604030504040204" pitchFamily="50" charset="-128"/>
+            </a:rPr>
+            <a:t>今回の例題</a:t>
           </a:r>
-          <a:r>
-            <a:rPr lang="ja-JP" altLang="en-US" dirty="0" smtClean="0"/>
-            <a:t>例題</a:t>
-          </a:r>
-          <a:endParaRPr kumimoji="1" lang="ja-JP" altLang="en-US" dirty="0"/>
+          <a:endParaRPr kumimoji="1" lang="ja-JP" altLang="en-US" dirty="0">
+            <a:latin typeface="Meiryo UI" panose="020B0604030504040204" pitchFamily="50" charset="-128"/>
+            <a:ea typeface="Meiryo UI" panose="020B0604030504040204" pitchFamily="50" charset="-128"/>
+          </a:endParaRPr>
         </a:p>
       </dgm:t>
     </dgm:pt>
@@ -1659,7 +1662,10 @@
         <a:bodyPr/>
         <a:lstStyle/>
         <a:p>
-          <a:endParaRPr kumimoji="1" lang="ja-JP" altLang="en-US"/>
+          <a:endParaRPr kumimoji="1" lang="ja-JP" altLang="en-US">
+            <a:latin typeface="Meiryo UI" panose="020B0604030504040204" pitchFamily="50" charset="-128"/>
+            <a:ea typeface="Meiryo UI" panose="020B0604030504040204" pitchFamily="50" charset="-128"/>
+          </a:endParaRPr>
         </a:p>
       </dgm:t>
     </dgm:pt>
@@ -1670,7 +1676,10 @@
         <a:bodyPr/>
         <a:lstStyle/>
         <a:p>
-          <a:endParaRPr kumimoji="1" lang="ja-JP" altLang="en-US"/>
+          <a:endParaRPr kumimoji="1" lang="ja-JP" altLang="en-US">
+            <a:latin typeface="Meiryo UI" panose="020B0604030504040204" pitchFamily="50" charset="-128"/>
+            <a:ea typeface="Meiryo UI" panose="020B0604030504040204" pitchFamily="50" charset="-128"/>
+          </a:endParaRPr>
         </a:p>
       </dgm:t>
     </dgm:pt>
@@ -1682,14 +1691,16 @@
         <a:lstStyle/>
         <a:p>
           <a:r>
-            <a:rPr lang="ja-JP" altLang="en-US" dirty="0" smtClean="0"/>
-            <a:t>データ</a:t>
+            <a:rPr lang="ja-JP" altLang="en-US" dirty="0" smtClean="0">
+              <a:latin typeface="Meiryo UI" panose="020B0604030504040204" pitchFamily="50" charset="-128"/>
+              <a:ea typeface="Meiryo UI" panose="020B0604030504040204" pitchFamily="50" charset="-128"/>
+            </a:rPr>
+            <a:t>データの確認</a:t>
           </a:r>
-          <a:r>
-            <a:rPr lang="ja-JP" altLang="en-US" dirty="0" smtClean="0"/>
-            <a:t>の確認</a:t>
-          </a:r>
-          <a:endParaRPr kumimoji="1" lang="ja-JP" altLang="en-US" dirty="0"/>
+          <a:endParaRPr kumimoji="1" lang="ja-JP" altLang="en-US" dirty="0">
+            <a:latin typeface="Meiryo UI" panose="020B0604030504040204" pitchFamily="50" charset="-128"/>
+            <a:ea typeface="Meiryo UI" panose="020B0604030504040204" pitchFamily="50" charset="-128"/>
+          </a:endParaRPr>
         </a:p>
       </dgm:t>
     </dgm:pt>
@@ -1700,7 +1711,10 @@
         <a:bodyPr/>
         <a:lstStyle/>
         <a:p>
-          <a:endParaRPr kumimoji="1" lang="ja-JP" altLang="en-US"/>
+          <a:endParaRPr kumimoji="1" lang="ja-JP" altLang="en-US">
+            <a:latin typeface="Meiryo UI" panose="020B0604030504040204" pitchFamily="50" charset="-128"/>
+            <a:ea typeface="Meiryo UI" panose="020B0604030504040204" pitchFamily="50" charset="-128"/>
+          </a:endParaRPr>
         </a:p>
       </dgm:t>
     </dgm:pt>
@@ -1711,7 +1725,10 @@
         <a:bodyPr/>
         <a:lstStyle/>
         <a:p>
-          <a:endParaRPr kumimoji="1" lang="ja-JP" altLang="en-US"/>
+          <a:endParaRPr kumimoji="1" lang="ja-JP" altLang="en-US">
+            <a:latin typeface="Meiryo UI" panose="020B0604030504040204" pitchFamily="50" charset="-128"/>
+            <a:ea typeface="Meiryo UI" panose="020B0604030504040204" pitchFamily="50" charset="-128"/>
+          </a:endParaRPr>
         </a:p>
       </dgm:t>
     </dgm:pt>
@@ -1723,10 +1740,16 @@
         <a:lstStyle/>
         <a:p>
           <a:r>
-            <a:rPr lang="ja-JP" altLang="en-US" dirty="0" smtClean="0"/>
+            <a:rPr lang="ja-JP" altLang="en-US" dirty="0" smtClean="0">
+              <a:latin typeface="Meiryo UI" panose="020B0604030504040204" pitchFamily="50" charset="-128"/>
+              <a:ea typeface="Meiryo UI" panose="020B0604030504040204" pitchFamily="50" charset="-128"/>
+            </a:rPr>
             <a:t>実際にやってみる</a:t>
           </a:r>
-          <a:endParaRPr kumimoji="1" lang="ja-JP" altLang="en-US" dirty="0"/>
+          <a:endParaRPr kumimoji="1" lang="ja-JP" altLang="en-US" dirty="0">
+            <a:latin typeface="Meiryo UI" panose="020B0604030504040204" pitchFamily="50" charset="-128"/>
+            <a:ea typeface="Meiryo UI" panose="020B0604030504040204" pitchFamily="50" charset="-128"/>
+          </a:endParaRPr>
         </a:p>
       </dgm:t>
     </dgm:pt>
@@ -1737,7 +1760,10 @@
         <a:bodyPr/>
         <a:lstStyle/>
         <a:p>
-          <a:endParaRPr kumimoji="1" lang="ja-JP" altLang="en-US"/>
+          <a:endParaRPr kumimoji="1" lang="ja-JP" altLang="en-US">
+            <a:latin typeface="Meiryo UI" panose="020B0604030504040204" pitchFamily="50" charset="-128"/>
+            <a:ea typeface="Meiryo UI" panose="020B0604030504040204" pitchFamily="50" charset="-128"/>
+          </a:endParaRPr>
         </a:p>
       </dgm:t>
     </dgm:pt>
@@ -1748,7 +1774,10 @@
         <a:bodyPr/>
         <a:lstStyle/>
         <a:p>
-          <a:endParaRPr kumimoji="1" lang="ja-JP" altLang="en-US"/>
+          <a:endParaRPr kumimoji="1" lang="ja-JP" altLang="en-US">
+            <a:latin typeface="Meiryo UI" panose="020B0604030504040204" pitchFamily="50" charset="-128"/>
+            <a:ea typeface="Meiryo UI" panose="020B0604030504040204" pitchFamily="50" charset="-128"/>
+          </a:endParaRPr>
         </a:p>
       </dgm:t>
     </dgm:pt>
@@ -1760,10 +1789,16 @@
         <a:lstStyle/>
         <a:p>
           <a:r>
-            <a:rPr lang="ja-JP" altLang="en-US" dirty="0" smtClean="0"/>
+            <a:rPr lang="ja-JP" altLang="en-US" dirty="0" smtClean="0">
+              <a:latin typeface="Meiryo UI" panose="020B0604030504040204" pitchFamily="50" charset="-128"/>
+              <a:ea typeface="Meiryo UI" panose="020B0604030504040204" pitchFamily="50" charset="-128"/>
+            </a:rPr>
             <a:t>まとめ</a:t>
           </a:r>
-          <a:endParaRPr kumimoji="1" lang="ja-JP" altLang="en-US" dirty="0"/>
+          <a:endParaRPr kumimoji="1" lang="ja-JP" altLang="en-US" dirty="0">
+            <a:latin typeface="Meiryo UI" panose="020B0604030504040204" pitchFamily="50" charset="-128"/>
+            <a:ea typeface="Meiryo UI" panose="020B0604030504040204" pitchFamily="50" charset="-128"/>
+          </a:endParaRPr>
         </a:p>
       </dgm:t>
     </dgm:pt>
@@ -1774,7 +1809,10 @@
         <a:bodyPr/>
         <a:lstStyle/>
         <a:p>
-          <a:endParaRPr kumimoji="1" lang="ja-JP" altLang="en-US"/>
+          <a:endParaRPr kumimoji="1" lang="ja-JP" altLang="en-US">
+            <a:latin typeface="Meiryo UI" panose="020B0604030504040204" pitchFamily="50" charset="-128"/>
+            <a:ea typeface="Meiryo UI" panose="020B0604030504040204" pitchFamily="50" charset="-128"/>
+          </a:endParaRPr>
         </a:p>
       </dgm:t>
     </dgm:pt>
@@ -1785,7 +1823,10 @@
         <a:bodyPr/>
         <a:lstStyle/>
         <a:p>
-          <a:endParaRPr kumimoji="1" lang="ja-JP" altLang="en-US"/>
+          <a:endParaRPr kumimoji="1" lang="ja-JP" altLang="en-US">
+            <a:latin typeface="Meiryo UI" panose="020B0604030504040204" pitchFamily="50" charset="-128"/>
+            <a:ea typeface="Meiryo UI" panose="020B0604030504040204" pitchFamily="50" charset="-128"/>
+          </a:endParaRPr>
         </a:p>
       </dgm:t>
     </dgm:pt>
@@ -1931,16 +1972,16 @@
     </dgm:pt>
   </dgm:ptLst>
   <dgm:cxnLst>
+    <dgm:cxn modelId="{D68BE518-56C7-48F9-A148-7981A68E6F03}" type="presOf" srcId="{283885B7-DD1C-4FE9-BD17-28C1156913D9}" destId="{7D7F7D59-C93A-4103-9FF2-0F4CCFC8529A}" srcOrd="0" destOrd="0" presId="urn:microsoft.com/office/officeart/2008/layout/VerticalCurvedList"/>
+    <dgm:cxn modelId="{370726BC-5B0F-4E6D-9D80-1E0C22A86C9C}" srcId="{500C55E2-A9D5-4495-A7D2-3294DA8A4442}" destId="{FDEAE050-596A-4C4A-9646-B97AF59C5E93}" srcOrd="1" destOrd="0" parTransId="{E576D7A6-D727-40CE-A6CD-20275FC7E987}" sibTransId="{DBC54970-76E9-437C-9236-CBFCF20F400C}"/>
+    <dgm:cxn modelId="{DCC18A15-39E1-421F-9F36-F2A4B7E4EDBD}" type="presOf" srcId="{500C55E2-A9D5-4495-A7D2-3294DA8A4442}" destId="{B3653C55-BF06-48E8-8026-4F1FEA311BDA}" srcOrd="0" destOrd="0" presId="urn:microsoft.com/office/officeart/2008/layout/VerticalCurvedList"/>
+    <dgm:cxn modelId="{DD7287D3-769E-4BD2-B813-3474854133D2}" type="presOf" srcId="{9933D4E4-553C-4016-83F0-91AF395512FF}" destId="{D40B5C56-C681-4379-9B36-D99F14760CE6}" srcOrd="0" destOrd="0" presId="urn:microsoft.com/office/officeart/2008/layout/VerticalCurvedList"/>
+    <dgm:cxn modelId="{A20BF7A3-4C32-402E-90A4-59D7D1EAE40F}" srcId="{500C55E2-A9D5-4495-A7D2-3294DA8A4442}" destId="{09EAA972-167F-4533-87FE-4B7185E74A57}" srcOrd="0" destOrd="0" parTransId="{1B0E8BDB-28F8-431D-9CF9-BA0C72EEE121}" sibTransId="{9933D4E4-553C-4016-83F0-91AF395512FF}"/>
+    <dgm:cxn modelId="{70EFE594-EFD6-403A-8E15-46E4ABC86488}" srcId="{500C55E2-A9D5-4495-A7D2-3294DA8A4442}" destId="{283885B7-DD1C-4FE9-BD17-28C1156913D9}" srcOrd="2" destOrd="0" parTransId="{10252250-F1FF-47E3-A88D-D975E3B3BBF5}" sibTransId="{575F9342-EED7-4C58-ABB8-4C6E2D229DB1}"/>
+    <dgm:cxn modelId="{37BD7CC8-85B9-4EB8-8833-3AEFB7C80619}" srcId="{500C55E2-A9D5-4495-A7D2-3294DA8A4442}" destId="{CB54B775-6E5C-45FF-A77E-3F279B6FDF8B}" srcOrd="3" destOrd="0" parTransId="{4DF644B7-C64A-407E-A5B1-FE64626D35E1}" sibTransId="{7B69971E-2CAB-4FCA-BF1A-E52F27747058}"/>
     <dgm:cxn modelId="{B282E38D-2AB7-44CA-BD97-8B7C02CC2966}" type="presOf" srcId="{FDEAE050-596A-4C4A-9646-B97AF59C5E93}" destId="{BA8B6556-5FF5-424B-8227-91F5CBE2F04B}" srcOrd="0" destOrd="0" presId="urn:microsoft.com/office/officeart/2008/layout/VerticalCurvedList"/>
-    <dgm:cxn modelId="{37BD7CC8-85B9-4EB8-8833-3AEFB7C80619}" srcId="{500C55E2-A9D5-4495-A7D2-3294DA8A4442}" destId="{CB54B775-6E5C-45FF-A77E-3F279B6FDF8B}" srcOrd="3" destOrd="0" parTransId="{4DF644B7-C64A-407E-A5B1-FE64626D35E1}" sibTransId="{7B69971E-2CAB-4FCA-BF1A-E52F27747058}"/>
-    <dgm:cxn modelId="{DD7287D3-769E-4BD2-B813-3474854133D2}" type="presOf" srcId="{9933D4E4-553C-4016-83F0-91AF395512FF}" destId="{D40B5C56-C681-4379-9B36-D99F14760CE6}" srcOrd="0" destOrd="0" presId="urn:microsoft.com/office/officeart/2008/layout/VerticalCurvedList"/>
+    <dgm:cxn modelId="{4D8B59E7-3F88-434E-B070-3F8156925F04}" type="presOf" srcId="{CB54B775-6E5C-45FF-A77E-3F279B6FDF8B}" destId="{C72D811D-07C6-4EAA-A333-963DE1A33B24}" srcOrd="0" destOrd="0" presId="urn:microsoft.com/office/officeart/2008/layout/VerticalCurvedList"/>
     <dgm:cxn modelId="{346EA605-4EE5-4527-A0FA-9D472B07791E}" type="presOf" srcId="{09EAA972-167F-4533-87FE-4B7185E74A57}" destId="{41BA3888-95D8-4C28-B949-4E925EB6A834}" srcOrd="0" destOrd="0" presId="urn:microsoft.com/office/officeart/2008/layout/VerticalCurvedList"/>
-    <dgm:cxn modelId="{370726BC-5B0F-4E6D-9D80-1E0C22A86C9C}" srcId="{500C55E2-A9D5-4495-A7D2-3294DA8A4442}" destId="{FDEAE050-596A-4C4A-9646-B97AF59C5E93}" srcOrd="1" destOrd="0" parTransId="{E576D7A6-D727-40CE-A6CD-20275FC7E987}" sibTransId="{DBC54970-76E9-437C-9236-CBFCF20F400C}"/>
-    <dgm:cxn modelId="{4D8B59E7-3F88-434E-B070-3F8156925F04}" type="presOf" srcId="{CB54B775-6E5C-45FF-A77E-3F279B6FDF8B}" destId="{C72D811D-07C6-4EAA-A333-963DE1A33B24}" srcOrd="0" destOrd="0" presId="urn:microsoft.com/office/officeart/2008/layout/VerticalCurvedList"/>
-    <dgm:cxn modelId="{D68BE518-56C7-48F9-A148-7981A68E6F03}" type="presOf" srcId="{283885B7-DD1C-4FE9-BD17-28C1156913D9}" destId="{7D7F7D59-C93A-4103-9FF2-0F4CCFC8529A}" srcOrd="0" destOrd="0" presId="urn:microsoft.com/office/officeart/2008/layout/VerticalCurvedList"/>
-    <dgm:cxn modelId="{DCC18A15-39E1-421F-9F36-F2A4B7E4EDBD}" type="presOf" srcId="{500C55E2-A9D5-4495-A7D2-3294DA8A4442}" destId="{B3653C55-BF06-48E8-8026-4F1FEA311BDA}" srcOrd="0" destOrd="0" presId="urn:microsoft.com/office/officeart/2008/layout/VerticalCurvedList"/>
-    <dgm:cxn modelId="{70EFE594-EFD6-403A-8E15-46E4ABC86488}" srcId="{500C55E2-A9D5-4495-A7D2-3294DA8A4442}" destId="{283885B7-DD1C-4FE9-BD17-28C1156913D9}" srcOrd="2" destOrd="0" parTransId="{10252250-F1FF-47E3-A88D-D975E3B3BBF5}" sibTransId="{575F9342-EED7-4C58-ABB8-4C6E2D229DB1}"/>
-    <dgm:cxn modelId="{A20BF7A3-4C32-402E-90A4-59D7D1EAE40F}" srcId="{500C55E2-A9D5-4495-A7D2-3294DA8A4442}" destId="{09EAA972-167F-4533-87FE-4B7185E74A57}" srcOrd="0" destOrd="0" parTransId="{1B0E8BDB-28F8-431D-9CF9-BA0C72EEE121}" sibTransId="{9933D4E4-553C-4016-83F0-91AF395512FF}"/>
     <dgm:cxn modelId="{8B9BD81B-76E0-4144-AF7F-E7730CAB4612}" type="presParOf" srcId="{B3653C55-BF06-48E8-8026-4F1FEA311BDA}" destId="{24704A3C-D9AE-45D7-97C3-EC98B40506C0}" srcOrd="0" destOrd="0" presId="urn:microsoft.com/office/officeart/2008/layout/VerticalCurvedList"/>
     <dgm:cxn modelId="{57EA819D-D9D0-4EF8-8494-CC47085BF05A}" type="presParOf" srcId="{24704A3C-D9AE-45D7-97C3-EC98B40506C0}" destId="{5D87E414-054D-4510-9757-7D33277DE299}" srcOrd="0" destOrd="0" presId="urn:microsoft.com/office/officeart/2008/layout/VerticalCurvedList"/>
     <dgm:cxn modelId="{242C5F22-FF98-4FC6-AE4E-6F45449C212E}" type="presParOf" srcId="{5D87E414-054D-4510-9757-7D33277DE299}" destId="{343620E8-00D9-4837-8A5F-D3281BED8E74}" srcOrd="0" destOrd="0" presId="urn:microsoft.com/office/officeart/2008/layout/VerticalCurvedList"/>
@@ -1992,10 +2033,16 @@
         <a:lstStyle/>
         <a:p>
           <a:r>
-            <a:rPr kumimoji="1" lang="ja-JP" altLang="en-US" dirty="0" smtClean="0"/>
-            <a:t>データの確認</a:t>
+            <a:rPr kumimoji="1" lang="ja-JP" altLang="en-US" dirty="0" smtClean="0">
+              <a:latin typeface="Meiryo UI" panose="020B0604030504040204" pitchFamily="50" charset="-128"/>
+              <a:ea typeface="Meiryo UI" panose="020B0604030504040204" pitchFamily="50" charset="-128"/>
+            </a:rPr>
+            <a:t>データの収集</a:t>
           </a:r>
-          <a:endParaRPr kumimoji="1" lang="ja-JP" altLang="en-US" dirty="0"/>
+          <a:endParaRPr kumimoji="1" lang="ja-JP" altLang="en-US" dirty="0">
+            <a:latin typeface="Meiryo UI" panose="020B0604030504040204" pitchFamily="50" charset="-128"/>
+            <a:ea typeface="Meiryo UI" panose="020B0604030504040204" pitchFamily="50" charset="-128"/>
+          </a:endParaRPr>
         </a:p>
       </dgm:t>
     </dgm:pt>
@@ -2006,7 +2053,10 @@
         <a:bodyPr/>
         <a:lstStyle/>
         <a:p>
-          <a:endParaRPr kumimoji="1" lang="ja-JP" altLang="en-US"/>
+          <a:endParaRPr kumimoji="1" lang="ja-JP" altLang="en-US">
+            <a:latin typeface="Meiryo UI" panose="020B0604030504040204" pitchFamily="50" charset="-128"/>
+            <a:ea typeface="Meiryo UI" panose="020B0604030504040204" pitchFamily="50" charset="-128"/>
+          </a:endParaRPr>
         </a:p>
       </dgm:t>
     </dgm:pt>
@@ -2023,7 +2073,10 @@
         <a:bodyPr/>
         <a:lstStyle/>
         <a:p>
-          <a:endParaRPr kumimoji="1" lang="ja-JP" altLang="en-US"/>
+          <a:endParaRPr kumimoji="1" lang="ja-JP" altLang="en-US">
+            <a:latin typeface="Meiryo UI" panose="020B0604030504040204" pitchFamily="50" charset="-128"/>
+            <a:ea typeface="Meiryo UI" panose="020B0604030504040204" pitchFamily="50" charset="-128"/>
+          </a:endParaRPr>
         </a:p>
       </dgm:t>
     </dgm:pt>
@@ -2035,10 +2088,16 @@
         <a:lstStyle/>
         <a:p>
           <a:r>
-            <a:rPr kumimoji="1" lang="ja-JP" altLang="en-US" dirty="0" smtClean="0"/>
+            <a:rPr kumimoji="1" lang="ja-JP" altLang="en-US" dirty="0" smtClean="0">
+              <a:latin typeface="Meiryo UI" panose="020B0604030504040204" pitchFamily="50" charset="-128"/>
+              <a:ea typeface="Meiryo UI" panose="020B0604030504040204" pitchFamily="50" charset="-128"/>
+            </a:rPr>
             <a:t>データのビューイング</a:t>
           </a:r>
-          <a:endParaRPr kumimoji="1" lang="ja-JP" altLang="en-US" dirty="0"/>
+          <a:endParaRPr kumimoji="1" lang="ja-JP" altLang="en-US" dirty="0">
+            <a:latin typeface="Meiryo UI" panose="020B0604030504040204" pitchFamily="50" charset="-128"/>
+            <a:ea typeface="Meiryo UI" panose="020B0604030504040204" pitchFamily="50" charset="-128"/>
+          </a:endParaRPr>
         </a:p>
       </dgm:t>
     </dgm:pt>
@@ -2049,7 +2108,10 @@
         <a:bodyPr/>
         <a:lstStyle/>
         <a:p>
-          <a:endParaRPr kumimoji="1" lang="ja-JP" altLang="en-US"/>
+          <a:endParaRPr kumimoji="1" lang="ja-JP" altLang="en-US">
+            <a:latin typeface="Meiryo UI" panose="020B0604030504040204" pitchFamily="50" charset="-128"/>
+            <a:ea typeface="Meiryo UI" panose="020B0604030504040204" pitchFamily="50" charset="-128"/>
+          </a:endParaRPr>
         </a:p>
       </dgm:t>
     </dgm:pt>
@@ -2066,7 +2128,10 @@
         <a:bodyPr/>
         <a:lstStyle/>
         <a:p>
-          <a:endParaRPr kumimoji="1" lang="ja-JP" altLang="en-US"/>
+          <a:endParaRPr kumimoji="1" lang="ja-JP" altLang="en-US">
+            <a:latin typeface="Meiryo UI" panose="020B0604030504040204" pitchFamily="50" charset="-128"/>
+            <a:ea typeface="Meiryo UI" panose="020B0604030504040204" pitchFamily="50" charset="-128"/>
+          </a:endParaRPr>
         </a:p>
       </dgm:t>
     </dgm:pt>
@@ -2078,10 +2143,16 @@
         <a:lstStyle/>
         <a:p>
           <a:r>
-            <a:rPr kumimoji="1" lang="ja-JP" altLang="en-US" dirty="0" smtClean="0"/>
-            <a:t>使用するデータの収集</a:t>
+            <a:rPr kumimoji="1" lang="ja-JP" altLang="en-US" dirty="0" smtClean="0">
+              <a:latin typeface="Meiryo UI" panose="020B0604030504040204" pitchFamily="50" charset="-128"/>
+              <a:ea typeface="Meiryo UI" panose="020B0604030504040204" pitchFamily="50" charset="-128"/>
+            </a:rPr>
+            <a:t>追加で使用するデータの収集</a:t>
           </a:r>
-          <a:endParaRPr kumimoji="1" lang="ja-JP" altLang="en-US" dirty="0"/>
+          <a:endParaRPr kumimoji="1" lang="ja-JP" altLang="en-US" dirty="0">
+            <a:latin typeface="Meiryo UI" panose="020B0604030504040204" pitchFamily="50" charset="-128"/>
+            <a:ea typeface="Meiryo UI" panose="020B0604030504040204" pitchFamily="50" charset="-128"/>
+          </a:endParaRPr>
         </a:p>
       </dgm:t>
     </dgm:pt>
@@ -2092,7 +2163,10 @@
         <a:bodyPr/>
         <a:lstStyle/>
         <a:p>
-          <a:endParaRPr kumimoji="1" lang="ja-JP" altLang="en-US"/>
+          <a:endParaRPr kumimoji="1" lang="ja-JP" altLang="en-US">
+            <a:latin typeface="Meiryo UI" panose="020B0604030504040204" pitchFamily="50" charset="-128"/>
+            <a:ea typeface="Meiryo UI" panose="020B0604030504040204" pitchFamily="50" charset="-128"/>
+          </a:endParaRPr>
         </a:p>
       </dgm:t>
     </dgm:pt>
@@ -2109,7 +2183,10 @@
         <a:bodyPr/>
         <a:lstStyle/>
         <a:p>
-          <a:endParaRPr kumimoji="1" lang="ja-JP" altLang="en-US"/>
+          <a:endParaRPr kumimoji="1" lang="ja-JP" altLang="en-US">
+            <a:latin typeface="Meiryo UI" panose="020B0604030504040204" pitchFamily="50" charset="-128"/>
+            <a:ea typeface="Meiryo UI" panose="020B0604030504040204" pitchFamily="50" charset="-128"/>
+          </a:endParaRPr>
         </a:p>
       </dgm:t>
     </dgm:pt>
@@ -2121,10 +2198,16 @@
         <a:lstStyle/>
         <a:p>
           <a:r>
-            <a:rPr kumimoji="1" lang="ja-JP" altLang="en-US" dirty="0" smtClean="0"/>
+            <a:rPr kumimoji="1" lang="ja-JP" altLang="en-US" dirty="0" smtClean="0">
+              <a:latin typeface="Meiryo UI" panose="020B0604030504040204" pitchFamily="50" charset="-128"/>
+              <a:ea typeface="Meiryo UI" panose="020B0604030504040204" pitchFamily="50" charset="-128"/>
+            </a:rPr>
             <a:t>予測の実行</a:t>
           </a:r>
-          <a:endParaRPr kumimoji="1" lang="ja-JP" altLang="en-US" dirty="0"/>
+          <a:endParaRPr kumimoji="1" lang="ja-JP" altLang="en-US" dirty="0">
+            <a:latin typeface="Meiryo UI" panose="020B0604030504040204" pitchFamily="50" charset="-128"/>
+            <a:ea typeface="Meiryo UI" panose="020B0604030504040204" pitchFamily="50" charset="-128"/>
+          </a:endParaRPr>
         </a:p>
       </dgm:t>
     </dgm:pt>
@@ -2135,7 +2218,10 @@
         <a:bodyPr/>
         <a:lstStyle/>
         <a:p>
-          <a:endParaRPr kumimoji="1" lang="ja-JP" altLang="en-US"/>
+          <a:endParaRPr kumimoji="1" lang="ja-JP" altLang="en-US">
+            <a:latin typeface="Meiryo UI" panose="020B0604030504040204" pitchFamily="50" charset="-128"/>
+            <a:ea typeface="Meiryo UI" panose="020B0604030504040204" pitchFamily="50" charset="-128"/>
+          </a:endParaRPr>
         </a:p>
       </dgm:t>
     </dgm:pt>
@@ -2152,7 +2238,10 @@
         <a:bodyPr/>
         <a:lstStyle/>
         <a:p>
-          <a:endParaRPr kumimoji="1" lang="ja-JP" altLang="en-US"/>
+          <a:endParaRPr kumimoji="1" lang="ja-JP" altLang="en-US">
+            <a:latin typeface="Meiryo UI" panose="020B0604030504040204" pitchFamily="50" charset="-128"/>
+            <a:ea typeface="Meiryo UI" panose="020B0604030504040204" pitchFamily="50" charset="-128"/>
+          </a:endParaRPr>
         </a:p>
       </dgm:t>
     </dgm:pt>
@@ -2164,10 +2253,16 @@
         <a:lstStyle/>
         <a:p>
           <a:r>
-            <a:rPr kumimoji="1" lang="ja-JP" altLang="en-US" dirty="0" smtClean="0"/>
+            <a:rPr kumimoji="1" lang="ja-JP" altLang="en-US" dirty="0" smtClean="0">
+              <a:latin typeface="Meiryo UI" panose="020B0604030504040204" pitchFamily="50" charset="-128"/>
+              <a:ea typeface="Meiryo UI" panose="020B0604030504040204" pitchFamily="50" charset="-128"/>
+            </a:rPr>
             <a:t>目的の確認</a:t>
           </a:r>
-          <a:endParaRPr kumimoji="1" lang="ja-JP" altLang="en-US" dirty="0"/>
+          <a:endParaRPr kumimoji="1" lang="ja-JP" altLang="en-US" dirty="0">
+            <a:latin typeface="Meiryo UI" panose="020B0604030504040204" pitchFamily="50" charset="-128"/>
+            <a:ea typeface="Meiryo UI" panose="020B0604030504040204" pitchFamily="50" charset="-128"/>
+          </a:endParaRPr>
         </a:p>
       </dgm:t>
     </dgm:pt>
@@ -2178,7 +2273,10 @@
         <a:bodyPr/>
         <a:lstStyle/>
         <a:p>
-          <a:endParaRPr kumimoji="1" lang="ja-JP" altLang="en-US"/>
+          <a:endParaRPr kumimoji="1" lang="ja-JP" altLang="en-US">
+            <a:latin typeface="Meiryo UI" panose="020B0604030504040204" pitchFamily="50" charset="-128"/>
+            <a:ea typeface="Meiryo UI" panose="020B0604030504040204" pitchFamily="50" charset="-128"/>
+          </a:endParaRPr>
         </a:p>
       </dgm:t>
     </dgm:pt>
@@ -2195,7 +2293,10 @@
         <a:bodyPr/>
         <a:lstStyle/>
         <a:p>
-          <a:endParaRPr kumimoji="1" lang="ja-JP" altLang="en-US"/>
+          <a:endParaRPr kumimoji="1" lang="ja-JP" altLang="en-US">
+            <a:latin typeface="Meiryo UI" panose="020B0604030504040204" pitchFamily="50" charset="-128"/>
+            <a:ea typeface="Meiryo UI" panose="020B0604030504040204" pitchFamily="50" charset="-128"/>
+          </a:endParaRPr>
         </a:p>
       </dgm:t>
     </dgm:pt>
@@ -2207,10 +2308,16 @@
         <a:lstStyle/>
         <a:p>
           <a:r>
-            <a:rPr kumimoji="1" lang="ja-JP" altLang="en-US" dirty="0" smtClean="0"/>
-            <a:t>手法、アプローチの検討</a:t>
+            <a:rPr kumimoji="1" lang="ja-JP" altLang="en-US" dirty="0" smtClean="0">
+              <a:latin typeface="Meiryo UI" panose="020B0604030504040204" pitchFamily="50" charset="-128"/>
+              <a:ea typeface="Meiryo UI" panose="020B0604030504040204" pitchFamily="50" charset="-128"/>
+            </a:rPr>
+            <a:t>手法、アプローチの検討、仮説検討</a:t>
           </a:r>
-          <a:endParaRPr kumimoji="1" lang="ja-JP" altLang="en-US" dirty="0"/>
+          <a:endParaRPr kumimoji="1" lang="ja-JP" altLang="en-US" dirty="0">
+            <a:latin typeface="Meiryo UI" panose="020B0604030504040204" pitchFamily="50" charset="-128"/>
+            <a:ea typeface="Meiryo UI" panose="020B0604030504040204" pitchFamily="50" charset="-128"/>
+          </a:endParaRPr>
         </a:p>
       </dgm:t>
     </dgm:pt>
@@ -2221,7 +2328,10 @@
         <a:bodyPr/>
         <a:lstStyle/>
         <a:p>
-          <a:endParaRPr kumimoji="1" lang="ja-JP" altLang="en-US"/>
+          <a:endParaRPr kumimoji="1" lang="ja-JP" altLang="en-US">
+            <a:latin typeface="Meiryo UI" panose="020B0604030504040204" pitchFamily="50" charset="-128"/>
+            <a:ea typeface="Meiryo UI" panose="020B0604030504040204" pitchFamily="50" charset="-128"/>
+          </a:endParaRPr>
         </a:p>
       </dgm:t>
     </dgm:pt>
@@ -2238,7 +2348,10 @@
         <a:bodyPr/>
         <a:lstStyle/>
         <a:p>
-          <a:endParaRPr kumimoji="1" lang="ja-JP" altLang="en-US"/>
+          <a:endParaRPr kumimoji="1" lang="ja-JP" altLang="en-US">
+            <a:latin typeface="Meiryo UI" panose="020B0604030504040204" pitchFamily="50" charset="-128"/>
+            <a:ea typeface="Meiryo UI" panose="020B0604030504040204" pitchFamily="50" charset="-128"/>
+          </a:endParaRPr>
         </a:p>
       </dgm:t>
     </dgm:pt>
@@ -2250,10 +2363,16 @@
         <a:lstStyle/>
         <a:p>
           <a:r>
-            <a:rPr kumimoji="1" lang="ja-JP" altLang="en-US" dirty="0" smtClean="0"/>
+            <a:rPr kumimoji="1" lang="ja-JP" altLang="en-US" dirty="0" smtClean="0">
+              <a:latin typeface="Meiryo UI" panose="020B0604030504040204" pitchFamily="50" charset="-128"/>
+              <a:ea typeface="Meiryo UI" panose="020B0604030504040204" pitchFamily="50" charset="-128"/>
+            </a:rPr>
             <a:t>使用するデータの加工、前処理</a:t>
           </a:r>
-          <a:endParaRPr kumimoji="1" lang="ja-JP" altLang="en-US" dirty="0"/>
+          <a:endParaRPr kumimoji="1" lang="ja-JP" altLang="en-US" dirty="0">
+            <a:latin typeface="Meiryo UI" panose="020B0604030504040204" pitchFamily="50" charset="-128"/>
+            <a:ea typeface="Meiryo UI" panose="020B0604030504040204" pitchFamily="50" charset="-128"/>
+          </a:endParaRPr>
         </a:p>
       </dgm:t>
     </dgm:pt>
@@ -2264,7 +2383,10 @@
         <a:bodyPr/>
         <a:lstStyle/>
         <a:p>
-          <a:endParaRPr kumimoji="1" lang="ja-JP" altLang="en-US"/>
+          <a:endParaRPr kumimoji="1" lang="ja-JP" altLang="en-US">
+            <a:latin typeface="Meiryo UI" panose="020B0604030504040204" pitchFamily="50" charset="-128"/>
+            <a:ea typeface="Meiryo UI" panose="020B0604030504040204" pitchFamily="50" charset="-128"/>
+          </a:endParaRPr>
         </a:p>
       </dgm:t>
     </dgm:pt>
@@ -2281,7 +2403,10 @@
         <a:bodyPr/>
         <a:lstStyle/>
         <a:p>
-          <a:endParaRPr kumimoji="1" lang="ja-JP" altLang="en-US"/>
+          <a:endParaRPr kumimoji="1" lang="ja-JP" altLang="en-US">
+            <a:latin typeface="Meiryo UI" panose="020B0604030504040204" pitchFamily="50" charset="-128"/>
+            <a:ea typeface="Meiryo UI" panose="020B0604030504040204" pitchFamily="50" charset="-128"/>
+          </a:endParaRPr>
         </a:p>
       </dgm:t>
     </dgm:pt>
@@ -2293,10 +2418,16 @@
         <a:lstStyle/>
         <a:p>
           <a:r>
-            <a:rPr kumimoji="1" lang="ja-JP" altLang="en-US" dirty="0" smtClean="0"/>
+            <a:rPr kumimoji="1" lang="ja-JP" altLang="en-US" dirty="0" smtClean="0">
+              <a:latin typeface="Meiryo UI" panose="020B0604030504040204" pitchFamily="50" charset="-128"/>
+              <a:ea typeface="Meiryo UI" panose="020B0604030504040204" pitchFamily="50" charset="-128"/>
+            </a:rPr>
             <a:t>結果の評価</a:t>
           </a:r>
-          <a:endParaRPr kumimoji="1" lang="ja-JP" altLang="en-US" dirty="0"/>
+          <a:endParaRPr kumimoji="1" lang="ja-JP" altLang="en-US" dirty="0">
+            <a:latin typeface="Meiryo UI" panose="020B0604030504040204" pitchFamily="50" charset="-128"/>
+            <a:ea typeface="Meiryo UI" panose="020B0604030504040204" pitchFamily="50" charset="-128"/>
+          </a:endParaRPr>
         </a:p>
       </dgm:t>
     </dgm:pt>
@@ -2307,7 +2438,10 @@
         <a:bodyPr/>
         <a:lstStyle/>
         <a:p>
-          <a:endParaRPr kumimoji="1" lang="ja-JP" altLang="en-US"/>
+          <a:endParaRPr kumimoji="1" lang="ja-JP" altLang="en-US">
+            <a:latin typeface="Meiryo UI" panose="020B0604030504040204" pitchFamily="50" charset="-128"/>
+            <a:ea typeface="Meiryo UI" panose="020B0604030504040204" pitchFamily="50" charset="-128"/>
+          </a:endParaRPr>
         </a:p>
       </dgm:t>
     </dgm:pt>
@@ -2318,7 +2452,10 @@
         <a:bodyPr/>
         <a:lstStyle/>
         <a:p>
-          <a:endParaRPr kumimoji="1" lang="ja-JP" altLang="en-US"/>
+          <a:endParaRPr kumimoji="1" lang="ja-JP" altLang="en-US">
+            <a:latin typeface="Meiryo UI" panose="020B0604030504040204" pitchFamily="50" charset="-128"/>
+            <a:ea typeface="Meiryo UI" panose="020B0604030504040204" pitchFamily="50" charset="-128"/>
+          </a:endParaRPr>
         </a:p>
       </dgm:t>
     </dgm:pt>
@@ -2780,12 +2917,12 @@
         </a:fontRef>
       </dsp:style>
       <dsp:txBody>
-        <a:bodyPr spcFirstLastPara="0" vert="horz" wrap="square" lIns="571145" tIns="91440" rIns="91440" bIns="91440" numCol="1" spcCol="1270" anchor="ctr" anchorCtr="0">
+        <a:bodyPr spcFirstLastPara="0" vert="horz" wrap="square" lIns="571145" tIns="73660" rIns="73660" bIns="73660" numCol="1" spcCol="1270" anchor="ctr" anchorCtr="0">
           <a:noAutofit/>
         </a:bodyPr>
         <a:lstStyle/>
         <a:p>
-          <a:pPr lvl="0" algn="l" defTabSz="1600200">
+          <a:pPr lvl="0" algn="l" defTabSz="1289050">
             <a:lnSpc>
               <a:spcPct val="90000"/>
             </a:lnSpc>
@@ -2797,14 +2934,16 @@
             </a:spcAft>
           </a:pPr>
           <a:r>
-            <a:rPr lang="ja-JP" altLang="en-US" sz="3600" kern="1200" dirty="0" smtClean="0"/>
-            <a:t>今回の</a:t>
+            <a:rPr lang="ja-JP" altLang="en-US" sz="2900" kern="1200" dirty="0" smtClean="0">
+              <a:latin typeface="Meiryo UI" panose="020B0604030504040204" pitchFamily="50" charset="-128"/>
+              <a:ea typeface="Meiryo UI" panose="020B0604030504040204" pitchFamily="50" charset="-128"/>
+            </a:rPr>
+            <a:t>今回の例題</a:t>
           </a:r>
-          <a:r>
-            <a:rPr lang="ja-JP" altLang="en-US" sz="3600" kern="1200" dirty="0" smtClean="0"/>
-            <a:t>例題</a:t>
-          </a:r>
-          <a:endParaRPr kumimoji="1" lang="ja-JP" altLang="en-US" sz="3600" kern="1200" dirty="0"/>
+          <a:endParaRPr kumimoji="1" lang="ja-JP" altLang="en-US" sz="2900" kern="1200" dirty="0">
+            <a:latin typeface="Meiryo UI" panose="020B0604030504040204" pitchFamily="50" charset="-128"/>
+            <a:ea typeface="Meiryo UI" panose="020B0604030504040204" pitchFamily="50" charset="-128"/>
+          </a:endParaRPr>
         </a:p>
       </dsp:txBody>
       <dsp:txXfrm>
@@ -2908,12 +3047,12 @@
         </a:fontRef>
       </dsp:style>
       <dsp:txBody>
-        <a:bodyPr spcFirstLastPara="0" vert="horz" wrap="square" lIns="571145" tIns="91440" rIns="91440" bIns="91440" numCol="1" spcCol="1270" anchor="ctr" anchorCtr="0">
+        <a:bodyPr spcFirstLastPara="0" vert="horz" wrap="square" lIns="571145" tIns="73660" rIns="73660" bIns="73660" numCol="1" spcCol="1270" anchor="ctr" anchorCtr="0">
           <a:noAutofit/>
         </a:bodyPr>
         <a:lstStyle/>
         <a:p>
-          <a:pPr lvl="0" algn="l" defTabSz="1600200">
+          <a:pPr lvl="0" algn="l" defTabSz="1289050">
             <a:lnSpc>
               <a:spcPct val="90000"/>
             </a:lnSpc>
@@ -2925,14 +3064,16 @@
             </a:spcAft>
           </a:pPr>
           <a:r>
-            <a:rPr lang="ja-JP" altLang="en-US" sz="3600" kern="1200" dirty="0" smtClean="0"/>
-            <a:t>データ</a:t>
+            <a:rPr lang="ja-JP" altLang="en-US" sz="2900" kern="1200" dirty="0" smtClean="0">
+              <a:latin typeface="Meiryo UI" panose="020B0604030504040204" pitchFamily="50" charset="-128"/>
+              <a:ea typeface="Meiryo UI" panose="020B0604030504040204" pitchFamily="50" charset="-128"/>
+            </a:rPr>
+            <a:t>データの確認</a:t>
           </a:r>
-          <a:r>
-            <a:rPr lang="ja-JP" altLang="en-US" sz="3600" kern="1200" dirty="0" smtClean="0"/>
-            <a:t>の確認</a:t>
-          </a:r>
-          <a:endParaRPr kumimoji="1" lang="ja-JP" altLang="en-US" sz="3600" kern="1200" dirty="0"/>
+          <a:endParaRPr kumimoji="1" lang="ja-JP" altLang="en-US" sz="2900" kern="1200" dirty="0">
+            <a:latin typeface="Meiryo UI" panose="020B0604030504040204" pitchFamily="50" charset="-128"/>
+            <a:ea typeface="Meiryo UI" panose="020B0604030504040204" pitchFamily="50" charset="-128"/>
+          </a:endParaRPr>
         </a:p>
       </dsp:txBody>
       <dsp:txXfrm>
@@ -3036,12 +3177,12 @@
         </a:fontRef>
       </dsp:style>
       <dsp:txBody>
-        <a:bodyPr spcFirstLastPara="0" vert="horz" wrap="square" lIns="571145" tIns="91440" rIns="91440" bIns="91440" numCol="1" spcCol="1270" anchor="ctr" anchorCtr="0">
+        <a:bodyPr spcFirstLastPara="0" vert="horz" wrap="square" lIns="571145" tIns="73660" rIns="73660" bIns="73660" numCol="1" spcCol="1270" anchor="ctr" anchorCtr="0">
           <a:noAutofit/>
         </a:bodyPr>
         <a:lstStyle/>
         <a:p>
-          <a:pPr lvl="0" algn="l" defTabSz="1600200">
+          <a:pPr lvl="0" algn="l" defTabSz="1289050">
             <a:lnSpc>
               <a:spcPct val="90000"/>
             </a:lnSpc>
@@ -3053,10 +3194,16 @@
             </a:spcAft>
           </a:pPr>
           <a:r>
-            <a:rPr lang="ja-JP" altLang="en-US" sz="3600" kern="1200" dirty="0" smtClean="0"/>
+            <a:rPr lang="ja-JP" altLang="en-US" sz="2900" kern="1200" dirty="0" smtClean="0">
+              <a:latin typeface="Meiryo UI" panose="020B0604030504040204" pitchFamily="50" charset="-128"/>
+              <a:ea typeface="Meiryo UI" panose="020B0604030504040204" pitchFamily="50" charset="-128"/>
+            </a:rPr>
             <a:t>実際にやってみる</a:t>
           </a:r>
-          <a:endParaRPr kumimoji="1" lang="ja-JP" altLang="en-US" sz="3600" kern="1200" dirty="0"/>
+          <a:endParaRPr kumimoji="1" lang="ja-JP" altLang="en-US" sz="2900" kern="1200" dirty="0">
+            <a:latin typeface="Meiryo UI" panose="020B0604030504040204" pitchFamily="50" charset="-128"/>
+            <a:ea typeface="Meiryo UI" panose="020B0604030504040204" pitchFamily="50" charset="-128"/>
+          </a:endParaRPr>
         </a:p>
       </dsp:txBody>
       <dsp:txXfrm>
@@ -3160,12 +3307,12 @@
         </a:fontRef>
       </dsp:style>
       <dsp:txBody>
-        <a:bodyPr spcFirstLastPara="0" vert="horz" wrap="square" lIns="571145" tIns="91440" rIns="91440" bIns="91440" numCol="1" spcCol="1270" anchor="ctr" anchorCtr="0">
+        <a:bodyPr spcFirstLastPara="0" vert="horz" wrap="square" lIns="571145" tIns="73660" rIns="73660" bIns="73660" numCol="1" spcCol="1270" anchor="ctr" anchorCtr="0">
           <a:noAutofit/>
         </a:bodyPr>
         <a:lstStyle/>
         <a:p>
-          <a:pPr lvl="0" algn="l" defTabSz="1600200">
+          <a:pPr lvl="0" algn="l" defTabSz="1289050">
             <a:lnSpc>
               <a:spcPct val="90000"/>
             </a:lnSpc>
@@ -3177,10 +3324,16 @@
             </a:spcAft>
           </a:pPr>
           <a:r>
-            <a:rPr lang="ja-JP" altLang="en-US" sz="3600" kern="1200" dirty="0" smtClean="0"/>
+            <a:rPr lang="ja-JP" altLang="en-US" sz="2900" kern="1200" dirty="0" smtClean="0">
+              <a:latin typeface="Meiryo UI" panose="020B0604030504040204" pitchFamily="50" charset="-128"/>
+              <a:ea typeface="Meiryo UI" panose="020B0604030504040204" pitchFamily="50" charset="-128"/>
+            </a:rPr>
             <a:t>まとめ</a:t>
           </a:r>
-          <a:endParaRPr kumimoji="1" lang="ja-JP" altLang="en-US" sz="3600" kern="1200" dirty="0"/>
+          <a:endParaRPr kumimoji="1" lang="ja-JP" altLang="en-US" sz="2900" kern="1200" dirty="0">
+            <a:latin typeface="Meiryo UI" panose="020B0604030504040204" pitchFamily="50" charset="-128"/>
+            <a:ea typeface="Meiryo UI" panose="020B0604030504040204" pitchFamily="50" charset="-128"/>
+          </a:endParaRPr>
         </a:p>
       </dsp:txBody>
       <dsp:txXfrm>
@@ -3298,12 +3451,12 @@
         </a:fontRef>
       </dsp:style>
       <dsp:txBody>
-        <a:bodyPr spcFirstLastPara="0" vert="horz" wrap="square" lIns="68580" tIns="68580" rIns="68580" bIns="68580" numCol="1" spcCol="1270" anchor="ctr" anchorCtr="0">
+        <a:bodyPr spcFirstLastPara="0" vert="horz" wrap="square" lIns="60960" tIns="60960" rIns="60960" bIns="60960" numCol="1" spcCol="1270" anchor="ctr" anchorCtr="0">
           <a:noAutofit/>
         </a:bodyPr>
         <a:lstStyle/>
         <a:p>
-          <a:pPr lvl="0" algn="ctr" defTabSz="800100">
+          <a:pPr lvl="0" algn="ctr" defTabSz="711200">
             <a:lnSpc>
               <a:spcPct val="90000"/>
             </a:lnSpc>
@@ -3315,10 +3468,16 @@
             </a:spcAft>
           </a:pPr>
           <a:r>
-            <a:rPr kumimoji="1" lang="ja-JP" altLang="en-US" sz="1800" kern="1200" dirty="0" smtClean="0"/>
+            <a:rPr kumimoji="1" lang="ja-JP" altLang="en-US" sz="1600" kern="1200" dirty="0" smtClean="0">
+              <a:latin typeface="Meiryo UI" panose="020B0604030504040204" pitchFamily="50" charset="-128"/>
+              <a:ea typeface="Meiryo UI" panose="020B0604030504040204" pitchFamily="50" charset="-128"/>
+            </a:rPr>
             <a:t>目的の確認</a:t>
           </a:r>
-          <a:endParaRPr kumimoji="1" lang="ja-JP" altLang="en-US" sz="1800" kern="1200" dirty="0"/>
+          <a:endParaRPr kumimoji="1" lang="ja-JP" altLang="en-US" sz="1600" kern="1200" dirty="0">
+            <a:latin typeface="Meiryo UI" panose="020B0604030504040204" pitchFamily="50" charset="-128"/>
+            <a:ea typeface="Meiryo UI" panose="020B0604030504040204" pitchFamily="50" charset="-128"/>
+          </a:endParaRPr>
         </a:p>
       </dsp:txBody>
       <dsp:txXfrm>
@@ -3372,7 +3531,7 @@
         </a:bodyPr>
         <a:lstStyle/>
         <a:p>
-          <a:pPr lvl="0" algn="ctr" defTabSz="666750">
+          <a:pPr lvl="0" algn="ctr" defTabSz="577850">
             <a:lnSpc>
               <a:spcPct val="90000"/>
             </a:lnSpc>
@@ -3383,7 +3542,10 @@
               <a:spcPct val="35000"/>
             </a:spcAft>
           </a:pPr>
-          <a:endParaRPr kumimoji="1" lang="ja-JP" altLang="en-US" sz="1500" kern="1200"/>
+          <a:endParaRPr kumimoji="1" lang="ja-JP" altLang="en-US" sz="1300" kern="1200">
+            <a:latin typeface="Meiryo UI" panose="020B0604030504040204" pitchFamily="50" charset="-128"/>
+            <a:ea typeface="Meiryo UI" panose="020B0604030504040204" pitchFamily="50" charset="-128"/>
+          </a:endParaRPr>
         </a:p>
       </dsp:txBody>
       <dsp:txXfrm>
@@ -3442,12 +3604,12 @@
         </a:fontRef>
       </dsp:style>
       <dsp:txBody>
-        <a:bodyPr spcFirstLastPara="0" vert="horz" wrap="square" lIns="68580" tIns="68580" rIns="68580" bIns="68580" numCol="1" spcCol="1270" anchor="ctr" anchorCtr="0">
+        <a:bodyPr spcFirstLastPara="0" vert="horz" wrap="square" lIns="60960" tIns="60960" rIns="60960" bIns="60960" numCol="1" spcCol="1270" anchor="ctr" anchorCtr="0">
           <a:noAutofit/>
         </a:bodyPr>
         <a:lstStyle/>
         <a:p>
-          <a:pPr lvl="0" algn="ctr" defTabSz="800100">
+          <a:pPr lvl="0" algn="ctr" defTabSz="711200">
             <a:lnSpc>
               <a:spcPct val="90000"/>
             </a:lnSpc>
@@ -3459,10 +3621,16 @@
             </a:spcAft>
           </a:pPr>
           <a:r>
-            <a:rPr kumimoji="1" lang="ja-JP" altLang="en-US" sz="1800" kern="1200" dirty="0" smtClean="0"/>
-            <a:t>データの確認</a:t>
+            <a:rPr kumimoji="1" lang="ja-JP" altLang="en-US" sz="1600" kern="1200" dirty="0" smtClean="0">
+              <a:latin typeface="Meiryo UI" panose="020B0604030504040204" pitchFamily="50" charset="-128"/>
+              <a:ea typeface="Meiryo UI" panose="020B0604030504040204" pitchFamily="50" charset="-128"/>
+            </a:rPr>
+            <a:t>データの収集</a:t>
           </a:r>
-          <a:endParaRPr kumimoji="1" lang="ja-JP" altLang="en-US" sz="1800" kern="1200" dirty="0"/>
+          <a:endParaRPr kumimoji="1" lang="ja-JP" altLang="en-US" sz="1600" kern="1200" dirty="0">
+            <a:latin typeface="Meiryo UI" panose="020B0604030504040204" pitchFamily="50" charset="-128"/>
+            <a:ea typeface="Meiryo UI" panose="020B0604030504040204" pitchFamily="50" charset="-128"/>
+          </a:endParaRPr>
         </a:p>
       </dsp:txBody>
       <dsp:txXfrm>
@@ -3516,7 +3684,7 @@
         </a:bodyPr>
         <a:lstStyle/>
         <a:p>
-          <a:pPr lvl="0" algn="ctr" defTabSz="666750">
+          <a:pPr lvl="0" algn="ctr" defTabSz="577850">
             <a:lnSpc>
               <a:spcPct val="90000"/>
             </a:lnSpc>
@@ -3527,7 +3695,10 @@
               <a:spcPct val="35000"/>
             </a:spcAft>
           </a:pPr>
-          <a:endParaRPr kumimoji="1" lang="ja-JP" altLang="en-US" sz="1500" kern="1200"/>
+          <a:endParaRPr kumimoji="1" lang="ja-JP" altLang="en-US" sz="1300" kern="1200">
+            <a:latin typeface="Meiryo UI" panose="020B0604030504040204" pitchFamily="50" charset="-128"/>
+            <a:ea typeface="Meiryo UI" panose="020B0604030504040204" pitchFamily="50" charset="-128"/>
+          </a:endParaRPr>
         </a:p>
       </dsp:txBody>
       <dsp:txXfrm>
@@ -3586,12 +3757,12 @@
         </a:fontRef>
       </dsp:style>
       <dsp:txBody>
-        <a:bodyPr spcFirstLastPara="0" vert="horz" wrap="square" lIns="68580" tIns="68580" rIns="68580" bIns="68580" numCol="1" spcCol="1270" anchor="ctr" anchorCtr="0">
+        <a:bodyPr spcFirstLastPara="0" vert="horz" wrap="square" lIns="60960" tIns="60960" rIns="60960" bIns="60960" numCol="1" spcCol="1270" anchor="ctr" anchorCtr="0">
           <a:noAutofit/>
         </a:bodyPr>
         <a:lstStyle/>
         <a:p>
-          <a:pPr lvl="0" algn="ctr" defTabSz="800100">
+          <a:pPr lvl="0" algn="ctr" defTabSz="711200">
             <a:lnSpc>
               <a:spcPct val="90000"/>
             </a:lnSpc>
@@ -3603,10 +3774,16 @@
             </a:spcAft>
           </a:pPr>
           <a:r>
-            <a:rPr kumimoji="1" lang="ja-JP" altLang="en-US" sz="1800" kern="1200" dirty="0" smtClean="0"/>
+            <a:rPr kumimoji="1" lang="ja-JP" altLang="en-US" sz="1600" kern="1200" dirty="0" smtClean="0">
+              <a:latin typeface="Meiryo UI" panose="020B0604030504040204" pitchFamily="50" charset="-128"/>
+              <a:ea typeface="Meiryo UI" panose="020B0604030504040204" pitchFamily="50" charset="-128"/>
+            </a:rPr>
             <a:t>データのビューイング</a:t>
           </a:r>
-          <a:endParaRPr kumimoji="1" lang="ja-JP" altLang="en-US" sz="1800" kern="1200" dirty="0"/>
+          <a:endParaRPr kumimoji="1" lang="ja-JP" altLang="en-US" sz="1600" kern="1200" dirty="0">
+            <a:latin typeface="Meiryo UI" panose="020B0604030504040204" pitchFamily="50" charset="-128"/>
+            <a:ea typeface="Meiryo UI" panose="020B0604030504040204" pitchFamily="50" charset="-128"/>
+          </a:endParaRPr>
         </a:p>
       </dsp:txBody>
       <dsp:txXfrm>
@@ -3660,7 +3837,7 @@
         </a:bodyPr>
         <a:lstStyle/>
         <a:p>
-          <a:pPr lvl="0" algn="ctr" defTabSz="666750">
+          <a:pPr lvl="0" algn="ctr" defTabSz="577850">
             <a:lnSpc>
               <a:spcPct val="90000"/>
             </a:lnSpc>
@@ -3671,7 +3848,10 @@
               <a:spcPct val="35000"/>
             </a:spcAft>
           </a:pPr>
-          <a:endParaRPr kumimoji="1" lang="ja-JP" altLang="en-US" sz="1500" kern="1200"/>
+          <a:endParaRPr kumimoji="1" lang="ja-JP" altLang="en-US" sz="1300" kern="1200">
+            <a:latin typeface="Meiryo UI" panose="020B0604030504040204" pitchFamily="50" charset="-128"/>
+            <a:ea typeface="Meiryo UI" panose="020B0604030504040204" pitchFamily="50" charset="-128"/>
+          </a:endParaRPr>
         </a:p>
       </dsp:txBody>
       <dsp:txXfrm rot="-5400000">
@@ -3730,12 +3910,12 @@
         </a:fontRef>
       </dsp:style>
       <dsp:txBody>
-        <a:bodyPr spcFirstLastPara="0" vert="horz" wrap="square" lIns="68580" tIns="68580" rIns="68580" bIns="68580" numCol="1" spcCol="1270" anchor="ctr" anchorCtr="0">
+        <a:bodyPr spcFirstLastPara="0" vert="horz" wrap="square" lIns="60960" tIns="60960" rIns="60960" bIns="60960" numCol="1" spcCol="1270" anchor="ctr" anchorCtr="0">
           <a:noAutofit/>
         </a:bodyPr>
         <a:lstStyle/>
         <a:p>
-          <a:pPr lvl="0" algn="ctr" defTabSz="800100">
+          <a:pPr lvl="0" algn="ctr" defTabSz="711200">
             <a:lnSpc>
               <a:spcPct val="90000"/>
             </a:lnSpc>
@@ -3747,10 +3927,16 @@
             </a:spcAft>
           </a:pPr>
           <a:r>
-            <a:rPr kumimoji="1" lang="ja-JP" altLang="en-US" sz="1800" kern="1200" dirty="0" smtClean="0"/>
-            <a:t>手法、アプローチの検討</a:t>
+            <a:rPr kumimoji="1" lang="ja-JP" altLang="en-US" sz="1600" kern="1200" dirty="0" smtClean="0">
+              <a:latin typeface="Meiryo UI" panose="020B0604030504040204" pitchFamily="50" charset="-128"/>
+              <a:ea typeface="Meiryo UI" panose="020B0604030504040204" pitchFamily="50" charset="-128"/>
+            </a:rPr>
+            <a:t>手法、アプローチの検討、仮説検討</a:t>
           </a:r>
-          <a:endParaRPr kumimoji="1" lang="ja-JP" altLang="en-US" sz="1800" kern="1200" dirty="0"/>
+          <a:endParaRPr kumimoji="1" lang="ja-JP" altLang="en-US" sz="1600" kern="1200" dirty="0">
+            <a:latin typeface="Meiryo UI" panose="020B0604030504040204" pitchFamily="50" charset="-128"/>
+            <a:ea typeface="Meiryo UI" panose="020B0604030504040204" pitchFamily="50" charset="-128"/>
+          </a:endParaRPr>
         </a:p>
       </dsp:txBody>
       <dsp:txXfrm>
@@ -3804,7 +3990,7 @@
         </a:bodyPr>
         <a:lstStyle/>
         <a:p>
-          <a:pPr lvl="0" algn="ctr" defTabSz="666750">
+          <a:pPr lvl="0" algn="ctr" defTabSz="577850">
             <a:lnSpc>
               <a:spcPct val="90000"/>
             </a:lnSpc>
@@ -3815,7 +4001,10 @@
               <a:spcPct val="35000"/>
             </a:spcAft>
           </a:pPr>
-          <a:endParaRPr kumimoji="1" lang="ja-JP" altLang="en-US" sz="1500" kern="1200"/>
+          <a:endParaRPr kumimoji="1" lang="ja-JP" altLang="en-US" sz="1300" kern="1200">
+            <a:latin typeface="Meiryo UI" panose="020B0604030504040204" pitchFamily="50" charset="-128"/>
+            <a:ea typeface="Meiryo UI" panose="020B0604030504040204" pitchFamily="50" charset="-128"/>
+          </a:endParaRPr>
         </a:p>
       </dsp:txBody>
       <dsp:txXfrm rot="10800000">
@@ -3874,12 +4063,12 @@
         </a:fontRef>
       </dsp:style>
       <dsp:txBody>
-        <a:bodyPr spcFirstLastPara="0" vert="horz" wrap="square" lIns="68580" tIns="68580" rIns="68580" bIns="68580" numCol="1" spcCol="1270" anchor="ctr" anchorCtr="0">
+        <a:bodyPr spcFirstLastPara="0" vert="horz" wrap="square" lIns="60960" tIns="60960" rIns="60960" bIns="60960" numCol="1" spcCol="1270" anchor="ctr" anchorCtr="0">
           <a:noAutofit/>
         </a:bodyPr>
         <a:lstStyle/>
         <a:p>
-          <a:pPr lvl="0" algn="ctr" defTabSz="800100">
+          <a:pPr lvl="0" algn="ctr" defTabSz="711200">
             <a:lnSpc>
               <a:spcPct val="90000"/>
             </a:lnSpc>
@@ -3891,10 +4080,16 @@
             </a:spcAft>
           </a:pPr>
           <a:r>
-            <a:rPr kumimoji="1" lang="ja-JP" altLang="en-US" sz="1800" kern="1200" dirty="0" smtClean="0"/>
-            <a:t>使用するデータの収集</a:t>
+            <a:rPr kumimoji="1" lang="ja-JP" altLang="en-US" sz="1600" kern="1200" dirty="0" smtClean="0">
+              <a:latin typeface="Meiryo UI" panose="020B0604030504040204" pitchFamily="50" charset="-128"/>
+              <a:ea typeface="Meiryo UI" panose="020B0604030504040204" pitchFamily="50" charset="-128"/>
+            </a:rPr>
+            <a:t>追加で使用するデータの収集</a:t>
           </a:r>
-          <a:endParaRPr kumimoji="1" lang="ja-JP" altLang="en-US" sz="1800" kern="1200" dirty="0"/>
+          <a:endParaRPr kumimoji="1" lang="ja-JP" altLang="en-US" sz="1600" kern="1200" dirty="0">
+            <a:latin typeface="Meiryo UI" panose="020B0604030504040204" pitchFamily="50" charset="-128"/>
+            <a:ea typeface="Meiryo UI" panose="020B0604030504040204" pitchFamily="50" charset="-128"/>
+          </a:endParaRPr>
         </a:p>
       </dsp:txBody>
       <dsp:txXfrm>
@@ -3948,7 +4143,7 @@
         </a:bodyPr>
         <a:lstStyle/>
         <a:p>
-          <a:pPr lvl="0" algn="ctr" defTabSz="666750">
+          <a:pPr lvl="0" algn="ctr" defTabSz="577850">
             <a:lnSpc>
               <a:spcPct val="90000"/>
             </a:lnSpc>
@@ -3959,7 +4154,10 @@
               <a:spcPct val="35000"/>
             </a:spcAft>
           </a:pPr>
-          <a:endParaRPr kumimoji="1" lang="ja-JP" altLang="en-US" sz="1500" kern="1200"/>
+          <a:endParaRPr kumimoji="1" lang="ja-JP" altLang="en-US" sz="1300" kern="1200">
+            <a:latin typeface="Meiryo UI" panose="020B0604030504040204" pitchFamily="50" charset="-128"/>
+            <a:ea typeface="Meiryo UI" panose="020B0604030504040204" pitchFamily="50" charset="-128"/>
+          </a:endParaRPr>
         </a:p>
       </dsp:txBody>
       <dsp:txXfrm rot="10800000">
@@ -4018,12 +4216,12 @@
         </a:fontRef>
       </dsp:style>
       <dsp:txBody>
-        <a:bodyPr spcFirstLastPara="0" vert="horz" wrap="square" lIns="68580" tIns="68580" rIns="68580" bIns="68580" numCol="1" spcCol="1270" anchor="ctr" anchorCtr="0">
+        <a:bodyPr spcFirstLastPara="0" vert="horz" wrap="square" lIns="60960" tIns="60960" rIns="60960" bIns="60960" numCol="1" spcCol="1270" anchor="ctr" anchorCtr="0">
           <a:noAutofit/>
         </a:bodyPr>
         <a:lstStyle/>
         <a:p>
-          <a:pPr lvl="0" algn="ctr" defTabSz="800100">
+          <a:pPr lvl="0" algn="ctr" defTabSz="711200">
             <a:lnSpc>
               <a:spcPct val="90000"/>
             </a:lnSpc>
@@ -4035,10 +4233,16 @@
             </a:spcAft>
           </a:pPr>
           <a:r>
-            <a:rPr kumimoji="1" lang="ja-JP" altLang="en-US" sz="1800" kern="1200" dirty="0" smtClean="0"/>
+            <a:rPr kumimoji="1" lang="ja-JP" altLang="en-US" sz="1600" kern="1200" dirty="0" smtClean="0">
+              <a:latin typeface="Meiryo UI" panose="020B0604030504040204" pitchFamily="50" charset="-128"/>
+              <a:ea typeface="Meiryo UI" panose="020B0604030504040204" pitchFamily="50" charset="-128"/>
+            </a:rPr>
             <a:t>使用するデータの加工、前処理</a:t>
           </a:r>
-          <a:endParaRPr kumimoji="1" lang="ja-JP" altLang="en-US" sz="1800" kern="1200" dirty="0"/>
+          <a:endParaRPr kumimoji="1" lang="ja-JP" altLang="en-US" sz="1600" kern="1200" dirty="0">
+            <a:latin typeface="Meiryo UI" panose="020B0604030504040204" pitchFamily="50" charset="-128"/>
+            <a:ea typeface="Meiryo UI" panose="020B0604030504040204" pitchFamily="50" charset="-128"/>
+          </a:endParaRPr>
         </a:p>
       </dsp:txBody>
       <dsp:txXfrm>
@@ -4092,7 +4296,7 @@
         </a:bodyPr>
         <a:lstStyle/>
         <a:p>
-          <a:pPr lvl="0" algn="ctr" defTabSz="666750">
+          <a:pPr lvl="0" algn="ctr" defTabSz="577850">
             <a:lnSpc>
               <a:spcPct val="90000"/>
             </a:lnSpc>
@@ -4103,7 +4307,10 @@
               <a:spcPct val="35000"/>
             </a:spcAft>
           </a:pPr>
-          <a:endParaRPr kumimoji="1" lang="ja-JP" altLang="en-US" sz="1500" kern="1200"/>
+          <a:endParaRPr kumimoji="1" lang="ja-JP" altLang="en-US" sz="1300" kern="1200">
+            <a:latin typeface="Meiryo UI" panose="020B0604030504040204" pitchFamily="50" charset="-128"/>
+            <a:ea typeface="Meiryo UI" panose="020B0604030504040204" pitchFamily="50" charset="-128"/>
+          </a:endParaRPr>
         </a:p>
       </dsp:txBody>
       <dsp:txXfrm rot="-5400000">
@@ -4162,12 +4369,12 @@
         </a:fontRef>
       </dsp:style>
       <dsp:txBody>
-        <a:bodyPr spcFirstLastPara="0" vert="horz" wrap="square" lIns="68580" tIns="68580" rIns="68580" bIns="68580" numCol="1" spcCol="1270" anchor="ctr" anchorCtr="0">
+        <a:bodyPr spcFirstLastPara="0" vert="horz" wrap="square" lIns="60960" tIns="60960" rIns="60960" bIns="60960" numCol="1" spcCol="1270" anchor="ctr" anchorCtr="0">
           <a:noAutofit/>
         </a:bodyPr>
         <a:lstStyle/>
         <a:p>
-          <a:pPr lvl="0" algn="ctr" defTabSz="800100">
+          <a:pPr lvl="0" algn="ctr" defTabSz="711200">
             <a:lnSpc>
               <a:spcPct val="90000"/>
             </a:lnSpc>
@@ -4179,10 +4386,16 @@
             </a:spcAft>
           </a:pPr>
           <a:r>
-            <a:rPr kumimoji="1" lang="ja-JP" altLang="en-US" sz="1800" kern="1200" dirty="0" smtClean="0"/>
+            <a:rPr kumimoji="1" lang="ja-JP" altLang="en-US" sz="1600" kern="1200" dirty="0" smtClean="0">
+              <a:latin typeface="Meiryo UI" panose="020B0604030504040204" pitchFamily="50" charset="-128"/>
+              <a:ea typeface="Meiryo UI" panose="020B0604030504040204" pitchFamily="50" charset="-128"/>
+            </a:rPr>
             <a:t>予測の実行</a:t>
           </a:r>
-          <a:endParaRPr kumimoji="1" lang="ja-JP" altLang="en-US" sz="1800" kern="1200" dirty="0"/>
+          <a:endParaRPr kumimoji="1" lang="ja-JP" altLang="en-US" sz="1600" kern="1200" dirty="0">
+            <a:latin typeface="Meiryo UI" panose="020B0604030504040204" pitchFamily="50" charset="-128"/>
+            <a:ea typeface="Meiryo UI" panose="020B0604030504040204" pitchFamily="50" charset="-128"/>
+          </a:endParaRPr>
         </a:p>
       </dsp:txBody>
       <dsp:txXfrm>
@@ -4236,7 +4449,7 @@
         </a:bodyPr>
         <a:lstStyle/>
         <a:p>
-          <a:pPr lvl="0" algn="ctr" defTabSz="666750">
+          <a:pPr lvl="0" algn="ctr" defTabSz="577850">
             <a:lnSpc>
               <a:spcPct val="90000"/>
             </a:lnSpc>
@@ -4247,7 +4460,10 @@
               <a:spcPct val="35000"/>
             </a:spcAft>
           </a:pPr>
-          <a:endParaRPr kumimoji="1" lang="ja-JP" altLang="en-US" sz="1500" kern="1200"/>
+          <a:endParaRPr kumimoji="1" lang="ja-JP" altLang="en-US" sz="1300" kern="1200">
+            <a:latin typeface="Meiryo UI" panose="020B0604030504040204" pitchFamily="50" charset="-128"/>
+            <a:ea typeface="Meiryo UI" panose="020B0604030504040204" pitchFamily="50" charset="-128"/>
+          </a:endParaRPr>
         </a:p>
       </dsp:txBody>
       <dsp:txXfrm>
@@ -4306,12 +4522,12 @@
         </a:fontRef>
       </dsp:style>
       <dsp:txBody>
-        <a:bodyPr spcFirstLastPara="0" vert="horz" wrap="square" lIns="68580" tIns="68580" rIns="68580" bIns="68580" numCol="1" spcCol="1270" anchor="ctr" anchorCtr="0">
+        <a:bodyPr spcFirstLastPara="0" vert="horz" wrap="square" lIns="60960" tIns="60960" rIns="60960" bIns="60960" numCol="1" spcCol="1270" anchor="ctr" anchorCtr="0">
           <a:noAutofit/>
         </a:bodyPr>
         <a:lstStyle/>
         <a:p>
-          <a:pPr lvl="0" algn="ctr" defTabSz="800100">
+          <a:pPr lvl="0" algn="ctr" defTabSz="711200">
             <a:lnSpc>
               <a:spcPct val="90000"/>
             </a:lnSpc>
@@ -4323,10 +4539,16 @@
             </a:spcAft>
           </a:pPr>
           <a:r>
-            <a:rPr kumimoji="1" lang="ja-JP" altLang="en-US" sz="1800" kern="1200" dirty="0" smtClean="0"/>
+            <a:rPr kumimoji="1" lang="ja-JP" altLang="en-US" sz="1600" kern="1200" dirty="0" smtClean="0">
+              <a:latin typeface="Meiryo UI" panose="020B0604030504040204" pitchFamily="50" charset="-128"/>
+              <a:ea typeface="Meiryo UI" panose="020B0604030504040204" pitchFamily="50" charset="-128"/>
+            </a:rPr>
             <a:t>結果の評価</a:t>
           </a:r>
-          <a:endParaRPr kumimoji="1" lang="ja-JP" altLang="en-US" sz="1800" kern="1200" dirty="0"/>
+          <a:endParaRPr kumimoji="1" lang="ja-JP" altLang="en-US" sz="1600" kern="1200" dirty="0">
+            <a:latin typeface="Meiryo UI" panose="020B0604030504040204" pitchFamily="50" charset="-128"/>
+            <a:ea typeface="Meiryo UI" panose="020B0604030504040204" pitchFamily="50" charset="-128"/>
+          </a:endParaRPr>
         </a:p>
       </dsp:txBody>
       <dsp:txXfrm>
@@ -7909,7 +8131,9 @@
           <a:bodyPr vert="horz" wrap="none" lIns="68580" tIns="34290" rIns="68580" bIns="34290" anchor="ctr" compatLnSpc="1"/>
           <a:lstStyle/>
           <a:p>
-            <a:endParaRPr kumimoji="0" lang="en-US" sz="1350"/>
+            <a:endParaRPr kumimoji="0" lang="en-US" sz="1350" dirty="0">
+              <a:latin typeface="Meiryo UI" panose="020B0604030504040204" pitchFamily="50" charset="-128"/>
+            </a:endParaRPr>
           </a:p>
         </p:txBody>
       </p:sp>
@@ -7945,7 +8169,9 @@
           <a:bodyPr vert="horz" wrap="none" lIns="68580" tIns="34290" rIns="68580" bIns="34290" anchor="ctr" compatLnSpc="1"/>
           <a:lstStyle/>
           <a:p>
-            <a:endParaRPr kumimoji="0" lang="en-US" sz="1350"/>
+            <a:endParaRPr kumimoji="0" lang="en-US" sz="1350" dirty="0">
+              <a:latin typeface="Meiryo UI" panose="020B0604030504040204" pitchFamily="50" charset="-128"/>
+            </a:endParaRPr>
           </a:p>
         </p:txBody>
       </p:sp>
@@ -7981,7 +8207,9 @@
           <a:bodyPr vert="horz" wrap="none" lIns="68580" tIns="34290" rIns="68580" bIns="34290" anchor="ctr" compatLnSpc="1"/>
           <a:lstStyle/>
           <a:p>
-            <a:endParaRPr kumimoji="0" lang="en-US" sz="1350"/>
+            <a:endParaRPr kumimoji="0" lang="en-US" sz="1350" dirty="0">
+              <a:latin typeface="Meiryo UI" panose="020B0604030504040204" pitchFamily="50" charset="-128"/>
+            </a:endParaRPr>
           </a:p>
         </p:txBody>
       </p:sp>
@@ -8017,7 +8245,10 @@
           <a:bodyPr vert="horz" wrap="none" lIns="68580" tIns="34290" rIns="68580" bIns="34290" anchor="ctr" compatLnSpc="1"/>
           <a:lstStyle/>
           <a:p>
-            <a:endParaRPr kumimoji="0" lang="en-US" sz="1350"/>
+            <a:endParaRPr kumimoji="0" lang="en-US" sz="1350" dirty="0">
+              <a:latin typeface="Meiryo UI" panose="020B0604030504040204" pitchFamily="50" charset="-128"/>
+              <a:ea typeface="Meiryo UI" panose="020B0604030504040204" pitchFamily="50" charset="-128"/>
+            </a:endParaRPr>
           </a:p>
         </p:txBody>
       </p:sp>
@@ -8053,7 +8284,9 @@
           <a:bodyPr vert="horz" wrap="none" lIns="68580" tIns="34290" rIns="68580" bIns="34290" anchor="ctr" compatLnSpc="1"/>
           <a:lstStyle/>
           <a:p>
-            <a:endParaRPr kumimoji="0" lang="en-US" sz="1350"/>
+            <a:endParaRPr kumimoji="0" lang="en-US" sz="1350" dirty="0">
+              <a:latin typeface="Meiryo UI" panose="020B0604030504040204" pitchFamily="50" charset="-128"/>
+            </a:endParaRPr>
           </a:p>
         </p:txBody>
       </p:sp>
@@ -8082,6 +8315,8 @@
                 <a:solidFill>
                   <a:schemeClr val="tx2"/>
                 </a:solidFill>
+                <a:latin typeface="Meiryo UI" panose="020B0604030504040204" pitchFamily="50" charset="-128"/>
+                <a:ea typeface="Meiryo UI" panose="020B0604030504040204" pitchFamily="50" charset="-128"/>
               </a:defRPr>
             </a:lvl1pPr>
             <a:lvl2pPr marL="342900" indent="0" algn="ctr">
@@ -8135,7 +8370,7 @@
           <a:p>
             <a:fld id="{98ECFAF0-2E5A-483A-8E6F-380216CDCBF7}" type="datetimeFigureOut">
               <a:rPr kumimoji="1" lang="ja-JP" altLang="en-US" smtClean="0"/>
-              <a:t>2018/11/23</a:t>
+              <a:t>2019/3/20</a:t>
             </a:fld>
             <a:endParaRPr kumimoji="1" lang="ja-JP" altLang="en-US"/>
           </a:p>
@@ -8194,7 +8429,9 @@
           <a:bodyPr vert="horz" wrap="none" lIns="68580" tIns="34290" rIns="68580" bIns="34290" anchor="ctr" compatLnSpc="1"/>
           <a:lstStyle/>
           <a:p>
-            <a:endParaRPr kumimoji="0" lang="en-US" sz="1350"/>
+            <a:endParaRPr kumimoji="0" lang="en-US" sz="1350" dirty="0">
+              <a:latin typeface="Meiryo UI" panose="020B0604030504040204" pitchFamily="50" charset="-128"/>
+            </a:endParaRPr>
           </a:p>
         </p:txBody>
       </p:sp>
@@ -8232,7 +8469,9 @@
           <a:bodyPr vert="horz" wrap="none" lIns="68580" tIns="34290" rIns="68580" bIns="34290" anchor="ctr" compatLnSpc="1"/>
           <a:lstStyle/>
           <a:p>
-            <a:endParaRPr kumimoji="0" lang="en-US" sz="1350" dirty="0"/>
+            <a:endParaRPr kumimoji="0" lang="en-US" sz="1350" dirty="0">
+              <a:latin typeface="Meiryo UI" panose="020B0604030504040204" pitchFamily="50" charset="-128"/>
+            </a:endParaRPr>
           </a:p>
         </p:txBody>
       </p:sp>
@@ -8278,7 +8517,9 @@
           <a:lstStyle/>
           <a:p>
             <a:pPr algn="ctr" eaLnBrk="1" latinLnBrk="0" hangingPunct="1"/>
-            <a:endParaRPr kumimoji="0" lang="en-US" sz="1350"/>
+            <a:endParaRPr kumimoji="0" lang="en-US" sz="1350" dirty="0">
+              <a:latin typeface="Meiryo UI" panose="020B0604030504040204" pitchFamily="50" charset="-128"/>
+            </a:endParaRPr>
           </a:p>
         </p:txBody>
       </p:sp>
@@ -8328,7 +8569,9 @@
           <a:lstStyle/>
           <a:p>
             <a:pPr algn="ctr" eaLnBrk="1" latinLnBrk="0" hangingPunct="1"/>
-            <a:endParaRPr kumimoji="0" lang="en-US" sz="1350"/>
+            <a:endParaRPr kumimoji="0" lang="en-US" sz="1350" dirty="0">
+              <a:latin typeface="Meiryo UI" panose="020B0604030504040204" pitchFamily="50" charset="-128"/>
+            </a:endParaRPr>
           </a:p>
         </p:txBody>
       </p:sp>
@@ -8387,22 +8630,26 @@
           </a:xfrm>
         </p:spPr>
         <p:txBody>
-          <a:bodyPr anchor="b"/>
+          <a:bodyPr anchor="b">
+            <a:normAutofit/>
+          </a:bodyPr>
           <a:lstStyle>
             <a:lvl1pPr>
-              <a:defRPr sz="3150">
+              <a:defRPr sz="4800">
                 <a:solidFill>
                   <a:schemeClr val="accent1"/>
                 </a:solidFill>
+                <a:latin typeface="Meiryo UI" panose="020B0604030504040204" pitchFamily="50" charset="-128"/>
+                <a:ea typeface="Meiryo UI" panose="020B0604030504040204" pitchFamily="50" charset="-128"/>
               </a:defRPr>
             </a:lvl1pPr>
           </a:lstStyle>
           <a:p>
             <a:r>
-              <a:rPr kumimoji="0" lang="ja-JP" altLang="en-US" smtClean="0"/>
+              <a:rPr kumimoji="0" lang="ja-JP" altLang="en-US" dirty="0" smtClean="0"/>
               <a:t>マスター タイトルの書式設定</a:t>
             </a:r>
-            <a:endParaRPr kumimoji="0" lang="en-US"/>
+            <a:endParaRPr kumimoji="0" lang="en-US" dirty="0"/>
           </a:p>
         </p:txBody>
       </p:sp>
@@ -8565,7 +8812,7 @@
           <a:p>
             <a:fld id="{98ECFAF0-2E5A-483A-8E6F-380216CDCBF7}" type="datetimeFigureOut">
               <a:rPr kumimoji="1" lang="ja-JP" altLang="en-US" smtClean="0"/>
-              <a:t>2018/11/23</a:t>
+              <a:t>2019/3/20</a:t>
             </a:fld>
             <a:endParaRPr kumimoji="1" lang="ja-JP" altLang="en-US"/>
           </a:p>
@@ -8680,7 +8927,9 @@
           <a:bodyPr vert="horz" wrap="none" lIns="68580" tIns="34290" rIns="68580" bIns="34290" anchor="ctr" compatLnSpc="1"/>
           <a:lstStyle/>
           <a:p>
-            <a:endParaRPr kumimoji="0" lang="en-US" sz="1350"/>
+            <a:endParaRPr kumimoji="0" lang="en-US" sz="1350" dirty="0">
+              <a:latin typeface="Meiryo UI" panose="020B0604030504040204" pitchFamily="50" charset="-128"/>
+            </a:endParaRPr>
           </a:p>
         </p:txBody>
       </p:sp>
@@ -8716,7 +8965,9 @@
           <a:bodyPr vert="horz" wrap="none" lIns="68580" tIns="34290" rIns="68580" bIns="34290" anchor="ctr" compatLnSpc="1"/>
           <a:lstStyle/>
           <a:p>
-            <a:endParaRPr kumimoji="0" lang="en-US" sz="1350"/>
+            <a:endParaRPr kumimoji="0" lang="en-US" sz="1350" dirty="0">
+              <a:latin typeface="Meiryo UI" panose="020B0604030504040204" pitchFamily="50" charset="-128"/>
+            </a:endParaRPr>
           </a:p>
         </p:txBody>
       </p:sp>
@@ -8752,7 +9003,9 @@
           <a:bodyPr vert="horz" wrap="none" lIns="68580" tIns="34290" rIns="68580" bIns="34290" anchor="ctr" compatLnSpc="1"/>
           <a:lstStyle/>
           <a:p>
-            <a:endParaRPr kumimoji="0" lang="en-US" sz="1350"/>
+            <a:endParaRPr kumimoji="0" lang="en-US" sz="1350" dirty="0">
+              <a:latin typeface="Meiryo UI" panose="020B0604030504040204" pitchFamily="50" charset="-128"/>
+            </a:endParaRPr>
           </a:p>
         </p:txBody>
       </p:sp>
@@ -8788,7 +9041,9 @@
           <a:bodyPr vert="horz" wrap="none" lIns="68580" tIns="34290" rIns="68580" bIns="34290" anchor="ctr" compatLnSpc="1"/>
           <a:lstStyle/>
           <a:p>
-            <a:endParaRPr kumimoji="0" lang="en-US" sz="1350"/>
+            <a:endParaRPr kumimoji="0" lang="en-US" sz="1350" dirty="0">
+              <a:latin typeface="Meiryo UI" panose="020B0604030504040204" pitchFamily="50" charset="-128"/>
+            </a:endParaRPr>
           </a:p>
         </p:txBody>
       </p:sp>
@@ -8824,7 +9079,9 @@
           <a:bodyPr vert="horz" wrap="none" lIns="68580" tIns="34290" rIns="68580" bIns="34290" anchor="ctr" compatLnSpc="1"/>
           <a:lstStyle/>
           <a:p>
-            <a:endParaRPr kumimoji="0" lang="en-US" sz="1350"/>
+            <a:endParaRPr kumimoji="0" lang="en-US" sz="1350" dirty="0">
+              <a:latin typeface="Meiryo UI" panose="020B0604030504040204" pitchFamily="50" charset="-128"/>
+            </a:endParaRPr>
           </a:p>
         </p:txBody>
       </p:sp>
@@ -8862,7 +9119,9 @@
           <a:bodyPr vert="horz" wrap="none" lIns="68580" tIns="34290" rIns="68580" bIns="34290" anchor="ctr" compatLnSpc="1"/>
           <a:lstStyle/>
           <a:p>
-            <a:endParaRPr kumimoji="0" lang="en-US" sz="1350" dirty="0"/>
+            <a:endParaRPr kumimoji="0" lang="en-US" sz="1350" dirty="0">
+              <a:latin typeface="Meiryo UI" panose="020B0604030504040204" pitchFamily="50" charset="-128"/>
+            </a:endParaRPr>
           </a:p>
         </p:txBody>
       </p:sp>
@@ -8900,7 +9159,9 @@
           <a:bodyPr vert="horz" wrap="none" lIns="68580" tIns="34290" rIns="68580" bIns="34290" anchor="ctr" compatLnSpc="1"/>
           <a:lstStyle/>
           <a:p>
-            <a:endParaRPr kumimoji="0" lang="en-US" sz="1350"/>
+            <a:endParaRPr kumimoji="0" lang="en-US" sz="1350" dirty="0">
+              <a:latin typeface="Meiryo UI" panose="020B0604030504040204" pitchFamily="50" charset="-128"/>
+            </a:endParaRPr>
           </a:p>
         </p:txBody>
       </p:sp>
@@ -8946,7 +9207,9 @@
           <a:lstStyle/>
           <a:p>
             <a:pPr algn="ctr" eaLnBrk="1" latinLnBrk="0" hangingPunct="1"/>
-            <a:endParaRPr kumimoji="0" lang="en-US" sz="1350"/>
+            <a:endParaRPr kumimoji="0" lang="en-US" sz="1350" dirty="0">
+              <a:latin typeface="Meiryo UI" panose="020B0604030504040204" pitchFamily="50" charset="-128"/>
+            </a:endParaRPr>
           </a:p>
         </p:txBody>
       </p:sp>
@@ -8996,7 +9259,9 @@
           <a:lstStyle/>
           <a:p>
             <a:pPr algn="ctr" eaLnBrk="1" latinLnBrk="0" hangingPunct="1"/>
-            <a:endParaRPr kumimoji="0" lang="en-US" sz="1350"/>
+            <a:endParaRPr kumimoji="0" lang="en-US" sz="1350" dirty="0">
+              <a:latin typeface="Meiryo UI" panose="020B0604030504040204" pitchFamily="50" charset="-128"/>
+            </a:endParaRPr>
           </a:p>
         </p:txBody>
       </p:sp>
@@ -9134,7 +9399,7 @@
           <a:p>
             <a:fld id="{98ECFAF0-2E5A-483A-8E6F-380216CDCBF7}" type="datetimeFigureOut">
               <a:rPr kumimoji="1" lang="ja-JP" altLang="en-US" smtClean="0"/>
-              <a:t>2018/11/23</a:t>
+              <a:t>2019/3/20</a:t>
             </a:fld>
             <a:endParaRPr kumimoji="1" lang="ja-JP" altLang="en-US"/>
           </a:p>
@@ -9234,15 +9499,19 @@
         </p:nvSpPr>
         <p:spPr/>
         <p:txBody>
-          <a:bodyPr/>
+          <a:bodyPr>
+            <a:noAutofit/>
+          </a:bodyPr>
           <a:lstStyle>
             <a:lvl1pPr>
-              <a:defRPr>
+              <a:defRPr sz="4400">
                 <a:solidFill>
                   <a:schemeClr val="accent3">
                     <a:shade val="75000"/>
                   </a:schemeClr>
                 </a:solidFill>
+                <a:latin typeface="Meiryo UI" panose="020B0604030504040204" pitchFamily="50" charset="-128"/>
+                <a:ea typeface="Meiryo UI" panose="020B0604030504040204" pitchFamily="50" charset="-128"/>
               </a:defRPr>
             </a:lvl1pPr>
           </a:lstStyle>
@@ -9272,7 +9541,7 @@
           <a:p>
             <a:fld id="{98ECFAF0-2E5A-483A-8E6F-380216CDCBF7}" type="datetimeFigureOut">
               <a:rPr kumimoji="1" lang="ja-JP" altLang="en-US" smtClean="0"/>
-              <a:t>2018/11/23</a:t>
+              <a:t>2019/3/20</a:t>
             </a:fld>
             <a:endParaRPr kumimoji="1" lang="ja-JP" altLang="en-US"/>
           </a:p>
@@ -9343,7 +9612,38 @@
         </p:spPr>
         <p:txBody>
           <a:bodyPr/>
-          <a:lstStyle/>
+          <a:lstStyle>
+            <a:lvl1pPr>
+              <a:defRPr>
+                <a:latin typeface="Meiryo UI" panose="020B0604030504040204" pitchFamily="50" charset="-128"/>
+                <a:ea typeface="Meiryo UI" panose="020B0604030504040204" pitchFamily="50" charset="-128"/>
+              </a:defRPr>
+            </a:lvl1pPr>
+            <a:lvl2pPr>
+              <a:defRPr>
+                <a:latin typeface="Meiryo UI" panose="020B0604030504040204" pitchFamily="50" charset="-128"/>
+                <a:ea typeface="Meiryo UI" panose="020B0604030504040204" pitchFamily="50" charset="-128"/>
+              </a:defRPr>
+            </a:lvl2pPr>
+            <a:lvl3pPr>
+              <a:defRPr>
+                <a:latin typeface="Meiryo UI" panose="020B0604030504040204" pitchFamily="50" charset="-128"/>
+                <a:ea typeface="Meiryo UI" panose="020B0604030504040204" pitchFamily="50" charset="-128"/>
+              </a:defRPr>
+            </a:lvl3pPr>
+            <a:lvl4pPr>
+              <a:defRPr>
+                <a:latin typeface="Meiryo UI" panose="020B0604030504040204" pitchFamily="50" charset="-128"/>
+                <a:ea typeface="Meiryo UI" panose="020B0604030504040204" pitchFamily="50" charset="-128"/>
+              </a:defRPr>
+            </a:lvl4pPr>
+            <a:lvl5pPr>
+              <a:defRPr>
+                <a:latin typeface="Meiryo UI" panose="020B0604030504040204" pitchFamily="50" charset="-128"/>
+                <a:ea typeface="Meiryo UI" panose="020B0604030504040204" pitchFamily="50" charset="-128"/>
+              </a:defRPr>
+            </a:lvl5pPr>
+          </a:lstStyle>
           <a:p>
             <a:pPr lvl="0" eaLnBrk="1" latinLnBrk="0" hangingPunct="1"/>
             <a:r>
@@ -9481,7 +9781,9 @@
           <a:bodyPr vert="horz" wrap="none" lIns="68580" tIns="34290" rIns="68580" bIns="34290" anchor="ctr" compatLnSpc="1"/>
           <a:lstStyle/>
           <a:p>
-            <a:endParaRPr kumimoji="0" lang="en-US" sz="1350"/>
+            <a:endParaRPr kumimoji="0" lang="en-US" sz="1350" dirty="0">
+              <a:latin typeface="Meiryo UI" panose="020B0604030504040204" pitchFamily="50" charset="-128"/>
+            </a:endParaRPr>
           </a:p>
         </p:txBody>
       </p:sp>
@@ -9517,7 +9819,9 @@
           <a:bodyPr vert="horz" wrap="none" lIns="68580" tIns="34290" rIns="68580" bIns="34290" anchor="ctr" compatLnSpc="1"/>
           <a:lstStyle/>
           <a:p>
-            <a:endParaRPr kumimoji="0" lang="en-US" sz="1350"/>
+            <a:endParaRPr kumimoji="0" lang="en-US" sz="1350" dirty="0">
+              <a:latin typeface="Meiryo UI" panose="020B0604030504040204" pitchFamily="50" charset="-128"/>
+            </a:endParaRPr>
           </a:p>
         </p:txBody>
       </p:sp>
@@ -9553,7 +9857,9 @@
           <a:bodyPr vert="horz" wrap="none" lIns="68580" tIns="34290" rIns="68580" bIns="34290" anchor="ctr" compatLnSpc="1"/>
           <a:lstStyle/>
           <a:p>
-            <a:endParaRPr kumimoji="0" lang="en-US" sz="1350"/>
+            <a:endParaRPr kumimoji="0" lang="en-US" sz="1350" dirty="0">
+              <a:latin typeface="Meiryo UI" panose="020B0604030504040204" pitchFamily="50" charset="-128"/>
+            </a:endParaRPr>
           </a:p>
         </p:txBody>
       </p:sp>
@@ -9589,7 +9895,9 @@
           <a:bodyPr vert="horz" wrap="none" lIns="68580" tIns="34290" rIns="68580" bIns="34290" anchor="ctr" compatLnSpc="1"/>
           <a:lstStyle/>
           <a:p>
-            <a:endParaRPr kumimoji="0" lang="en-US" sz="1350"/>
+            <a:endParaRPr kumimoji="0" lang="en-US" sz="1350" dirty="0">
+              <a:latin typeface="Meiryo UI" panose="020B0604030504040204" pitchFamily="50" charset="-128"/>
+            </a:endParaRPr>
           </a:p>
         </p:txBody>
       </p:sp>
@@ -9625,7 +9933,9 @@
           <a:bodyPr vert="horz" wrap="none" lIns="68580" tIns="34290" rIns="68580" bIns="34290" anchor="ctr" compatLnSpc="1"/>
           <a:lstStyle/>
           <a:p>
-            <a:endParaRPr kumimoji="0" lang="en-US" sz="1350"/>
+            <a:endParaRPr kumimoji="0" lang="en-US" sz="1350" dirty="0">
+              <a:latin typeface="Meiryo UI" panose="020B0604030504040204" pitchFamily="50" charset="-128"/>
+            </a:endParaRPr>
           </a:p>
         </p:txBody>
       </p:sp>
@@ -9661,7 +9971,9 @@
           <a:bodyPr vert="horz" wrap="none" lIns="68580" tIns="34290" rIns="68580" bIns="34290" anchor="ctr" compatLnSpc="1"/>
           <a:lstStyle/>
           <a:p>
-            <a:endParaRPr kumimoji="0" lang="en-US" sz="1350"/>
+            <a:endParaRPr kumimoji="0" lang="en-US" sz="1350" dirty="0">
+              <a:latin typeface="Meiryo UI" panose="020B0604030504040204" pitchFamily="50" charset="-128"/>
+            </a:endParaRPr>
           </a:p>
         </p:txBody>
       </p:sp>
@@ -9690,6 +10002,8 @@
                 <a:solidFill>
                   <a:schemeClr val="tx2"/>
                 </a:solidFill>
+                <a:latin typeface="Meiryo UI" panose="020B0604030504040204" pitchFamily="50" charset="-128"/>
+                <a:ea typeface="Meiryo UI" panose="020B0604030504040204" pitchFamily="50" charset="-128"/>
               </a:defRPr>
             </a:lvl1pPr>
             <a:lvl2pPr>
@@ -9774,7 +10088,9 @@
           <a:bodyPr vert="horz" wrap="none" lIns="68580" tIns="34290" rIns="68580" bIns="34290" anchor="ctr" compatLnSpc="1"/>
           <a:lstStyle/>
           <a:p>
-            <a:endParaRPr kumimoji="0" lang="en-US" sz="1350"/>
+            <a:endParaRPr kumimoji="0" lang="en-US" sz="1350" dirty="0">
+              <a:latin typeface="Meiryo UI" panose="020B0604030504040204" pitchFamily="50" charset="-128"/>
+            </a:endParaRPr>
           </a:p>
         </p:txBody>
       </p:sp>
@@ -9812,7 +10128,9 @@
           <a:bodyPr vert="horz" wrap="none" lIns="68580" tIns="34290" rIns="68580" bIns="34290" anchor="ctr" compatLnSpc="1"/>
           <a:lstStyle/>
           <a:p>
-            <a:endParaRPr kumimoji="0" lang="en-US" sz="1350" dirty="0"/>
+            <a:endParaRPr kumimoji="0" lang="en-US" sz="1350" dirty="0">
+              <a:latin typeface="Meiryo UI" panose="020B0604030504040204" pitchFamily="50" charset="-128"/>
+            </a:endParaRPr>
           </a:p>
         </p:txBody>
       </p:sp>
@@ -9852,7 +10170,7 @@
           <a:p>
             <a:fld id="{98ECFAF0-2E5A-483A-8E6F-380216CDCBF7}" type="datetimeFigureOut">
               <a:rPr kumimoji="1" lang="ja-JP" altLang="en-US" smtClean="0"/>
-              <a:t>2018/11/23</a:t>
+              <a:t>2019/3/20</a:t>
             </a:fld>
             <a:endParaRPr kumimoji="1" lang="ja-JP" altLang="en-US"/>
           </a:p>
@@ -9892,7 +10210,9 @@
           <a:bodyPr vert="horz" wrap="none" lIns="68580" tIns="34290" rIns="68580" bIns="34290" anchor="ctr" compatLnSpc="1"/>
           <a:lstStyle/>
           <a:p>
-            <a:endParaRPr kumimoji="0" lang="en-US" sz="1350"/>
+            <a:endParaRPr kumimoji="0" lang="en-US" sz="1350" dirty="0">
+              <a:latin typeface="Meiryo UI" panose="020B0604030504040204" pitchFamily="50" charset="-128"/>
+            </a:endParaRPr>
           </a:p>
         </p:txBody>
       </p:sp>
@@ -9938,7 +10258,9 @@
           <a:lstStyle/>
           <a:p>
             <a:pPr algn="ctr" eaLnBrk="1" latinLnBrk="0" hangingPunct="1"/>
-            <a:endParaRPr kumimoji="0" lang="en-US" sz="1350"/>
+            <a:endParaRPr kumimoji="0" lang="en-US" sz="1350" dirty="0">
+              <a:latin typeface="Meiryo UI" panose="020B0604030504040204" pitchFamily="50" charset="-128"/>
+            </a:endParaRPr>
           </a:p>
         </p:txBody>
       </p:sp>
@@ -9988,7 +10310,9 @@
           <a:lstStyle/>
           <a:p>
             <a:pPr algn="ctr" eaLnBrk="1" latinLnBrk="0" hangingPunct="1"/>
-            <a:endParaRPr kumimoji="0" lang="en-US" sz="1350"/>
+            <a:endParaRPr kumimoji="0" lang="en-US" sz="1350" dirty="0">
+              <a:latin typeface="Meiryo UI" panose="020B0604030504040204" pitchFamily="50" charset="-128"/>
+            </a:endParaRPr>
           </a:p>
         </p:txBody>
       </p:sp>
@@ -10047,14 +10371,18 @@
           </a:xfrm>
         </p:spPr>
         <p:txBody>
-          <a:bodyPr anchor="b"/>
+          <a:bodyPr anchor="b">
+            <a:normAutofit/>
+          </a:bodyPr>
           <a:lstStyle>
             <a:lvl1pPr algn="ctr">
               <a:buNone/>
-              <a:defRPr sz="3150" b="0" cap="none" baseline="0">
+              <a:defRPr sz="4800" b="0" cap="none" baseline="0">
                 <a:solidFill>
                   <a:srgbClr val="FFFFFF"/>
                 </a:solidFill>
+                <a:latin typeface="Meiryo UI" panose="020B0604030504040204" pitchFamily="50" charset="-128"/>
+                <a:ea typeface="Meiryo UI" panose="020B0604030504040204" pitchFamily="50" charset="-128"/>
               </a:defRPr>
             </a:lvl1pPr>
           </a:lstStyle>
@@ -10152,7 +10480,7 @@
           <a:p>
             <a:fld id="{98ECFAF0-2E5A-483A-8E6F-380216CDCBF7}" type="datetimeFigureOut">
               <a:rPr kumimoji="1" lang="ja-JP" altLang="en-US" smtClean="0"/>
-              <a:t>2018/11/23</a:t>
+              <a:t>2019/3/20</a:t>
             </a:fld>
             <a:endParaRPr kumimoji="1" lang="ja-JP" altLang="en-US"/>
           </a:p>
@@ -10232,7 +10560,9 @@
           <a:bodyPr vert="horz" wrap="none" lIns="68580" tIns="34290" rIns="68580" bIns="34290" anchor="ctr" compatLnSpc="1"/>
           <a:lstStyle/>
           <a:p>
-            <a:endParaRPr kumimoji="0" lang="en-US" sz="1350"/>
+            <a:endParaRPr kumimoji="0" lang="en-US" sz="1350" dirty="0">
+              <a:latin typeface="Meiryo UI" panose="020B0604030504040204" pitchFamily="50" charset="-128"/>
+            </a:endParaRPr>
           </a:p>
         </p:txBody>
       </p:sp>
@@ -10489,7 +10819,9 @@
           <a:bodyPr vert="horz" wrap="none" lIns="68580" tIns="34290" rIns="68580" bIns="34290" anchor="ctr" compatLnSpc="1"/>
           <a:lstStyle/>
           <a:p>
-            <a:endParaRPr kumimoji="0" lang="en-US" sz="1350"/>
+            <a:endParaRPr kumimoji="0" lang="en-US" sz="1350" dirty="0">
+              <a:latin typeface="Meiryo UI" panose="020B0604030504040204" pitchFamily="50" charset="-128"/>
+            </a:endParaRPr>
           </a:p>
         </p:txBody>
       </p:sp>
@@ -10525,7 +10857,9 @@
           <a:bodyPr vert="horz" wrap="none" lIns="68580" tIns="34290" rIns="68580" bIns="34290" anchor="ctr" compatLnSpc="1"/>
           <a:lstStyle/>
           <a:p>
-            <a:endParaRPr kumimoji="0" lang="en-US" sz="1350"/>
+            <a:endParaRPr kumimoji="0" lang="en-US" sz="1350" dirty="0">
+              <a:latin typeface="Meiryo UI" panose="020B0604030504040204" pitchFamily="50" charset="-128"/>
+            </a:endParaRPr>
           </a:p>
         </p:txBody>
       </p:sp>
@@ -10561,7 +10895,9 @@
           <a:bodyPr vert="horz" wrap="none" lIns="68580" tIns="34290" rIns="68580" bIns="34290" anchor="ctr" compatLnSpc="1"/>
           <a:lstStyle/>
           <a:p>
-            <a:endParaRPr kumimoji="0" lang="en-US" sz="1350"/>
+            <a:endParaRPr kumimoji="0" lang="en-US" sz="1350" dirty="0">
+              <a:latin typeface="Meiryo UI" panose="020B0604030504040204" pitchFamily="50" charset="-128"/>
+            </a:endParaRPr>
           </a:p>
         </p:txBody>
       </p:sp>
@@ -10597,7 +10933,9 @@
           <a:bodyPr vert="horz" wrap="none" lIns="68580" tIns="34290" rIns="68580" bIns="34290" anchor="ctr" compatLnSpc="1"/>
           <a:lstStyle/>
           <a:p>
-            <a:endParaRPr kumimoji="0" lang="en-US" sz="1350"/>
+            <a:endParaRPr kumimoji="0" lang="en-US" sz="1350" dirty="0">
+              <a:latin typeface="Meiryo UI" panose="020B0604030504040204" pitchFamily="50" charset="-128"/>
+            </a:endParaRPr>
           </a:p>
         </p:txBody>
       </p:sp>
@@ -10633,7 +10971,9 @@
           <a:bodyPr vert="horz" wrap="none" lIns="68580" tIns="34290" rIns="68580" bIns="34290" anchor="ctr" compatLnSpc="1"/>
           <a:lstStyle/>
           <a:p>
-            <a:endParaRPr kumimoji="0" lang="en-US" sz="1350"/>
+            <a:endParaRPr kumimoji="0" lang="en-US" sz="1350" dirty="0">
+              <a:latin typeface="Meiryo UI" panose="020B0604030504040204" pitchFamily="50" charset="-128"/>
+            </a:endParaRPr>
           </a:p>
         </p:txBody>
       </p:sp>
@@ -10679,7 +11019,9 @@
           <a:lstStyle/>
           <a:p>
             <a:pPr algn="ctr" eaLnBrk="1" latinLnBrk="0" hangingPunct="1"/>
-            <a:endParaRPr kumimoji="0" lang="en-US" sz="1350"/>
+            <a:endParaRPr kumimoji="0" lang="en-US" sz="1350" dirty="0">
+              <a:latin typeface="Meiryo UI" panose="020B0604030504040204" pitchFamily="50" charset="-128"/>
+            </a:endParaRPr>
           </a:p>
         </p:txBody>
       </p:sp>
@@ -10715,7 +11057,9 @@
           <a:bodyPr vert="horz" wrap="none" lIns="68580" tIns="34290" rIns="68580" bIns="34290" anchor="ctr" compatLnSpc="1"/>
           <a:lstStyle/>
           <a:p>
-            <a:endParaRPr kumimoji="0" lang="en-US" sz="1350"/>
+            <a:endParaRPr kumimoji="0" lang="en-US" sz="1350" dirty="0">
+              <a:latin typeface="Meiryo UI" panose="020B0604030504040204" pitchFamily="50" charset="-128"/>
+            </a:endParaRPr>
           </a:p>
         </p:txBody>
       </p:sp>
@@ -10765,6 +11109,8 @@
                 <a:solidFill>
                   <a:srgbClr val="FFFFFF"/>
                 </a:solidFill>
+                <a:latin typeface="Meiryo UI" panose="020B0604030504040204" pitchFamily="50" charset="-128"/>
+                <a:ea typeface="Meiryo UI" panose="020B0604030504040204" pitchFamily="50" charset="-128"/>
               </a:defRPr>
             </a:lvl1pPr>
             <a:lvl2pPr>
@@ -10787,7 +11133,7 @@
           <a:p>
             <a:pPr lvl="0" eaLnBrk="1" latinLnBrk="0" hangingPunct="1"/>
             <a:r>
-              <a:rPr kumimoji="0" lang="ja-JP" altLang="en-US" smtClean="0"/>
+              <a:rPr kumimoji="0" lang="ja-JP" altLang="en-US" dirty="0" smtClean="0"/>
               <a:t>マスター テキストの書式設定</a:t>
             </a:r>
           </a:p>
@@ -10835,7 +11181,10 @@
           <a:lstStyle>
             <a:lvl1pPr marL="0" indent="0">
               <a:buNone/>
-              <a:defRPr sz="1650" b="1"/>
+              <a:defRPr sz="1650" b="1">
+                <a:latin typeface="Meiryo UI" panose="020B0604030504040204" pitchFamily="50" charset="-128"/>
+                <a:ea typeface="Meiryo UI" panose="020B0604030504040204" pitchFamily="50" charset="-128"/>
+              </a:defRPr>
             </a:lvl1pPr>
             <a:lvl2pPr>
               <a:buNone/>
@@ -10857,7 +11206,7 @@
           <a:p>
             <a:pPr lvl="0" eaLnBrk="1" latinLnBrk="0" hangingPunct="1"/>
             <a:r>
-              <a:rPr kumimoji="0" lang="ja-JP" altLang="en-US" smtClean="0"/>
+              <a:rPr kumimoji="0" lang="ja-JP" altLang="en-US" dirty="0" smtClean="0"/>
               <a:t>マスター テキストの書式設定</a:t>
             </a:r>
           </a:p>
@@ -10880,7 +11229,7 @@
           <a:p>
             <a:fld id="{98ECFAF0-2E5A-483A-8E6F-380216CDCBF7}" type="datetimeFigureOut">
               <a:rPr kumimoji="1" lang="ja-JP" altLang="en-US" smtClean="0"/>
-              <a:t>2018/11/23</a:t>
+              <a:t>2019/3/20</a:t>
             </a:fld>
             <a:endParaRPr kumimoji="1" lang="ja-JP" altLang="en-US"/>
           </a:p>
@@ -10944,7 +11293,9 @@
           <a:bodyPr vert="horz" wrap="none" lIns="68580" tIns="34290" rIns="68580" bIns="34290" anchor="ctr" compatLnSpc="1"/>
           <a:lstStyle/>
           <a:p>
-            <a:endParaRPr kumimoji="0" lang="en-US" sz="1350"/>
+            <a:endParaRPr kumimoji="0" lang="en-US" sz="1350" dirty="0">
+              <a:latin typeface="Meiryo UI" panose="020B0604030504040204" pitchFamily="50" charset="-128"/>
+            </a:endParaRPr>
           </a:p>
         </p:txBody>
       </p:sp>
@@ -10982,7 +11333,9 @@
           <a:bodyPr vert="horz" wrap="none" lIns="68580" tIns="34290" rIns="68580" bIns="34290" anchor="ctr" compatLnSpc="1"/>
           <a:lstStyle/>
           <a:p>
-            <a:endParaRPr kumimoji="0" lang="en-US" sz="1350" dirty="0"/>
+            <a:endParaRPr kumimoji="0" lang="en-US" sz="1350" dirty="0">
+              <a:latin typeface="Meiryo UI" panose="020B0604030504040204" pitchFamily="50" charset="-128"/>
+            </a:endParaRPr>
           </a:p>
         </p:txBody>
       </p:sp>
@@ -11206,7 +11559,9 @@
           <a:lstStyle/>
           <a:p>
             <a:pPr algn="ctr" eaLnBrk="1" latinLnBrk="0" hangingPunct="1"/>
-            <a:endParaRPr kumimoji="0" lang="en-US" sz="1350"/>
+            <a:endParaRPr kumimoji="0" lang="en-US" sz="1350" dirty="0">
+              <a:latin typeface="Meiryo UI" panose="020B0604030504040204" pitchFamily="50" charset="-128"/>
+            </a:endParaRPr>
           </a:p>
         </p:txBody>
       </p:sp>
@@ -11256,7 +11611,9 @@
           <a:lstStyle/>
           <a:p>
             <a:pPr algn="ctr" eaLnBrk="1" latinLnBrk="0" hangingPunct="1"/>
-            <a:endParaRPr kumimoji="0" lang="en-US" sz="1350"/>
+            <a:endParaRPr kumimoji="0" lang="en-US" sz="1350" dirty="0">
+              <a:latin typeface="Meiryo UI" panose="020B0604030504040204" pitchFamily="50" charset="-128"/>
+            </a:endParaRPr>
           </a:p>
         </p:txBody>
       </p:sp>
@@ -11385,7 +11742,7 @@
           <a:p>
             <a:fld id="{98ECFAF0-2E5A-483A-8E6F-380216CDCBF7}" type="datetimeFigureOut">
               <a:rPr kumimoji="1" lang="ja-JP" altLang="en-US" smtClean="0"/>
-              <a:t>2018/11/23</a:t>
+              <a:t>2019/3/20</a:t>
             </a:fld>
             <a:endParaRPr kumimoji="1" lang="ja-JP" altLang="en-US"/>
           </a:p>
@@ -11500,7 +11857,9 @@
           <a:bodyPr vert="horz" wrap="none" lIns="68580" tIns="34290" rIns="68580" bIns="34290" anchor="ctr" compatLnSpc="1"/>
           <a:lstStyle/>
           <a:p>
-            <a:endParaRPr kumimoji="0" lang="en-US" sz="1350"/>
+            <a:endParaRPr kumimoji="0" lang="en-US" sz="1350" dirty="0">
+              <a:latin typeface="Meiryo UI" panose="020B0604030504040204" pitchFamily="50" charset="-128"/>
+            </a:endParaRPr>
           </a:p>
         </p:txBody>
       </p:sp>
@@ -11536,7 +11895,9 @@
           <a:bodyPr vert="horz" wrap="none" lIns="68580" tIns="34290" rIns="68580" bIns="34290" anchor="ctr" compatLnSpc="1"/>
           <a:lstStyle/>
           <a:p>
-            <a:endParaRPr kumimoji="0" lang="en-US" sz="1350"/>
+            <a:endParaRPr kumimoji="0" lang="en-US" sz="1350" dirty="0">
+              <a:latin typeface="Meiryo UI" panose="020B0604030504040204" pitchFamily="50" charset="-128"/>
+            </a:endParaRPr>
           </a:p>
         </p:txBody>
       </p:sp>
@@ -11572,7 +11933,9 @@
           <a:bodyPr vert="horz" wrap="none" lIns="68580" tIns="34290" rIns="68580" bIns="34290" anchor="ctr" compatLnSpc="1"/>
           <a:lstStyle/>
           <a:p>
-            <a:endParaRPr kumimoji="0" lang="en-US" sz="1350"/>
+            <a:endParaRPr kumimoji="0" lang="en-US" sz="1350" dirty="0">
+              <a:latin typeface="Meiryo UI" panose="020B0604030504040204" pitchFamily="50" charset="-128"/>
+            </a:endParaRPr>
           </a:p>
         </p:txBody>
       </p:sp>
@@ -11608,7 +11971,9 @@
           <a:bodyPr vert="horz" wrap="none" lIns="68580" tIns="34290" rIns="68580" bIns="34290" anchor="ctr" compatLnSpc="1"/>
           <a:lstStyle/>
           <a:p>
-            <a:endParaRPr kumimoji="0" lang="en-US" sz="1350"/>
+            <a:endParaRPr kumimoji="0" lang="en-US" sz="1350" dirty="0">
+              <a:latin typeface="Meiryo UI" panose="020B0604030504040204" pitchFamily="50" charset="-128"/>
+            </a:endParaRPr>
           </a:p>
         </p:txBody>
       </p:sp>
@@ -11644,7 +12009,9 @@
           <a:bodyPr vert="horz" wrap="none" lIns="68580" tIns="34290" rIns="68580" bIns="34290" anchor="ctr" compatLnSpc="1"/>
           <a:lstStyle/>
           <a:p>
-            <a:endParaRPr kumimoji="0" lang="en-US" sz="1350"/>
+            <a:endParaRPr kumimoji="0" lang="en-US" sz="1350" dirty="0">
+              <a:latin typeface="Meiryo UI" panose="020B0604030504040204" pitchFamily="50" charset="-128"/>
+            </a:endParaRPr>
           </a:p>
         </p:txBody>
       </p:sp>
@@ -11682,7 +12049,9 @@
           <a:bodyPr vert="horz" wrap="none" lIns="68580" tIns="34290" rIns="68580" bIns="34290" anchor="ctr" compatLnSpc="1"/>
           <a:lstStyle/>
           <a:p>
-            <a:endParaRPr kumimoji="0" lang="en-US" sz="1350" dirty="0"/>
+            <a:endParaRPr kumimoji="0" lang="en-US" sz="1350" dirty="0">
+              <a:latin typeface="Meiryo UI" panose="020B0604030504040204" pitchFamily="50" charset="-128"/>
+            </a:endParaRPr>
           </a:p>
         </p:txBody>
       </p:sp>
@@ -11703,7 +12072,7 @@
           <a:p>
             <a:fld id="{98ECFAF0-2E5A-483A-8E6F-380216CDCBF7}" type="datetimeFigureOut">
               <a:rPr kumimoji="1" lang="ja-JP" altLang="en-US" smtClean="0"/>
-              <a:t>2018/11/23</a:t>
+              <a:t>2019/3/20</a:t>
             </a:fld>
             <a:endParaRPr kumimoji="1" lang="ja-JP" altLang="en-US"/>
           </a:p>
@@ -11831,7 +12200,9 @@
           <a:bodyPr vert="horz" wrap="none" lIns="68580" tIns="34290" rIns="68580" bIns="34290" anchor="ctr" compatLnSpc="1"/>
           <a:lstStyle/>
           <a:p>
-            <a:endParaRPr kumimoji="0" lang="en-US" sz="1350"/>
+            <a:endParaRPr kumimoji="0" lang="en-US" sz="1350" dirty="0">
+              <a:latin typeface="Meiryo UI" panose="020B0604030504040204" pitchFamily="50" charset="-128"/>
+            </a:endParaRPr>
           </a:p>
         </p:txBody>
       </p:sp>
@@ -11867,7 +12238,9 @@
           <a:bodyPr vert="horz" wrap="none" lIns="68580" tIns="34290" rIns="68580" bIns="34290" anchor="ctr" compatLnSpc="1"/>
           <a:lstStyle/>
           <a:p>
-            <a:endParaRPr kumimoji="0" lang="en-US" sz="1350"/>
+            <a:endParaRPr kumimoji="0" lang="en-US" sz="1350" dirty="0">
+              <a:latin typeface="Meiryo UI" panose="020B0604030504040204" pitchFamily="50" charset="-128"/>
+            </a:endParaRPr>
           </a:p>
         </p:txBody>
       </p:sp>
@@ -11903,7 +12276,9 @@
           <a:bodyPr vert="horz" wrap="none" lIns="68580" tIns="34290" rIns="68580" bIns="34290" anchor="ctr" compatLnSpc="1"/>
           <a:lstStyle/>
           <a:p>
-            <a:endParaRPr kumimoji="0" lang="en-US" sz="1350"/>
+            <a:endParaRPr kumimoji="0" lang="en-US" sz="1350" dirty="0">
+              <a:latin typeface="Meiryo UI" panose="020B0604030504040204" pitchFamily="50" charset="-128"/>
+            </a:endParaRPr>
           </a:p>
         </p:txBody>
       </p:sp>
@@ -11939,7 +12314,9 @@
           <a:bodyPr vert="horz" wrap="none" lIns="68580" tIns="34290" rIns="68580" bIns="34290" anchor="ctr" compatLnSpc="1"/>
           <a:lstStyle/>
           <a:p>
-            <a:endParaRPr kumimoji="0" lang="en-US" sz="1350"/>
+            <a:endParaRPr kumimoji="0" lang="en-US" sz="1350" dirty="0">
+              <a:latin typeface="Meiryo UI" panose="020B0604030504040204" pitchFamily="50" charset="-128"/>
+            </a:endParaRPr>
           </a:p>
         </p:txBody>
       </p:sp>
@@ -11975,7 +12352,9 @@
           <a:bodyPr vert="horz" wrap="none" lIns="68580" tIns="34290" rIns="68580" bIns="34290" anchor="ctr" compatLnSpc="1"/>
           <a:lstStyle/>
           <a:p>
-            <a:endParaRPr kumimoji="0" lang="en-US" sz="1350"/>
+            <a:endParaRPr kumimoji="0" lang="en-US" sz="1350" dirty="0">
+              <a:latin typeface="Meiryo UI" panose="020B0604030504040204" pitchFamily="50" charset="-128"/>
+            </a:endParaRPr>
           </a:p>
         </p:txBody>
       </p:sp>
@@ -12021,7 +12400,9 @@
           <a:lstStyle/>
           <a:p>
             <a:pPr algn="ctr" eaLnBrk="1" latinLnBrk="0" hangingPunct="1"/>
-            <a:endParaRPr kumimoji="0" lang="en-US" sz="1350"/>
+            <a:endParaRPr kumimoji="0" lang="en-US" sz="1350" dirty="0">
+              <a:latin typeface="Meiryo UI" panose="020B0604030504040204" pitchFamily="50" charset="-128"/>
+            </a:endParaRPr>
           </a:p>
         </p:txBody>
       </p:sp>
@@ -12154,7 +12535,9 @@
           <a:bodyPr vert="horz" wrap="none" lIns="68580" tIns="34290" rIns="68580" bIns="34290" anchor="ctr" compatLnSpc="1"/>
           <a:lstStyle/>
           <a:p>
-            <a:endParaRPr kumimoji="0" lang="en-US" sz="1350" dirty="0"/>
+            <a:endParaRPr kumimoji="0" lang="en-US" sz="1350" dirty="0">
+              <a:latin typeface="Meiryo UI" panose="020B0604030504040204" pitchFamily="50" charset="-128"/>
+            </a:endParaRPr>
           </a:p>
         </p:txBody>
       </p:sp>
@@ -12192,7 +12575,9 @@
           <a:bodyPr vert="horz" wrap="none" lIns="68580" tIns="34290" rIns="68580" bIns="34290" anchor="ctr" compatLnSpc="1"/>
           <a:lstStyle/>
           <a:p>
-            <a:endParaRPr kumimoji="0" lang="en-US" sz="1350"/>
+            <a:endParaRPr kumimoji="0" lang="en-US" sz="1350" dirty="0">
+              <a:latin typeface="Meiryo UI" panose="020B0604030504040204" pitchFamily="50" charset="-128"/>
+            </a:endParaRPr>
           </a:p>
         </p:txBody>
       </p:sp>
@@ -12327,7 +12712,9 @@
           <a:lstStyle/>
           <a:p>
             <a:pPr algn="ctr" eaLnBrk="1" latinLnBrk="0" hangingPunct="1"/>
-            <a:endParaRPr kumimoji="0" lang="en-US" sz="1350"/>
+            <a:endParaRPr kumimoji="0" lang="en-US" sz="1350" dirty="0">
+              <a:latin typeface="Meiryo UI" panose="020B0604030504040204" pitchFamily="50" charset="-128"/>
+            </a:endParaRPr>
           </a:p>
         </p:txBody>
       </p:sp>
@@ -12377,7 +12764,9 @@
           <a:lstStyle/>
           <a:p>
             <a:pPr algn="ctr" eaLnBrk="1" latinLnBrk="0" hangingPunct="1"/>
-            <a:endParaRPr kumimoji="0" lang="en-US" sz="1350"/>
+            <a:endParaRPr kumimoji="0" lang="en-US" sz="1350" dirty="0">
+              <a:latin typeface="Meiryo UI" panose="020B0604030504040204" pitchFamily="50" charset="-128"/>
+            </a:endParaRPr>
           </a:p>
         </p:txBody>
       </p:sp>
@@ -12451,7 +12840,9 @@
           <a:bodyPr vert="horz" wrap="none" lIns="68580" tIns="34290" rIns="68580" bIns="34290" anchor="ctr" compatLnSpc="1"/>
           <a:lstStyle/>
           <a:p>
-            <a:endParaRPr kumimoji="0" lang="en-US" sz="1350"/>
+            <a:endParaRPr kumimoji="0" lang="en-US" sz="1350" dirty="0">
+              <a:latin typeface="Meiryo UI" panose="020B0604030504040204" pitchFamily="50" charset="-128"/>
+            </a:endParaRPr>
           </a:p>
         </p:txBody>
       </p:sp>
@@ -12472,7 +12863,7 @@
           <a:p>
             <a:fld id="{98ECFAF0-2E5A-483A-8E6F-380216CDCBF7}" type="datetimeFigureOut">
               <a:rPr kumimoji="1" lang="ja-JP" altLang="en-US" smtClean="0"/>
-              <a:t>2018/11/23</a:t>
+              <a:t>2019/3/20</a:t>
             </a:fld>
             <a:endParaRPr kumimoji="1" lang="ja-JP" altLang="en-US"/>
           </a:p>
@@ -12566,7 +12957,9 @@
           <a:bodyPr vert="horz" wrap="none" lIns="68580" tIns="34290" rIns="68580" bIns="34290" anchor="ctr" compatLnSpc="1"/>
           <a:lstStyle/>
           <a:p>
-            <a:endParaRPr kumimoji="0" lang="en-US" sz="1350"/>
+            <a:endParaRPr kumimoji="0" lang="en-US" sz="1350" dirty="0">
+              <a:latin typeface="Meiryo UI" panose="020B0604030504040204" pitchFamily="50" charset="-128"/>
+            </a:endParaRPr>
           </a:p>
         </p:txBody>
       </p:sp>
@@ -12602,7 +12995,9 @@
           <a:bodyPr vert="horz" wrap="none" lIns="68580" tIns="34290" rIns="68580" bIns="34290" anchor="ctr" compatLnSpc="1"/>
           <a:lstStyle/>
           <a:p>
-            <a:endParaRPr kumimoji="0" lang="en-US" sz="1350"/>
+            <a:endParaRPr kumimoji="0" lang="en-US" sz="1350" dirty="0">
+              <a:latin typeface="Meiryo UI" panose="020B0604030504040204" pitchFamily="50" charset="-128"/>
+            </a:endParaRPr>
           </a:p>
         </p:txBody>
       </p:sp>
@@ -12638,7 +13033,9 @@
           <a:bodyPr vert="horz" wrap="none" lIns="68580" tIns="34290" rIns="68580" bIns="34290" anchor="ctr" compatLnSpc="1"/>
           <a:lstStyle/>
           <a:p>
-            <a:endParaRPr kumimoji="0" lang="en-US" sz="1350"/>
+            <a:endParaRPr kumimoji="0" lang="en-US" sz="1350" dirty="0">
+              <a:latin typeface="Meiryo UI" panose="020B0604030504040204" pitchFamily="50" charset="-128"/>
+            </a:endParaRPr>
           </a:p>
         </p:txBody>
       </p:sp>
@@ -12674,7 +13071,9 @@
           <a:bodyPr vert="horz" wrap="none" lIns="68580" tIns="34290" rIns="68580" bIns="34290" anchor="ctr" compatLnSpc="1"/>
           <a:lstStyle/>
           <a:p>
-            <a:endParaRPr kumimoji="0" lang="en-US" sz="1350"/>
+            <a:endParaRPr kumimoji="0" lang="en-US" sz="1350" dirty="0">
+              <a:latin typeface="Meiryo UI" panose="020B0604030504040204" pitchFamily="50" charset="-128"/>
+            </a:endParaRPr>
           </a:p>
         </p:txBody>
       </p:sp>
@@ -12710,7 +13109,9 @@
           <a:bodyPr vert="horz" wrap="none" lIns="68580" tIns="34290" rIns="68580" bIns="34290" anchor="ctr" compatLnSpc="1"/>
           <a:lstStyle/>
           <a:p>
-            <a:endParaRPr kumimoji="0" lang="en-US" sz="1350" dirty="0"/>
+            <a:endParaRPr kumimoji="0" lang="en-US" sz="1350" dirty="0">
+              <a:latin typeface="Meiryo UI" panose="020B0604030504040204" pitchFamily="50" charset="-128"/>
+            </a:endParaRPr>
           </a:p>
         </p:txBody>
       </p:sp>
@@ -12746,7 +13147,9 @@
           <a:bodyPr vert="horz" wrap="none" lIns="68580" tIns="34290" rIns="68580" bIns="34290" anchor="ctr" compatLnSpc="1"/>
           <a:lstStyle/>
           <a:p>
-            <a:endParaRPr kumimoji="0" lang="en-US" sz="1350"/>
+            <a:endParaRPr kumimoji="0" lang="en-US" sz="1350" dirty="0">
+              <a:latin typeface="Meiryo UI" panose="020B0604030504040204" pitchFamily="50" charset="-128"/>
+            </a:endParaRPr>
           </a:p>
         </p:txBody>
       </p:sp>
@@ -12792,7 +13195,9 @@
           <a:lstStyle/>
           <a:p>
             <a:pPr algn="ctr" eaLnBrk="1" latinLnBrk="0" hangingPunct="1"/>
-            <a:endParaRPr kumimoji="0" lang="en-US" sz="1350"/>
+            <a:endParaRPr kumimoji="0" lang="en-US" sz="1350" dirty="0">
+              <a:latin typeface="Meiryo UI" panose="020B0604030504040204" pitchFamily="50" charset="-128"/>
+            </a:endParaRPr>
           </a:p>
         </p:txBody>
       </p:sp>
@@ -12830,7 +13235,9 @@
           <a:bodyPr vert="horz" wrap="none" lIns="68580" tIns="34290" rIns="68580" bIns="34290" anchor="ctr" compatLnSpc="1"/>
           <a:lstStyle/>
           <a:p>
-            <a:endParaRPr kumimoji="0" lang="en-US" sz="1350" dirty="0"/>
+            <a:endParaRPr kumimoji="0" lang="en-US" sz="1350" dirty="0">
+              <a:latin typeface="Meiryo UI" panose="020B0604030504040204" pitchFamily="50" charset="-128"/>
+            </a:endParaRPr>
           </a:p>
         </p:txBody>
       </p:sp>
@@ -12876,7 +13283,9 @@
           <a:lstStyle/>
           <a:p>
             <a:pPr algn="ctr" eaLnBrk="1" latinLnBrk="0" hangingPunct="1"/>
-            <a:endParaRPr kumimoji="0" lang="en-US" sz="1350"/>
+            <a:endParaRPr kumimoji="0" lang="en-US" sz="1350" dirty="0">
+              <a:latin typeface="Meiryo UI" panose="020B0604030504040204" pitchFamily="50" charset="-128"/>
+            </a:endParaRPr>
           </a:p>
         </p:txBody>
       </p:sp>
@@ -12926,7 +13335,9 @@
           <a:lstStyle/>
           <a:p>
             <a:pPr algn="ctr" eaLnBrk="1" latinLnBrk="0" hangingPunct="1"/>
-            <a:endParaRPr kumimoji="0" lang="en-US" sz="1350"/>
+            <a:endParaRPr kumimoji="0" lang="en-US" sz="1350" dirty="0">
+              <a:latin typeface="Meiryo UI" panose="020B0604030504040204" pitchFamily="50" charset="-128"/>
+            </a:endParaRPr>
           </a:p>
         </p:txBody>
       </p:sp>
@@ -13115,7 +13526,9 @@
           <a:bodyPr vert="horz" wrap="none" lIns="68580" tIns="34290" rIns="68580" bIns="34290" anchor="ctr" compatLnSpc="1"/>
           <a:lstStyle/>
           <a:p>
-            <a:endParaRPr kumimoji="0" lang="en-US" sz="1350"/>
+            <a:endParaRPr kumimoji="0" lang="en-US" sz="1350" dirty="0">
+              <a:latin typeface="Meiryo UI" panose="020B0604030504040204" pitchFamily="50" charset="-128"/>
+            </a:endParaRPr>
           </a:p>
         </p:txBody>
       </p:sp>
@@ -13141,7 +13554,7 @@
           <a:p>
             <a:fld id="{98ECFAF0-2E5A-483A-8E6F-380216CDCBF7}" type="datetimeFigureOut">
               <a:rPr kumimoji="1" lang="ja-JP" altLang="en-US" smtClean="0"/>
-              <a:t>2018/11/23</a:t>
+              <a:t>2019/3/20</a:t>
             </a:fld>
             <a:endParaRPr kumimoji="1" lang="ja-JP" altLang="en-US"/>
           </a:p>
@@ -13238,7 +13651,9 @@
           <a:bodyPr vert="horz" wrap="none" lIns="68580" tIns="34290" rIns="68580" bIns="34290" anchor="ctr" compatLnSpc="1"/>
           <a:lstStyle/>
           <a:p>
-            <a:endParaRPr kumimoji="0" lang="en-US" sz="1350"/>
+            <a:endParaRPr kumimoji="0" lang="en-US" sz="1350" dirty="0">
+              <a:latin typeface="Meiryo UI" panose="020B0604030504040204" pitchFamily="50" charset="-128"/>
+            </a:endParaRPr>
           </a:p>
         </p:txBody>
       </p:sp>
@@ -13274,7 +13689,9 @@
           <a:bodyPr vert="horz" wrap="none" lIns="68580" tIns="34290" rIns="68580" bIns="34290" anchor="ctr" compatLnSpc="1"/>
           <a:lstStyle/>
           <a:p>
-            <a:endParaRPr kumimoji="0" lang="en-US" sz="1350"/>
+            <a:endParaRPr kumimoji="0" lang="en-US" sz="1350" dirty="0">
+              <a:latin typeface="Meiryo UI" panose="020B0604030504040204" pitchFamily="50" charset="-128"/>
+            </a:endParaRPr>
           </a:p>
         </p:txBody>
       </p:sp>
@@ -13310,7 +13727,9 @@
           <a:bodyPr vert="horz" wrap="none" lIns="68580" tIns="34290" rIns="68580" bIns="34290" anchor="ctr" compatLnSpc="1"/>
           <a:lstStyle/>
           <a:p>
-            <a:endParaRPr kumimoji="0" lang="en-US" sz="1350"/>
+            <a:endParaRPr kumimoji="0" lang="en-US" sz="1350" dirty="0">
+              <a:latin typeface="Meiryo UI" panose="020B0604030504040204" pitchFamily="50" charset="-128"/>
+            </a:endParaRPr>
           </a:p>
         </p:txBody>
       </p:sp>
@@ -13346,7 +13765,9 @@
           <a:bodyPr vert="horz" wrap="none" lIns="68580" tIns="34290" rIns="68580" bIns="34290" anchor="ctr" compatLnSpc="1"/>
           <a:lstStyle/>
           <a:p>
-            <a:endParaRPr kumimoji="0" lang="en-US" sz="1350"/>
+            <a:endParaRPr kumimoji="0" lang="en-US" sz="1350" dirty="0">
+              <a:latin typeface="Meiryo UI" panose="020B0604030504040204" pitchFamily="50" charset="-128"/>
+            </a:endParaRPr>
           </a:p>
         </p:txBody>
       </p:sp>
@@ -13382,7 +13803,9 @@
           <a:bodyPr vert="horz" wrap="none" lIns="68580" tIns="34290" rIns="68580" bIns="34290" anchor="ctr" compatLnSpc="1"/>
           <a:lstStyle/>
           <a:p>
-            <a:endParaRPr kumimoji="0" lang="en-US" sz="1350"/>
+            <a:endParaRPr kumimoji="0" lang="en-US" sz="1350" dirty="0">
+              <a:latin typeface="Meiryo UI" panose="020B0604030504040204" pitchFamily="50" charset="-128"/>
+            </a:endParaRPr>
           </a:p>
         </p:txBody>
       </p:sp>
@@ -13413,15 +13836,18 @@
                 <a:solidFill>
                   <a:srgbClr val="FFFFFF"/>
                 </a:solidFill>
+                <a:latin typeface="Meiryo UI" panose="020B0604030504040204" pitchFamily="50" charset="-128"/>
+                <a:ea typeface="Meiryo UI" panose="020B0604030504040204" pitchFamily="50" charset="-128"/>
               </a:defRPr>
             </a:lvl1pPr>
           </a:lstStyle>
           <a:p>
             <a:fld id="{98ECFAF0-2E5A-483A-8E6F-380216CDCBF7}" type="datetimeFigureOut">
               <a:rPr kumimoji="1" lang="ja-JP" altLang="en-US" smtClean="0"/>
-              <a:t>2018/11/23</a:t>
+              <a:pPr/>
+              <a:t>2019/3/20</a:t>
             </a:fld>
-            <a:endParaRPr kumimoji="1" lang="ja-JP" altLang="en-US"/>
+            <a:endParaRPr kumimoji="1" lang="ja-JP" altLang="en-US" dirty="0"/>
           </a:p>
         </p:txBody>
       </p:sp>
@@ -13452,11 +13878,13 @@
                 <a:solidFill>
                   <a:srgbClr val="FFFFFF"/>
                 </a:solidFill>
+                <a:latin typeface="Meiryo UI" panose="020B0604030504040204" pitchFamily="50" charset="-128"/>
+                <a:ea typeface="Meiryo UI" panose="020B0604030504040204" pitchFamily="50" charset="-128"/>
               </a:defRPr>
             </a:lvl1pPr>
           </a:lstStyle>
           <a:p>
-            <a:endParaRPr kumimoji="1" lang="ja-JP" altLang="en-US"/>
+            <a:endParaRPr kumimoji="1" lang="ja-JP" altLang="en-US" dirty="0"/>
           </a:p>
         </p:txBody>
       </p:sp>
@@ -13494,7 +13922,9 @@
           <a:bodyPr vert="horz" wrap="none" lIns="68580" tIns="34290" rIns="68580" bIns="34290" anchor="ctr" compatLnSpc="1"/>
           <a:lstStyle/>
           <a:p>
-            <a:endParaRPr kumimoji="0" lang="en-US" sz="1350" dirty="0"/>
+            <a:endParaRPr kumimoji="0" lang="en-US" sz="1350" dirty="0">
+              <a:latin typeface="Meiryo UI" panose="020B0604030504040204" pitchFamily="50" charset="-128"/>
+            </a:endParaRPr>
           </a:p>
         </p:txBody>
       </p:sp>
@@ -13532,7 +13962,9 @@
           <a:bodyPr vert="horz" wrap="none" lIns="68580" tIns="34290" rIns="68580" bIns="34290" anchor="ctr" compatLnSpc="1"/>
           <a:lstStyle/>
           <a:p>
-            <a:endParaRPr kumimoji="0" lang="en-US" sz="1350"/>
+            <a:endParaRPr kumimoji="0" lang="en-US" sz="1350" dirty="0">
+              <a:latin typeface="Meiryo UI" panose="020B0604030504040204" pitchFamily="50" charset="-128"/>
+            </a:endParaRPr>
           </a:p>
         </p:txBody>
       </p:sp>
@@ -13578,7 +14010,9 @@
           <a:lstStyle/>
           <a:p>
             <a:pPr algn="ctr" eaLnBrk="1" latinLnBrk="0" hangingPunct="1"/>
-            <a:endParaRPr kumimoji="0" lang="en-US" sz="1350"/>
+            <a:endParaRPr kumimoji="0" lang="en-US" sz="1350" dirty="0">
+              <a:latin typeface="Meiryo UI" panose="020B0604030504040204" pitchFamily="50" charset="-128"/>
+            </a:endParaRPr>
           </a:p>
         </p:txBody>
       </p:sp>
@@ -13628,7 +14062,9 @@
           <a:lstStyle/>
           <a:p>
             <a:pPr algn="ctr" eaLnBrk="1" latinLnBrk="0" hangingPunct="1"/>
-            <a:endParaRPr kumimoji="0" lang="en-US" sz="1350"/>
+            <a:endParaRPr kumimoji="0" lang="en-US" sz="1350" dirty="0">
+              <a:latin typeface="Meiryo UI" panose="020B0604030504040204" pitchFamily="50" charset="-128"/>
+            </a:endParaRPr>
           </a:p>
         </p:txBody>
       </p:sp>
@@ -13663,15 +14099,18 @@
                     <a:shade val="75000"/>
                   </a:schemeClr>
                 </a:solidFill>
+                <a:latin typeface="Meiryo UI" panose="020B0604030504040204" pitchFamily="50" charset="-128"/>
+                <a:ea typeface="Meiryo UI" panose="020B0604030504040204" pitchFamily="50" charset="-128"/>
               </a:defRPr>
             </a:lvl1pPr>
           </a:lstStyle>
           <a:p>
             <a:fld id="{6EA82B95-4194-454E-BE97-5F46CC774915}" type="slidenum">
               <a:rPr kumimoji="1" lang="ja-JP" altLang="en-US" smtClean="0"/>
+              <a:pPr/>
               <a:t>‹#›</a:t>
             </a:fld>
-            <a:endParaRPr kumimoji="1" lang="ja-JP" altLang="en-US"/>
+            <a:endParaRPr kumimoji="1" lang="ja-JP" altLang="en-US" dirty="0"/>
           </a:p>
         </p:txBody>
       </p:sp>
@@ -13701,10 +14140,10 @@
           <a:lstStyle/>
           <a:p>
             <a:r>
-              <a:rPr kumimoji="0" lang="ja-JP" altLang="en-US" smtClean="0"/>
+              <a:rPr kumimoji="0" lang="ja-JP" altLang="en-US" dirty="0" smtClean="0"/>
               <a:t>マスター タイトルの書式設定</a:t>
             </a:r>
-            <a:endParaRPr kumimoji="0" lang="en-US"/>
+            <a:endParaRPr kumimoji="0" lang="en-US" dirty="0"/>
           </a:p>
         </p:txBody>
       </p:sp>
@@ -13735,70 +14174,70 @@
           <a:p>
             <a:pPr lvl="0" eaLnBrk="1" latinLnBrk="0" hangingPunct="1"/>
             <a:r>
-              <a:rPr kumimoji="0" lang="ja-JP" altLang="en-US" smtClean="0"/>
+              <a:rPr kumimoji="0" lang="ja-JP" altLang="en-US" dirty="0" smtClean="0"/>
               <a:t>マスター テキストの書式設定</a:t>
             </a:r>
           </a:p>
           <a:p>
             <a:pPr lvl="1" eaLnBrk="1" latinLnBrk="0" hangingPunct="1"/>
             <a:r>
-              <a:rPr kumimoji="0" lang="ja-JP" altLang="en-US" smtClean="0"/>
+              <a:rPr kumimoji="0" lang="ja-JP" altLang="en-US" dirty="0" smtClean="0"/>
               <a:t>第 </a:t>
             </a:r>
             <a:r>
-              <a:rPr kumimoji="0" lang="en-US" altLang="ja-JP" smtClean="0"/>
+              <a:rPr kumimoji="0" lang="en-US" altLang="ja-JP" dirty="0" smtClean="0"/>
               <a:t>2 </a:t>
             </a:r>
             <a:r>
-              <a:rPr kumimoji="0" lang="ja-JP" altLang="en-US" smtClean="0"/>
+              <a:rPr kumimoji="0" lang="ja-JP" altLang="en-US" dirty="0" smtClean="0"/>
               <a:t>レベル</a:t>
             </a:r>
           </a:p>
           <a:p>
             <a:pPr lvl="2" eaLnBrk="1" latinLnBrk="0" hangingPunct="1"/>
             <a:r>
-              <a:rPr kumimoji="0" lang="ja-JP" altLang="en-US" smtClean="0"/>
+              <a:rPr kumimoji="0" lang="ja-JP" altLang="en-US" dirty="0" smtClean="0"/>
               <a:t>第 </a:t>
             </a:r>
             <a:r>
-              <a:rPr kumimoji="0" lang="en-US" altLang="ja-JP" smtClean="0"/>
+              <a:rPr kumimoji="0" lang="en-US" altLang="ja-JP" dirty="0" smtClean="0"/>
               <a:t>3 </a:t>
             </a:r>
             <a:r>
-              <a:rPr kumimoji="0" lang="ja-JP" altLang="en-US" smtClean="0"/>
+              <a:rPr kumimoji="0" lang="ja-JP" altLang="en-US" dirty="0" smtClean="0"/>
               <a:t>レベル</a:t>
             </a:r>
           </a:p>
           <a:p>
             <a:pPr lvl="3" eaLnBrk="1" latinLnBrk="0" hangingPunct="1"/>
             <a:r>
-              <a:rPr kumimoji="0" lang="ja-JP" altLang="en-US" smtClean="0"/>
+              <a:rPr kumimoji="0" lang="ja-JP" altLang="en-US" dirty="0" smtClean="0"/>
               <a:t>第 </a:t>
             </a:r>
             <a:r>
-              <a:rPr kumimoji="0" lang="en-US" altLang="ja-JP" smtClean="0"/>
+              <a:rPr kumimoji="0" lang="en-US" altLang="ja-JP" dirty="0" smtClean="0"/>
               <a:t>4 </a:t>
             </a:r>
             <a:r>
-              <a:rPr kumimoji="0" lang="ja-JP" altLang="en-US" smtClean="0"/>
+              <a:rPr kumimoji="0" lang="ja-JP" altLang="en-US" dirty="0" smtClean="0"/>
               <a:t>レベル</a:t>
             </a:r>
           </a:p>
           <a:p>
             <a:pPr lvl="4" eaLnBrk="1" latinLnBrk="0" hangingPunct="1"/>
             <a:r>
-              <a:rPr kumimoji="0" lang="ja-JP" altLang="en-US" smtClean="0"/>
+              <a:rPr kumimoji="0" lang="ja-JP" altLang="en-US" dirty="0" smtClean="0"/>
               <a:t>第 </a:t>
             </a:r>
             <a:r>
-              <a:rPr kumimoji="0" lang="en-US" altLang="ja-JP" smtClean="0"/>
+              <a:rPr kumimoji="0" lang="en-US" altLang="ja-JP" dirty="0" smtClean="0"/>
               <a:t>5 </a:t>
             </a:r>
             <a:r>
-              <a:rPr kumimoji="0" lang="ja-JP" altLang="en-US" smtClean="0"/>
+              <a:rPr kumimoji="0" lang="ja-JP" altLang="en-US" dirty="0" smtClean="0"/>
               <a:t>レベル</a:t>
             </a:r>
-            <a:endParaRPr kumimoji="0" lang="en-US"/>
+            <a:endParaRPr kumimoji="0" lang="en-US" dirty="0"/>
           </a:p>
         </p:txBody>
       </p:sp>
@@ -13836,8 +14275,8 @@
               <a:shade val="75000"/>
             </a:schemeClr>
           </a:solidFill>
-          <a:latin typeface="+mj-lt"/>
-          <a:ea typeface="+mj-ea"/>
+          <a:latin typeface="Meiryo UI" panose="020B0604030504040204" pitchFamily="50" charset="-128"/>
+          <a:ea typeface="Meiryo UI" panose="020B0604030504040204" pitchFamily="50" charset="-128"/>
           <a:cs typeface="+mj-cs"/>
         </a:defRPr>
       </a:lvl1pPr>
@@ -13857,8 +14296,8 @@
           <a:solidFill>
             <a:schemeClr val="tx1"/>
           </a:solidFill>
-          <a:latin typeface="+mn-lt"/>
-          <a:ea typeface="+mn-ea"/>
+          <a:latin typeface="Meiryo UI" panose="020B0604030504040204" pitchFamily="50" charset="-128"/>
+          <a:ea typeface="Meiryo UI" panose="020B0604030504040204" pitchFamily="50" charset="-128"/>
           <a:cs typeface="+mn-cs"/>
         </a:defRPr>
       </a:lvl1pPr>
@@ -13876,8 +14315,8 @@
           <a:solidFill>
             <a:schemeClr val="tx2"/>
           </a:solidFill>
-          <a:latin typeface="+mn-lt"/>
-          <a:ea typeface="+mn-ea"/>
+          <a:latin typeface="Meiryo UI" panose="020B0604030504040204" pitchFamily="50" charset="-128"/>
+          <a:ea typeface="Meiryo UI" panose="020B0604030504040204" pitchFamily="50" charset="-128"/>
           <a:cs typeface="+mn-cs"/>
         </a:defRPr>
       </a:lvl2pPr>
@@ -13895,8 +14334,8 @@
           <a:solidFill>
             <a:schemeClr val="tx1"/>
           </a:solidFill>
-          <a:latin typeface="+mn-lt"/>
-          <a:ea typeface="+mn-ea"/>
+          <a:latin typeface="Meiryo UI" panose="020B0604030504040204" pitchFamily="50" charset="-128"/>
+          <a:ea typeface="Meiryo UI" panose="020B0604030504040204" pitchFamily="50" charset="-128"/>
           <a:cs typeface="+mn-cs"/>
         </a:defRPr>
       </a:lvl3pPr>
@@ -13914,8 +14353,8 @@
           <a:solidFill>
             <a:schemeClr val="tx2"/>
           </a:solidFill>
-          <a:latin typeface="+mn-lt"/>
-          <a:ea typeface="+mn-ea"/>
+          <a:latin typeface="Meiryo UI" panose="020B0604030504040204" pitchFamily="50" charset="-128"/>
+          <a:ea typeface="Meiryo UI" panose="020B0604030504040204" pitchFamily="50" charset="-128"/>
           <a:cs typeface="+mn-cs"/>
         </a:defRPr>
       </a:lvl4pPr>
@@ -13932,8 +14371,8 @@
           <a:solidFill>
             <a:schemeClr val="tx1"/>
           </a:solidFill>
-          <a:latin typeface="+mn-lt"/>
-          <a:ea typeface="+mn-ea"/>
+          <a:latin typeface="Meiryo UI" panose="020B0604030504040204" pitchFamily="50" charset="-128"/>
+          <a:ea typeface="Meiryo UI" panose="020B0604030504040204" pitchFamily="50" charset="-128"/>
           <a:cs typeface="+mn-cs"/>
         </a:defRPr>
       </a:lvl5pPr>
@@ -14165,7 +14604,7 @@
           <a:p>
             <a:r>
               <a:rPr kumimoji="1" lang="ja-JP" altLang="en-US" dirty="0" smtClean="0"/>
-              <a:t>例題をといてデータ分析を体験</a:t>
+              <a:t>データ分析を体験</a:t>
             </a:r>
             <a:endParaRPr kumimoji="1" lang="ja-JP" altLang="en-US" dirty="0"/>
           </a:p>
@@ -14210,26 +14649,7 @@
       </p:grpSpPr>
       <p:sp>
         <p:nvSpPr>
-          <p:cNvPr id="5" name="テキスト プレースホルダー 4"/>
-          <p:cNvSpPr>
-            <a:spLocks noGrp="1"/>
-          </p:cNvSpPr>
-          <p:nvPr>
-            <p:ph type="body" idx="1"/>
-          </p:nvPr>
-        </p:nvSpPr>
-        <p:spPr/>
-        <p:txBody>
-          <a:bodyPr/>
-          <a:lstStyle/>
-          <a:p>
-            <a:endParaRPr kumimoji="1" lang="ja-JP" altLang="en-US"/>
-          </a:p>
-        </p:txBody>
-      </p:sp>
-      <p:sp>
-        <p:nvSpPr>
-          <p:cNvPr id="4" name="タイトル 3"/>
+          <p:cNvPr id="2" name="タイトル 1"/>
           <p:cNvSpPr>
             <a:spLocks noGrp="1"/>
           </p:cNvSpPr>
@@ -14243,23 +14663,873 @@
           <a:lstStyle/>
           <a:p>
             <a:r>
-              <a:rPr kumimoji="1" lang="ja-JP" altLang="en-US" dirty="0" smtClean="0"/>
-              <a:t>まとめ</a:t>
+              <a:rPr lang="en-US" altLang="ja-JP" dirty="0" smtClean="0"/>
+              <a:t>Python</a:t>
+            </a:r>
+            <a:r>
+              <a:rPr lang="ja-JP" altLang="en-US" dirty="0" err="1" smtClean="0"/>
+              <a:t>での</a:t>
+            </a:r>
+            <a:r>
+              <a:rPr lang="ja-JP" altLang="en-US" dirty="0" smtClean="0"/>
+              <a:t>処理の流れ</a:t>
             </a:r>
             <a:endParaRPr kumimoji="1" lang="ja-JP" altLang="en-US" dirty="0"/>
+          </a:p>
+        </p:txBody>
+      </p:sp>
+      <p:sp>
+        <p:nvSpPr>
+          <p:cNvPr id="4" name="角丸四角形 3"/>
+          <p:cNvSpPr/>
+          <p:nvPr/>
+        </p:nvSpPr>
+        <p:spPr>
+          <a:xfrm>
+            <a:off x="722811" y="1654629"/>
+            <a:ext cx="5468987" cy="487680"/>
+          </a:xfrm>
+          <a:prstGeom prst="roundRect">
+            <a:avLst/>
+          </a:prstGeom>
+          <a:solidFill>
+            <a:schemeClr val="bg1">
+              <a:lumMod val="65000"/>
+            </a:schemeClr>
+          </a:solidFill>
+          <a:ln>
+            <a:solidFill>
+              <a:schemeClr val="tx1"/>
+            </a:solidFill>
+          </a:ln>
+        </p:spPr>
+        <p:style>
+          <a:lnRef idx="1">
+            <a:schemeClr val="accent1"/>
+          </a:lnRef>
+          <a:fillRef idx="3">
+            <a:schemeClr val="accent1"/>
+          </a:fillRef>
+          <a:effectRef idx="2">
+            <a:schemeClr val="accent1"/>
+          </a:effectRef>
+          <a:fontRef idx="minor">
+            <a:schemeClr val="lt1"/>
+          </a:fontRef>
+        </p:style>
+        <p:txBody>
+          <a:bodyPr rtlCol="0" anchor="ctr"/>
+          <a:lstStyle/>
+          <a:p>
+            <a:pPr algn="ctr"/>
+            <a:r>
+              <a:rPr kumimoji="1" lang="ja-JP" altLang="en-US" b="1" dirty="0" smtClean="0">
+                <a:latin typeface="Meiryo UI" panose="020B0604030504040204" pitchFamily="50" charset="-128"/>
+                <a:ea typeface="Meiryo UI" panose="020B0604030504040204" pitchFamily="50" charset="-128"/>
+              </a:rPr>
+              <a:t>ファイルのアップロード</a:t>
+            </a:r>
+            <a:endParaRPr kumimoji="1" lang="ja-JP" altLang="en-US" b="1" dirty="0">
+              <a:latin typeface="Meiryo UI" panose="020B0604030504040204" pitchFamily="50" charset="-128"/>
+              <a:ea typeface="Meiryo UI" panose="020B0604030504040204" pitchFamily="50" charset="-128"/>
+            </a:endParaRPr>
+          </a:p>
+        </p:txBody>
+      </p:sp>
+      <p:sp>
+        <p:nvSpPr>
+          <p:cNvPr id="6" name="角丸四角形 5"/>
+          <p:cNvSpPr/>
+          <p:nvPr/>
+        </p:nvSpPr>
+        <p:spPr>
+          <a:xfrm>
+            <a:off x="1071171" y="2334771"/>
+            <a:ext cx="5468987" cy="487680"/>
+          </a:xfrm>
+          <a:prstGeom prst="roundRect">
+            <a:avLst/>
+          </a:prstGeom>
+          <a:solidFill>
+            <a:schemeClr val="bg1">
+              <a:lumMod val="65000"/>
+            </a:schemeClr>
+          </a:solidFill>
+          <a:ln>
+            <a:solidFill>
+              <a:schemeClr val="tx1"/>
+            </a:solidFill>
+          </a:ln>
+        </p:spPr>
+        <p:style>
+          <a:lnRef idx="1">
+            <a:schemeClr val="accent1"/>
+          </a:lnRef>
+          <a:fillRef idx="3">
+            <a:schemeClr val="accent1"/>
+          </a:fillRef>
+          <a:effectRef idx="2">
+            <a:schemeClr val="accent1"/>
+          </a:effectRef>
+          <a:fontRef idx="minor">
+            <a:schemeClr val="lt1"/>
+          </a:fontRef>
+        </p:style>
+        <p:txBody>
+          <a:bodyPr rtlCol="0" anchor="ctr"/>
+          <a:lstStyle/>
+          <a:p>
+            <a:pPr algn="ctr"/>
+            <a:r>
+              <a:rPr lang="ja-JP" altLang="en-US" b="1" dirty="0" smtClean="0">
+                <a:latin typeface="Meiryo UI" panose="020B0604030504040204" pitchFamily="50" charset="-128"/>
+                <a:ea typeface="Meiryo UI" panose="020B0604030504040204" pitchFamily="50" charset="-128"/>
+              </a:rPr>
+              <a:t>データ</a:t>
+            </a:r>
+            <a:r>
+              <a:rPr lang="ja-JP" altLang="en-US" b="1" dirty="0">
+                <a:latin typeface="Meiryo UI" panose="020B0604030504040204" pitchFamily="50" charset="-128"/>
+                <a:ea typeface="Meiryo UI" panose="020B0604030504040204" pitchFamily="50" charset="-128"/>
+              </a:rPr>
+              <a:t>読み込</a:t>
+            </a:r>
+            <a:r>
+              <a:rPr lang="ja-JP" altLang="en-US" b="1" dirty="0" smtClean="0">
+                <a:latin typeface="Meiryo UI" panose="020B0604030504040204" pitchFamily="50" charset="-128"/>
+                <a:ea typeface="Meiryo UI" panose="020B0604030504040204" pitchFamily="50" charset="-128"/>
+              </a:rPr>
+              <a:t>み</a:t>
+            </a:r>
+            <a:endParaRPr kumimoji="1" lang="ja-JP" altLang="en-US" b="1" dirty="0">
+              <a:latin typeface="Meiryo UI" panose="020B0604030504040204" pitchFamily="50" charset="-128"/>
+              <a:ea typeface="Meiryo UI" panose="020B0604030504040204" pitchFamily="50" charset="-128"/>
+            </a:endParaRPr>
+          </a:p>
+        </p:txBody>
+      </p:sp>
+      <p:sp>
+        <p:nvSpPr>
+          <p:cNvPr id="8" name="角丸四角形 7"/>
+          <p:cNvSpPr/>
+          <p:nvPr/>
+        </p:nvSpPr>
+        <p:spPr>
+          <a:xfrm>
+            <a:off x="1419531" y="3014913"/>
+            <a:ext cx="5468987" cy="487680"/>
+          </a:xfrm>
+          <a:prstGeom prst="roundRect">
+            <a:avLst/>
+          </a:prstGeom>
+          <a:solidFill>
+            <a:schemeClr val="bg1">
+              <a:lumMod val="65000"/>
+            </a:schemeClr>
+          </a:solidFill>
+          <a:ln>
+            <a:solidFill>
+              <a:schemeClr val="tx1"/>
+            </a:solidFill>
+          </a:ln>
+        </p:spPr>
+        <p:style>
+          <a:lnRef idx="1">
+            <a:schemeClr val="accent1"/>
+          </a:lnRef>
+          <a:fillRef idx="3">
+            <a:schemeClr val="accent1"/>
+          </a:fillRef>
+          <a:effectRef idx="2">
+            <a:schemeClr val="accent1"/>
+          </a:effectRef>
+          <a:fontRef idx="minor">
+            <a:schemeClr val="lt1"/>
+          </a:fontRef>
+        </p:style>
+        <p:txBody>
+          <a:bodyPr rtlCol="0" anchor="ctr"/>
+          <a:lstStyle/>
+          <a:p>
+            <a:pPr algn="ctr"/>
+            <a:r>
+              <a:rPr kumimoji="1" lang="ja-JP" altLang="en-US" b="1" dirty="0" smtClean="0">
+                <a:latin typeface="Meiryo UI" panose="020B0604030504040204" pitchFamily="50" charset="-128"/>
+                <a:ea typeface="Meiryo UI" panose="020B0604030504040204" pitchFamily="50" charset="-128"/>
+              </a:rPr>
+              <a:t>目的変数、説明変数の設定（まずは性別、年齢のみ）</a:t>
+            </a:r>
+            <a:endParaRPr kumimoji="1" lang="ja-JP" altLang="en-US" b="1" dirty="0">
+              <a:latin typeface="Meiryo UI" panose="020B0604030504040204" pitchFamily="50" charset="-128"/>
+              <a:ea typeface="Meiryo UI" panose="020B0604030504040204" pitchFamily="50" charset="-128"/>
+            </a:endParaRPr>
+          </a:p>
+        </p:txBody>
+      </p:sp>
+      <p:sp>
+        <p:nvSpPr>
+          <p:cNvPr id="9" name="角丸四角形 8"/>
+          <p:cNvSpPr/>
+          <p:nvPr/>
+        </p:nvSpPr>
+        <p:spPr>
+          <a:xfrm>
+            <a:off x="1767891" y="3695055"/>
+            <a:ext cx="5468987" cy="487680"/>
+          </a:xfrm>
+          <a:prstGeom prst="roundRect">
+            <a:avLst/>
+          </a:prstGeom>
+          <a:solidFill>
+            <a:schemeClr val="bg1">
+              <a:lumMod val="65000"/>
+            </a:schemeClr>
+          </a:solidFill>
+          <a:ln>
+            <a:solidFill>
+              <a:schemeClr val="tx1"/>
+            </a:solidFill>
+          </a:ln>
+        </p:spPr>
+        <p:style>
+          <a:lnRef idx="1">
+            <a:schemeClr val="accent1"/>
+          </a:lnRef>
+          <a:fillRef idx="3">
+            <a:schemeClr val="accent1"/>
+          </a:fillRef>
+          <a:effectRef idx="2">
+            <a:schemeClr val="accent1"/>
+          </a:effectRef>
+          <a:fontRef idx="minor">
+            <a:schemeClr val="lt1"/>
+          </a:fontRef>
+        </p:style>
+        <p:txBody>
+          <a:bodyPr rtlCol="0" anchor="ctr"/>
+          <a:lstStyle/>
+          <a:p>
+            <a:pPr algn="ctr"/>
+            <a:r>
+              <a:rPr lang="ja-JP" altLang="en-US" b="1" dirty="0" smtClean="0">
+                <a:latin typeface="Meiryo UI" panose="020B0604030504040204" pitchFamily="50" charset="-128"/>
+                <a:ea typeface="Meiryo UI" panose="020B0604030504040204" pitchFamily="50" charset="-128"/>
+              </a:rPr>
+              <a:t>学習処理の実行（決定木モデル）</a:t>
+            </a:r>
+            <a:endParaRPr kumimoji="1" lang="ja-JP" altLang="en-US" b="1" dirty="0">
+              <a:latin typeface="Meiryo UI" panose="020B0604030504040204" pitchFamily="50" charset="-128"/>
+              <a:ea typeface="Meiryo UI" panose="020B0604030504040204" pitchFamily="50" charset="-128"/>
+            </a:endParaRPr>
+          </a:p>
+        </p:txBody>
+      </p:sp>
+      <p:sp>
+        <p:nvSpPr>
+          <p:cNvPr id="10" name="角丸四角形 9"/>
+          <p:cNvSpPr/>
+          <p:nvPr/>
+        </p:nvSpPr>
+        <p:spPr>
+          <a:xfrm>
+            <a:off x="2116251" y="4375197"/>
+            <a:ext cx="5468987" cy="487680"/>
+          </a:xfrm>
+          <a:prstGeom prst="roundRect">
+            <a:avLst/>
+          </a:prstGeom>
+          <a:solidFill>
+            <a:schemeClr val="bg1">
+              <a:lumMod val="65000"/>
+            </a:schemeClr>
+          </a:solidFill>
+          <a:ln>
+            <a:solidFill>
+              <a:schemeClr val="tx1"/>
+            </a:solidFill>
+          </a:ln>
+        </p:spPr>
+        <p:style>
+          <a:lnRef idx="1">
+            <a:schemeClr val="accent1"/>
+          </a:lnRef>
+          <a:fillRef idx="3">
+            <a:schemeClr val="accent1"/>
+          </a:fillRef>
+          <a:effectRef idx="2">
+            <a:schemeClr val="accent1"/>
+          </a:effectRef>
+          <a:fontRef idx="minor">
+            <a:schemeClr val="lt1"/>
+          </a:fontRef>
+        </p:style>
+        <p:txBody>
+          <a:bodyPr rtlCol="0" anchor="ctr"/>
+          <a:lstStyle/>
+          <a:p>
+            <a:pPr algn="ctr"/>
+            <a:r>
+              <a:rPr lang="ja-JP" altLang="en-US" b="1" dirty="0" smtClean="0">
+                <a:latin typeface="Meiryo UI" panose="020B0604030504040204" pitchFamily="50" charset="-128"/>
+                <a:ea typeface="Meiryo UI" panose="020B0604030504040204" pitchFamily="50" charset="-128"/>
+              </a:rPr>
+              <a:t>予測処理の実行</a:t>
+            </a:r>
+            <a:endParaRPr kumimoji="1" lang="ja-JP" altLang="en-US" b="1" dirty="0">
+              <a:latin typeface="Meiryo UI" panose="020B0604030504040204" pitchFamily="50" charset="-128"/>
+              <a:ea typeface="Meiryo UI" panose="020B0604030504040204" pitchFamily="50" charset="-128"/>
+            </a:endParaRPr>
+          </a:p>
+        </p:txBody>
+      </p:sp>
+      <p:sp>
+        <p:nvSpPr>
+          <p:cNvPr id="11" name="角丸四角形 10"/>
+          <p:cNvSpPr/>
+          <p:nvPr/>
+        </p:nvSpPr>
+        <p:spPr>
+          <a:xfrm>
+            <a:off x="2464611" y="5055339"/>
+            <a:ext cx="5468987" cy="487680"/>
+          </a:xfrm>
+          <a:prstGeom prst="roundRect">
+            <a:avLst/>
+          </a:prstGeom>
+          <a:solidFill>
+            <a:schemeClr val="bg1">
+              <a:lumMod val="65000"/>
+            </a:schemeClr>
+          </a:solidFill>
+          <a:ln>
+            <a:solidFill>
+              <a:schemeClr val="tx1"/>
+            </a:solidFill>
+          </a:ln>
+        </p:spPr>
+        <p:style>
+          <a:lnRef idx="1">
+            <a:schemeClr val="accent1"/>
+          </a:lnRef>
+          <a:fillRef idx="3">
+            <a:schemeClr val="accent1"/>
+          </a:fillRef>
+          <a:effectRef idx="2">
+            <a:schemeClr val="accent1"/>
+          </a:effectRef>
+          <a:fontRef idx="minor">
+            <a:schemeClr val="lt1"/>
+          </a:fontRef>
+        </p:style>
+        <p:txBody>
+          <a:bodyPr rtlCol="0" anchor="ctr"/>
+          <a:lstStyle/>
+          <a:p>
+            <a:pPr algn="ctr"/>
+            <a:r>
+              <a:rPr lang="ja-JP" altLang="en-US" b="1" dirty="0" smtClean="0">
+                <a:latin typeface="Meiryo UI" panose="020B0604030504040204" pitchFamily="50" charset="-128"/>
+                <a:ea typeface="Meiryo UI" panose="020B0604030504040204" pitchFamily="50" charset="-128"/>
+              </a:rPr>
+              <a:t>結果の確認</a:t>
+            </a:r>
+            <a:endParaRPr kumimoji="1" lang="ja-JP" altLang="en-US" b="1" dirty="0">
+              <a:latin typeface="Meiryo UI" panose="020B0604030504040204" pitchFamily="50" charset="-128"/>
+              <a:ea typeface="Meiryo UI" panose="020B0604030504040204" pitchFamily="50" charset="-128"/>
+            </a:endParaRPr>
+          </a:p>
+        </p:txBody>
+      </p:sp>
+      <p:sp>
+        <p:nvSpPr>
+          <p:cNvPr id="5" name="下矢印 4"/>
+          <p:cNvSpPr/>
+          <p:nvPr/>
+        </p:nvSpPr>
+        <p:spPr>
+          <a:xfrm>
+            <a:off x="5756367" y="2062192"/>
+            <a:ext cx="330929" cy="366634"/>
+          </a:xfrm>
+          <a:prstGeom prst="downArrow">
+            <a:avLst/>
+          </a:prstGeom>
+          <a:solidFill>
+            <a:schemeClr val="accent6">
+              <a:lumMod val="40000"/>
+              <a:lumOff val="60000"/>
+            </a:schemeClr>
+          </a:solidFill>
+          <a:ln>
+            <a:solidFill>
+              <a:schemeClr val="tx1"/>
+            </a:solidFill>
+          </a:ln>
+        </p:spPr>
+        <p:style>
+          <a:lnRef idx="1">
+            <a:schemeClr val="accent1"/>
+          </a:lnRef>
+          <a:fillRef idx="3">
+            <a:schemeClr val="accent1"/>
+          </a:fillRef>
+          <a:effectRef idx="2">
+            <a:schemeClr val="accent1"/>
+          </a:effectRef>
+          <a:fontRef idx="minor">
+            <a:schemeClr val="lt1"/>
+          </a:fontRef>
+        </p:style>
+        <p:txBody>
+          <a:bodyPr rtlCol="0" anchor="ctr"/>
+          <a:lstStyle/>
+          <a:p>
+            <a:pPr algn="ctr"/>
+            <a:endParaRPr kumimoji="1" lang="ja-JP" altLang="en-US" dirty="0">
+              <a:latin typeface="Meiryo UI" panose="020B0604030504040204" pitchFamily="50" charset="-128"/>
+              <a:ea typeface="Meiryo UI" panose="020B0604030504040204" pitchFamily="50" charset="-128"/>
+            </a:endParaRPr>
+          </a:p>
+        </p:txBody>
+      </p:sp>
+      <p:sp>
+        <p:nvSpPr>
+          <p:cNvPr id="13" name="下矢印 12"/>
+          <p:cNvSpPr/>
+          <p:nvPr/>
+        </p:nvSpPr>
+        <p:spPr>
+          <a:xfrm>
+            <a:off x="6087296" y="2735365"/>
+            <a:ext cx="330929" cy="366634"/>
+          </a:xfrm>
+          <a:prstGeom prst="downArrow">
+            <a:avLst/>
+          </a:prstGeom>
+          <a:solidFill>
+            <a:schemeClr val="accent6">
+              <a:lumMod val="40000"/>
+              <a:lumOff val="60000"/>
+            </a:schemeClr>
+          </a:solidFill>
+          <a:ln>
+            <a:solidFill>
+              <a:schemeClr val="tx1"/>
+            </a:solidFill>
+          </a:ln>
+        </p:spPr>
+        <p:style>
+          <a:lnRef idx="1">
+            <a:schemeClr val="accent1"/>
+          </a:lnRef>
+          <a:fillRef idx="3">
+            <a:schemeClr val="accent1"/>
+          </a:fillRef>
+          <a:effectRef idx="2">
+            <a:schemeClr val="accent1"/>
+          </a:effectRef>
+          <a:fontRef idx="minor">
+            <a:schemeClr val="lt1"/>
+          </a:fontRef>
+        </p:style>
+        <p:txBody>
+          <a:bodyPr rtlCol="0" anchor="ctr"/>
+          <a:lstStyle/>
+          <a:p>
+            <a:pPr algn="ctr"/>
+            <a:endParaRPr kumimoji="1" lang="ja-JP" altLang="en-US" dirty="0">
+              <a:latin typeface="Meiryo UI" panose="020B0604030504040204" pitchFamily="50" charset="-128"/>
+              <a:ea typeface="Meiryo UI" panose="020B0604030504040204" pitchFamily="50" charset="-128"/>
+            </a:endParaRPr>
+          </a:p>
+        </p:txBody>
+      </p:sp>
+      <p:sp>
+        <p:nvSpPr>
+          <p:cNvPr id="14" name="下矢印 13"/>
+          <p:cNvSpPr/>
+          <p:nvPr/>
+        </p:nvSpPr>
+        <p:spPr>
+          <a:xfrm>
+            <a:off x="6418225" y="3415507"/>
+            <a:ext cx="330929" cy="366634"/>
+          </a:xfrm>
+          <a:prstGeom prst="downArrow">
+            <a:avLst/>
+          </a:prstGeom>
+          <a:solidFill>
+            <a:schemeClr val="accent6">
+              <a:lumMod val="40000"/>
+              <a:lumOff val="60000"/>
+            </a:schemeClr>
+          </a:solidFill>
+          <a:ln>
+            <a:solidFill>
+              <a:schemeClr val="tx1"/>
+            </a:solidFill>
+          </a:ln>
+        </p:spPr>
+        <p:style>
+          <a:lnRef idx="1">
+            <a:schemeClr val="accent1"/>
+          </a:lnRef>
+          <a:fillRef idx="3">
+            <a:schemeClr val="accent1"/>
+          </a:fillRef>
+          <a:effectRef idx="2">
+            <a:schemeClr val="accent1"/>
+          </a:effectRef>
+          <a:fontRef idx="minor">
+            <a:schemeClr val="lt1"/>
+          </a:fontRef>
+        </p:style>
+        <p:txBody>
+          <a:bodyPr rtlCol="0" anchor="ctr"/>
+          <a:lstStyle/>
+          <a:p>
+            <a:pPr algn="ctr"/>
+            <a:endParaRPr kumimoji="1" lang="ja-JP" altLang="en-US" dirty="0">
+              <a:latin typeface="Meiryo UI" panose="020B0604030504040204" pitchFamily="50" charset="-128"/>
+              <a:ea typeface="Meiryo UI" panose="020B0604030504040204" pitchFamily="50" charset="-128"/>
+            </a:endParaRPr>
+          </a:p>
+        </p:txBody>
+      </p:sp>
+      <p:sp>
+        <p:nvSpPr>
+          <p:cNvPr id="15" name="下矢印 14"/>
+          <p:cNvSpPr/>
+          <p:nvPr/>
+        </p:nvSpPr>
+        <p:spPr>
+          <a:xfrm>
+            <a:off x="6749154" y="4095649"/>
+            <a:ext cx="330929" cy="366634"/>
+          </a:xfrm>
+          <a:prstGeom prst="downArrow">
+            <a:avLst/>
+          </a:prstGeom>
+          <a:solidFill>
+            <a:schemeClr val="accent6">
+              <a:lumMod val="40000"/>
+              <a:lumOff val="60000"/>
+            </a:schemeClr>
+          </a:solidFill>
+          <a:ln>
+            <a:solidFill>
+              <a:schemeClr val="tx1"/>
+            </a:solidFill>
+          </a:ln>
+        </p:spPr>
+        <p:style>
+          <a:lnRef idx="1">
+            <a:schemeClr val="accent1"/>
+          </a:lnRef>
+          <a:fillRef idx="3">
+            <a:schemeClr val="accent1"/>
+          </a:fillRef>
+          <a:effectRef idx="2">
+            <a:schemeClr val="accent1"/>
+          </a:effectRef>
+          <a:fontRef idx="minor">
+            <a:schemeClr val="lt1"/>
+          </a:fontRef>
+        </p:style>
+        <p:txBody>
+          <a:bodyPr rtlCol="0" anchor="ctr"/>
+          <a:lstStyle/>
+          <a:p>
+            <a:pPr algn="ctr"/>
+            <a:endParaRPr kumimoji="1" lang="ja-JP" altLang="en-US" dirty="0">
+              <a:latin typeface="Meiryo UI" panose="020B0604030504040204" pitchFamily="50" charset="-128"/>
+              <a:ea typeface="Meiryo UI" panose="020B0604030504040204" pitchFamily="50" charset="-128"/>
+            </a:endParaRPr>
+          </a:p>
+        </p:txBody>
+      </p:sp>
+      <p:sp>
+        <p:nvSpPr>
+          <p:cNvPr id="16" name="下矢印 15"/>
+          <p:cNvSpPr/>
+          <p:nvPr/>
+        </p:nvSpPr>
+        <p:spPr>
+          <a:xfrm>
+            <a:off x="7080083" y="4775791"/>
+            <a:ext cx="330929" cy="366634"/>
+          </a:xfrm>
+          <a:prstGeom prst="downArrow">
+            <a:avLst/>
+          </a:prstGeom>
+          <a:solidFill>
+            <a:schemeClr val="accent6">
+              <a:lumMod val="40000"/>
+              <a:lumOff val="60000"/>
+            </a:schemeClr>
+          </a:solidFill>
+          <a:ln>
+            <a:solidFill>
+              <a:schemeClr val="tx1"/>
+            </a:solidFill>
+          </a:ln>
+        </p:spPr>
+        <p:style>
+          <a:lnRef idx="1">
+            <a:schemeClr val="accent1"/>
+          </a:lnRef>
+          <a:fillRef idx="3">
+            <a:schemeClr val="accent1"/>
+          </a:fillRef>
+          <a:effectRef idx="2">
+            <a:schemeClr val="accent1"/>
+          </a:effectRef>
+          <a:fontRef idx="minor">
+            <a:schemeClr val="lt1"/>
+          </a:fontRef>
+        </p:style>
+        <p:txBody>
+          <a:bodyPr rtlCol="0" anchor="ctr"/>
+          <a:lstStyle/>
+          <a:p>
+            <a:pPr algn="ctr"/>
+            <a:endParaRPr kumimoji="1" lang="ja-JP" altLang="en-US" dirty="0">
+              <a:latin typeface="Meiryo UI" panose="020B0604030504040204" pitchFamily="50" charset="-128"/>
+              <a:ea typeface="Meiryo UI" panose="020B0604030504040204" pitchFamily="50" charset="-128"/>
+            </a:endParaRPr>
+          </a:p>
+        </p:txBody>
+      </p:sp>
+      <p:sp>
+        <p:nvSpPr>
+          <p:cNvPr id="17" name="コンテンツ プレースホルダー 2"/>
+          <p:cNvSpPr txBox="1">
+            <a:spLocks/>
+          </p:cNvSpPr>
+          <p:nvPr/>
+        </p:nvSpPr>
+        <p:spPr>
+          <a:xfrm>
+            <a:off x="882777" y="5816471"/>
+            <a:ext cx="7372350" cy="467163"/>
+          </a:xfrm>
+          <a:prstGeom prst="rect">
+            <a:avLst/>
+          </a:prstGeom>
+        </p:spPr>
+        <p:txBody>
+          <a:bodyPr vert="horz">
+            <a:normAutofit/>
+          </a:bodyPr>
+          <a:lstStyle>
+            <a:lvl1pPr marL="274320" indent="-274320" algn="l" rtl="0" eaLnBrk="1" latinLnBrk="0" hangingPunct="1">
+              <a:spcBef>
+                <a:spcPct val="20000"/>
+              </a:spcBef>
+              <a:buClr>
+                <a:schemeClr val="accent1"/>
+              </a:buClr>
+              <a:buSzPct val="85000"/>
+              <a:buFont typeface="Wingdings 2"/>
+              <a:buChar char=""/>
+              <a:defRPr kumimoji="1" sz="2700" kern="1200">
+                <a:solidFill>
+                  <a:schemeClr val="tx1"/>
+                </a:solidFill>
+                <a:latin typeface="+mn-lt"/>
+                <a:ea typeface="+mn-ea"/>
+                <a:cs typeface="+mn-cs"/>
+              </a:defRPr>
+            </a:lvl1pPr>
+            <a:lvl2pPr marL="548640" indent="-274320" algn="l" rtl="0" eaLnBrk="1" latinLnBrk="0" hangingPunct="1">
+              <a:spcBef>
+                <a:spcPct val="20000"/>
+              </a:spcBef>
+              <a:buClr>
+                <a:schemeClr val="accent2"/>
+              </a:buClr>
+              <a:buSzPct val="70000"/>
+              <a:buFont typeface="Wingdings"/>
+              <a:buChar char=""/>
+              <a:defRPr kumimoji="1" sz="2200" kern="1200">
+                <a:solidFill>
+                  <a:schemeClr val="tx2"/>
+                </a:solidFill>
+                <a:latin typeface="+mn-lt"/>
+                <a:ea typeface="+mn-ea"/>
+                <a:cs typeface="+mn-cs"/>
+              </a:defRPr>
+            </a:lvl2pPr>
+            <a:lvl3pPr marL="822960" indent="-228600" algn="l" rtl="0" eaLnBrk="1" latinLnBrk="0" hangingPunct="1">
+              <a:spcBef>
+                <a:spcPct val="20000"/>
+              </a:spcBef>
+              <a:buClr>
+                <a:schemeClr val="accent3"/>
+              </a:buClr>
+              <a:buSzPct val="75000"/>
+              <a:buFont typeface="Wingdings 2"/>
+              <a:buChar char=""/>
+              <a:defRPr kumimoji="1" sz="2000" kern="1200">
+                <a:solidFill>
+                  <a:schemeClr val="tx1"/>
+                </a:solidFill>
+                <a:latin typeface="+mn-lt"/>
+                <a:ea typeface="+mn-ea"/>
+                <a:cs typeface="+mn-cs"/>
+              </a:defRPr>
+            </a:lvl3pPr>
+            <a:lvl4pPr marL="1097280" indent="-228600" algn="l" rtl="0" eaLnBrk="1" latinLnBrk="0" hangingPunct="1">
+              <a:spcBef>
+                <a:spcPct val="20000"/>
+              </a:spcBef>
+              <a:buClr>
+                <a:schemeClr val="accent4"/>
+              </a:buClr>
+              <a:buSzPct val="70000"/>
+              <a:buFont typeface="Wingdings"/>
+              <a:buChar char=""/>
+              <a:defRPr kumimoji="1" sz="2000" kern="1200">
+                <a:solidFill>
+                  <a:schemeClr val="tx2"/>
+                </a:solidFill>
+                <a:latin typeface="+mn-lt"/>
+                <a:ea typeface="+mn-ea"/>
+                <a:cs typeface="+mn-cs"/>
+              </a:defRPr>
+            </a:lvl4pPr>
+            <a:lvl5pPr marL="1371600" indent="-228600" algn="l" rtl="0" eaLnBrk="1" latinLnBrk="0" hangingPunct="1">
+              <a:spcBef>
+                <a:spcPct val="20000"/>
+              </a:spcBef>
+              <a:buClr>
+                <a:schemeClr val="accent5"/>
+              </a:buClr>
+              <a:buFontTx/>
+              <a:buChar char="•"/>
+              <a:defRPr kumimoji="1" sz="1800" kern="1200">
+                <a:solidFill>
+                  <a:schemeClr val="tx1"/>
+                </a:solidFill>
+                <a:latin typeface="+mn-lt"/>
+                <a:ea typeface="+mn-ea"/>
+                <a:cs typeface="+mn-cs"/>
+              </a:defRPr>
+            </a:lvl5pPr>
+            <a:lvl6pPr marL="1645920" indent="-182880" algn="l" rtl="0" eaLnBrk="1" latinLnBrk="0" hangingPunct="1">
+              <a:spcBef>
+                <a:spcPct val="20000"/>
+              </a:spcBef>
+              <a:buClr>
+                <a:schemeClr val="accent6"/>
+              </a:buClr>
+              <a:buSzPct val="80000"/>
+              <a:buFont typeface="Wingdings 2"/>
+              <a:buChar char=""/>
+              <a:defRPr kumimoji="1" sz="1800" kern="1200">
+                <a:solidFill>
+                  <a:schemeClr val="tx1"/>
+                </a:solidFill>
+                <a:latin typeface="+mn-lt"/>
+                <a:ea typeface="+mn-ea"/>
+                <a:cs typeface="+mn-cs"/>
+              </a:defRPr>
+            </a:lvl6pPr>
+            <a:lvl7pPr marL="1920240" indent="-182880" algn="l" rtl="0" eaLnBrk="1" latinLnBrk="0" hangingPunct="1">
+              <a:spcBef>
+                <a:spcPct val="20000"/>
+              </a:spcBef>
+              <a:buClr>
+                <a:schemeClr val="accent1">
+                  <a:shade val="75000"/>
+                </a:schemeClr>
+              </a:buClr>
+              <a:buSzPct val="90000"/>
+              <a:buChar char="•"/>
+              <a:defRPr kumimoji="1" sz="1600" kern="1200" baseline="0">
+                <a:solidFill>
+                  <a:schemeClr val="tx1"/>
+                </a:solidFill>
+                <a:latin typeface="+mn-lt"/>
+                <a:ea typeface="+mn-ea"/>
+                <a:cs typeface="+mn-cs"/>
+              </a:defRPr>
+            </a:lvl7pPr>
+            <a:lvl8pPr marL="2103120" indent="-182880" algn="l" rtl="0" eaLnBrk="1" latinLnBrk="0" hangingPunct="1">
+              <a:spcBef>
+                <a:spcPct val="20000"/>
+              </a:spcBef>
+              <a:buClr>
+                <a:schemeClr val="accent4">
+                  <a:shade val="75000"/>
+                </a:schemeClr>
+              </a:buClr>
+              <a:buChar char="•"/>
+              <a:defRPr kumimoji="1" sz="1600" kern="1200">
+                <a:solidFill>
+                  <a:schemeClr val="tx1"/>
+                </a:solidFill>
+                <a:latin typeface="+mn-lt"/>
+                <a:ea typeface="+mn-ea"/>
+                <a:cs typeface="+mn-cs"/>
+              </a:defRPr>
+            </a:lvl8pPr>
+            <a:lvl9pPr marL="2377440" indent="-182880" algn="l" rtl="0" eaLnBrk="1" latinLnBrk="0" hangingPunct="1">
+              <a:spcBef>
+                <a:spcPct val="20000"/>
+              </a:spcBef>
+              <a:buClr>
+                <a:schemeClr val="accent2">
+                  <a:shade val="75000"/>
+                </a:schemeClr>
+              </a:buClr>
+              <a:buSzPct val="90000"/>
+              <a:buChar char="•"/>
+              <a:defRPr kumimoji="1" sz="1400" kern="1200" cap="all" baseline="0">
+                <a:solidFill>
+                  <a:schemeClr val="tx1"/>
+                </a:solidFill>
+                <a:latin typeface="+mn-lt"/>
+                <a:ea typeface="+mn-ea"/>
+                <a:cs typeface="+mn-cs"/>
+              </a:defRPr>
+            </a:lvl9pPr>
+          </a:lstStyle>
+          <a:p>
+            <a:pPr marL="0" indent="0" algn="ctr">
+              <a:buNone/>
+            </a:pPr>
+            <a:r>
+              <a:rPr lang="ja-JP" altLang="en-US" sz="2025" b="1" dirty="0" smtClean="0">
+                <a:latin typeface="Meiryo UI" panose="020B0604030504040204" pitchFamily="50" charset="-128"/>
+                <a:ea typeface="Meiryo UI" panose="020B0604030504040204" pitchFamily="50" charset="-128"/>
+              </a:rPr>
+              <a:t>実際に一緒にコードを書いて実行してみましょう！</a:t>
+            </a:r>
+            <a:endParaRPr lang="en-US" altLang="ja-JP" sz="2025" b="1" dirty="0">
+              <a:latin typeface="Meiryo UI" panose="020B0604030504040204" pitchFamily="50" charset="-128"/>
+              <a:ea typeface="Meiryo UI" panose="020B0604030504040204" pitchFamily="50" charset="-128"/>
+            </a:endParaRPr>
           </a:p>
         </p:txBody>
       </p:sp>
     </p:spTree>
     <p:extLst>
       <p:ext uri="{BB962C8B-B14F-4D97-AF65-F5344CB8AC3E}">
-        <p14:creationId xmlns:p14="http://schemas.microsoft.com/office/powerpoint/2010/main" val="2900582659"/>
+        <p14:creationId xmlns:p14="http://schemas.microsoft.com/office/powerpoint/2010/main" val="2916039787"/>
       </p:ext>
     </p:extLst>
   </p:cSld>
   <p:clrMapOvr>
     <a:masterClrMapping/>
   </p:clrMapOvr>
+  <p:timing>
+    <p:tnLst>
+      <p:par>
+        <p:cTn id="1" dur="indefinite" restart="never" nodeType="tmRoot"/>
+      </p:par>
+    </p:tnLst>
+  </p:timing>
 </p:sld>
 </file>
 
@@ -14282,7 +15552,26 @@
       </p:grpSpPr>
       <p:sp>
         <p:nvSpPr>
-          <p:cNvPr id="2" name="タイトル 1"/>
+          <p:cNvPr id="5" name="テキスト プレースホルダー 4"/>
+          <p:cNvSpPr>
+            <a:spLocks noGrp="1"/>
+          </p:cNvSpPr>
+          <p:nvPr>
+            <p:ph type="body" idx="1"/>
+          </p:nvPr>
+        </p:nvSpPr>
+        <p:spPr/>
+        <p:txBody>
+          <a:bodyPr/>
+          <a:lstStyle/>
+          <a:p>
+            <a:endParaRPr kumimoji="1" lang="ja-JP" altLang="en-US"/>
+          </a:p>
+        </p:txBody>
+      </p:sp>
+      <p:sp>
+        <p:nvSpPr>
+          <p:cNvPr id="4" name="タイトル 3"/>
           <p:cNvSpPr>
             <a:spLocks noGrp="1"/>
           </p:cNvSpPr>
@@ -14296,161 +15585,17 @@
           <a:lstStyle/>
           <a:p>
             <a:r>
-              <a:rPr lang="ja-JP" altLang="en-US" dirty="0" smtClean="0"/>
-              <a:t>実際の現場では</a:t>
-            </a:r>
-            <a:r>
-              <a:rPr lang="ja-JP" altLang="en-US" dirty="0" err="1" smtClean="0"/>
-              <a:t>、、、</a:t>
+              <a:rPr kumimoji="1" lang="ja-JP" altLang="en-US" dirty="0" smtClean="0"/>
+              <a:t>まとめ</a:t>
             </a:r>
             <a:endParaRPr kumimoji="1" lang="ja-JP" altLang="en-US" dirty="0"/>
-          </a:p>
-        </p:txBody>
-      </p:sp>
-      <p:sp>
-        <p:nvSpPr>
-          <p:cNvPr id="3" name="コンテンツ プレースホルダー 2"/>
-          <p:cNvSpPr>
-            <a:spLocks noGrp="1"/>
-          </p:cNvSpPr>
-          <p:nvPr>
-            <p:ph sz="quarter" idx="1"/>
-          </p:nvPr>
-        </p:nvSpPr>
-        <p:spPr/>
-        <p:txBody>
-          <a:bodyPr>
-            <a:normAutofit/>
-          </a:bodyPr>
-          <a:lstStyle/>
-          <a:p>
-            <a:pPr marL="0" indent="0">
-              <a:buNone/>
-            </a:pPr>
-            <a:r>
-              <a:rPr lang="ja-JP" altLang="en-US" b="1" u="sng" dirty="0" smtClean="0"/>
-              <a:t>今回は機械学習を実行しやすいデータを準備したが、現実問題そのようなデータは、ほぼ存在しないので、</a:t>
-            </a:r>
-            <a:r>
-              <a:rPr lang="ja-JP" altLang="en-US" b="1" u="sng" dirty="0" smtClean="0">
-                <a:solidFill>
-                  <a:srgbClr val="C00000"/>
-                </a:solidFill>
-              </a:rPr>
-              <a:t>データの前処理が非常に重要</a:t>
-            </a:r>
-            <a:endParaRPr lang="en-US" altLang="ja-JP" b="1" u="sng" dirty="0">
-              <a:solidFill>
-                <a:srgbClr val="C00000"/>
-              </a:solidFill>
-            </a:endParaRPr>
-          </a:p>
-          <a:p>
-            <a:pPr marL="0" indent="0">
-              <a:buNone/>
-            </a:pPr>
-            <a:endParaRPr lang="en-US" altLang="ja-JP" b="1" dirty="0" smtClean="0"/>
-          </a:p>
-          <a:p>
-            <a:pPr marL="0" indent="0">
-              <a:buNone/>
-            </a:pPr>
-            <a:r>
-              <a:rPr lang="ja-JP" altLang="en-US" b="1" dirty="0" smtClean="0"/>
-              <a:t>　・欠損値が多いデータ　→　どうやって欠損値をなくすか</a:t>
-            </a:r>
-            <a:endParaRPr lang="en-US" altLang="ja-JP" b="1" dirty="0" smtClean="0"/>
-          </a:p>
-          <a:p>
-            <a:pPr marL="0" indent="0">
-              <a:buNone/>
-            </a:pPr>
-            <a:r>
-              <a:rPr lang="ja-JP" altLang="en-US" b="1" dirty="0" smtClean="0"/>
-              <a:t>　・文字列の取り扱い方　→　どうやって数値化するか</a:t>
-            </a:r>
-            <a:endParaRPr lang="en-US" altLang="ja-JP" b="1" dirty="0" smtClean="0"/>
-          </a:p>
-          <a:p>
-            <a:pPr marL="0" indent="0">
-              <a:buNone/>
-            </a:pPr>
-            <a:r>
-              <a:rPr lang="ja-JP" altLang="en-US" b="1" dirty="0"/>
-              <a:t>　</a:t>
-            </a:r>
-            <a:r>
-              <a:rPr lang="ja-JP" altLang="en-US" b="1" dirty="0" smtClean="0"/>
-              <a:t>・何が使えるかわからない　→　どのようなデータを使うか</a:t>
-            </a:r>
-            <a:endParaRPr lang="en-US" altLang="ja-JP" b="1" dirty="0" smtClean="0"/>
-          </a:p>
-          <a:p>
-            <a:pPr marL="0" indent="0">
-              <a:buNone/>
-            </a:pPr>
-            <a:endParaRPr lang="en-US" altLang="ja-JP" b="1" u="sng" dirty="0" smtClean="0"/>
-          </a:p>
-          <a:p>
-            <a:pPr marL="0" indent="0">
-              <a:buNone/>
-            </a:pPr>
-            <a:r>
-              <a:rPr lang="ja-JP" altLang="en-US" b="1" u="sng" dirty="0" smtClean="0"/>
-              <a:t>また、以下のポイントも考える必要がある</a:t>
-            </a:r>
-            <a:endParaRPr lang="en-US" altLang="ja-JP" b="1" u="sng" dirty="0"/>
-          </a:p>
-          <a:p>
-            <a:pPr marL="0" indent="0">
-              <a:buNone/>
-            </a:pPr>
-            <a:endParaRPr lang="en-US" altLang="ja-JP" b="1" dirty="0" smtClean="0"/>
-          </a:p>
-          <a:p>
-            <a:pPr marL="0" indent="0">
-              <a:buNone/>
-            </a:pPr>
-            <a:r>
-              <a:rPr lang="ja-JP" altLang="en-US" b="1" dirty="0"/>
-              <a:t>　</a:t>
-            </a:r>
-            <a:r>
-              <a:rPr lang="ja-JP" altLang="en-US" b="1" dirty="0" smtClean="0"/>
-              <a:t>・新たな特徴量を作成した方がよいのではないか</a:t>
-            </a:r>
-            <a:endParaRPr lang="en-US" altLang="ja-JP" b="1" dirty="0" smtClean="0"/>
-          </a:p>
-          <a:p>
-            <a:pPr marL="0" indent="0">
-              <a:buNone/>
-            </a:pPr>
-            <a:r>
-              <a:rPr lang="ja-JP" altLang="en-US" b="1" dirty="0" smtClean="0"/>
-              <a:t>　・別の手法の方が良いのではないか</a:t>
-            </a:r>
-            <a:endParaRPr lang="en-US" altLang="ja-JP" b="1" dirty="0" smtClean="0"/>
-          </a:p>
-          <a:p>
-            <a:pPr marL="0" indent="0">
-              <a:buNone/>
-            </a:pPr>
-            <a:r>
-              <a:rPr lang="ja-JP" altLang="en-US" b="1" dirty="0"/>
-              <a:t>　</a:t>
-            </a:r>
-            <a:r>
-              <a:rPr lang="ja-JP" altLang="en-US" b="1" dirty="0" smtClean="0"/>
-              <a:t>・評価方法は正しいのか</a:t>
-            </a:r>
-            <a:endParaRPr lang="en-US" altLang="ja-JP" b="1" dirty="0" smtClean="0"/>
           </a:p>
         </p:txBody>
       </p:sp>
     </p:spTree>
     <p:extLst>
       <p:ext uri="{BB962C8B-B14F-4D97-AF65-F5344CB8AC3E}">
-        <p14:creationId xmlns:p14="http://schemas.microsoft.com/office/powerpoint/2010/main" val="1477249446"/>
+        <p14:creationId xmlns:p14="http://schemas.microsoft.com/office/powerpoint/2010/main" val="2900582659"/>
       </p:ext>
     </p:extLst>
   </p:cSld>
@@ -14501,6 +15646,828 @@
           <a:p>
             <a:r>
               <a:rPr lang="ja-JP" altLang="en-US" dirty="0" smtClean="0"/>
+              <a:t>実際の現場では</a:t>
+            </a:r>
+            <a:r>
+              <a:rPr lang="ja-JP" altLang="en-US" dirty="0" err="1" smtClean="0"/>
+              <a:t>、、、</a:t>
+            </a:r>
+            <a:endParaRPr kumimoji="1" lang="ja-JP" altLang="en-US" dirty="0"/>
+          </a:p>
+        </p:txBody>
+      </p:sp>
+      <p:sp>
+        <p:nvSpPr>
+          <p:cNvPr id="3" name="コンテンツ プレースホルダー 2"/>
+          <p:cNvSpPr>
+            <a:spLocks noGrp="1"/>
+          </p:cNvSpPr>
+          <p:nvPr>
+            <p:ph sz="quarter" idx="1"/>
+          </p:nvPr>
+        </p:nvSpPr>
+        <p:spPr/>
+        <p:txBody>
+          <a:bodyPr>
+            <a:normAutofit/>
+          </a:bodyPr>
+          <a:lstStyle/>
+          <a:p>
+            <a:pPr marL="0" indent="0">
+              <a:buNone/>
+            </a:pPr>
+            <a:r>
+              <a:rPr lang="ja-JP" altLang="en-US" b="1" u="sng" dirty="0" smtClean="0"/>
+              <a:t>今回は機械学習を実行しやすいデータを準備したが、現実問題そのようなデータはほぼ存在しないので、</a:t>
+            </a:r>
+            <a:r>
+              <a:rPr lang="ja-JP" altLang="en-US" b="1" u="sng" dirty="0" smtClean="0">
+                <a:solidFill>
+                  <a:srgbClr val="C00000"/>
+                </a:solidFill>
+              </a:rPr>
+              <a:t>データの前処理が非常に重要</a:t>
+            </a:r>
+            <a:endParaRPr lang="en-US" altLang="ja-JP" b="1" u="sng" dirty="0">
+              <a:solidFill>
+                <a:srgbClr val="C00000"/>
+              </a:solidFill>
+            </a:endParaRPr>
+          </a:p>
+          <a:p>
+            <a:pPr marL="0" indent="0">
+              <a:buNone/>
+            </a:pPr>
+            <a:endParaRPr lang="en-US" altLang="ja-JP" b="1" dirty="0" smtClean="0"/>
+          </a:p>
+          <a:p>
+            <a:pPr marL="0" indent="0">
+              <a:buNone/>
+            </a:pPr>
+            <a:r>
+              <a:rPr lang="ja-JP" altLang="en-US" b="1" dirty="0" smtClean="0"/>
+              <a:t>　</a:t>
+            </a:r>
+            <a:endParaRPr lang="en-US" altLang="ja-JP" b="1" dirty="0"/>
+          </a:p>
+          <a:p>
+            <a:pPr marL="0" indent="0">
+              <a:buNone/>
+            </a:pPr>
+            <a:endParaRPr lang="en-US" altLang="ja-JP" b="1" u="sng" dirty="0" smtClean="0"/>
+          </a:p>
+          <a:p>
+            <a:pPr marL="0" indent="0">
+              <a:buNone/>
+            </a:pPr>
+            <a:endParaRPr lang="en-US" altLang="ja-JP" b="1" u="sng" dirty="0" smtClean="0"/>
+          </a:p>
+          <a:p>
+            <a:pPr marL="0" indent="0">
+              <a:buNone/>
+            </a:pPr>
+            <a:endParaRPr lang="en-US" altLang="ja-JP" b="1" u="sng" dirty="0" smtClean="0"/>
+          </a:p>
+          <a:p>
+            <a:pPr marL="0" indent="0">
+              <a:buNone/>
+            </a:pPr>
+            <a:endParaRPr lang="en-US" altLang="ja-JP" b="1" u="sng" dirty="0" smtClean="0"/>
+          </a:p>
+          <a:p>
+            <a:pPr marL="0" indent="0">
+              <a:buNone/>
+            </a:pPr>
+            <a:r>
+              <a:rPr lang="ja-JP" altLang="en-US" b="1" u="sng" dirty="0" smtClean="0"/>
+              <a:t>また、より良い予測のためには、データの前処理以外で</a:t>
+            </a:r>
+            <a:r>
+              <a:rPr lang="ja-JP" altLang="en-US" b="1" u="sng" dirty="0"/>
+              <a:t>、</a:t>
+            </a:r>
+            <a:r>
+              <a:rPr lang="ja-JP" altLang="en-US" b="1" u="sng" dirty="0" smtClean="0"/>
+              <a:t>以下のポイントなども考える必要がある</a:t>
+            </a:r>
+            <a:endParaRPr lang="en-US" altLang="ja-JP" b="1" dirty="0" smtClean="0"/>
+          </a:p>
+          <a:p>
+            <a:pPr marL="0" indent="0">
+              <a:buNone/>
+            </a:pPr>
+            <a:endParaRPr lang="en-US" altLang="ja-JP" b="1" dirty="0" smtClean="0"/>
+          </a:p>
+        </p:txBody>
+      </p:sp>
+      <p:sp>
+        <p:nvSpPr>
+          <p:cNvPr id="4" name="角丸四角形 3"/>
+          <p:cNvSpPr/>
+          <p:nvPr/>
+        </p:nvSpPr>
+        <p:spPr>
+          <a:xfrm>
+            <a:off x="788277" y="2333297"/>
+            <a:ext cx="3021722" cy="390166"/>
+          </a:xfrm>
+          <a:prstGeom prst="roundRect">
+            <a:avLst/>
+          </a:prstGeom>
+          <a:ln/>
+        </p:spPr>
+        <p:style>
+          <a:lnRef idx="2">
+            <a:schemeClr val="accent1">
+              <a:shade val="50000"/>
+            </a:schemeClr>
+          </a:lnRef>
+          <a:fillRef idx="1">
+            <a:schemeClr val="accent1"/>
+          </a:fillRef>
+          <a:effectRef idx="0">
+            <a:schemeClr val="accent1"/>
+          </a:effectRef>
+          <a:fontRef idx="minor">
+            <a:schemeClr val="lt1"/>
+          </a:fontRef>
+        </p:style>
+        <p:txBody>
+          <a:bodyPr rtlCol="0" anchor="ctr"/>
+          <a:lstStyle/>
+          <a:p>
+            <a:r>
+              <a:rPr lang="ja-JP" altLang="en-US" dirty="0" smtClean="0">
+                <a:latin typeface="Meiryo UI" panose="020B0604030504040204" pitchFamily="50" charset="-128"/>
+                <a:ea typeface="Meiryo UI" panose="020B0604030504040204" pitchFamily="50" charset="-128"/>
+              </a:rPr>
+              <a:t>①欠損値</a:t>
+            </a:r>
+            <a:r>
+              <a:rPr lang="ja-JP" altLang="en-US" dirty="0">
+                <a:latin typeface="Meiryo UI" panose="020B0604030504040204" pitchFamily="50" charset="-128"/>
+                <a:ea typeface="Meiryo UI" panose="020B0604030504040204" pitchFamily="50" charset="-128"/>
+              </a:rPr>
+              <a:t>が多い</a:t>
+            </a:r>
+            <a:r>
+              <a:rPr lang="ja-JP" altLang="en-US" dirty="0" smtClean="0">
+                <a:latin typeface="Meiryo UI" panose="020B0604030504040204" pitchFamily="50" charset="-128"/>
+                <a:ea typeface="Meiryo UI" panose="020B0604030504040204" pitchFamily="50" charset="-128"/>
+              </a:rPr>
+              <a:t>データ</a:t>
+            </a:r>
+            <a:endParaRPr lang="en-US" altLang="ja-JP" dirty="0">
+              <a:latin typeface="Meiryo UI" panose="020B0604030504040204" pitchFamily="50" charset="-128"/>
+              <a:ea typeface="Meiryo UI" panose="020B0604030504040204" pitchFamily="50" charset="-128"/>
+            </a:endParaRPr>
+          </a:p>
+        </p:txBody>
+      </p:sp>
+      <p:sp>
+        <p:nvSpPr>
+          <p:cNvPr id="5" name="角丸四角形 4"/>
+          <p:cNvSpPr/>
+          <p:nvPr/>
+        </p:nvSpPr>
+        <p:spPr>
+          <a:xfrm>
+            <a:off x="788277" y="2812261"/>
+            <a:ext cx="3021722" cy="390166"/>
+          </a:xfrm>
+          <a:prstGeom prst="roundRect">
+            <a:avLst/>
+          </a:prstGeom>
+          <a:ln/>
+        </p:spPr>
+        <p:style>
+          <a:lnRef idx="2">
+            <a:schemeClr val="accent1">
+              <a:shade val="50000"/>
+            </a:schemeClr>
+          </a:lnRef>
+          <a:fillRef idx="1">
+            <a:schemeClr val="accent1"/>
+          </a:fillRef>
+          <a:effectRef idx="0">
+            <a:schemeClr val="accent1"/>
+          </a:effectRef>
+          <a:fontRef idx="minor">
+            <a:schemeClr val="lt1"/>
+          </a:fontRef>
+        </p:style>
+        <p:txBody>
+          <a:bodyPr rtlCol="0" anchor="ctr"/>
+          <a:lstStyle/>
+          <a:p>
+            <a:r>
+              <a:rPr lang="ja-JP" altLang="en-US" dirty="0" smtClean="0">
+                <a:latin typeface="Meiryo UI" panose="020B0604030504040204" pitchFamily="50" charset="-128"/>
+                <a:ea typeface="Meiryo UI" panose="020B0604030504040204" pitchFamily="50" charset="-128"/>
+              </a:rPr>
+              <a:t>②文字列</a:t>
+            </a:r>
+            <a:r>
+              <a:rPr lang="ja-JP" altLang="en-US" dirty="0">
+                <a:latin typeface="Meiryo UI" panose="020B0604030504040204" pitchFamily="50" charset="-128"/>
+                <a:ea typeface="Meiryo UI" panose="020B0604030504040204" pitchFamily="50" charset="-128"/>
+              </a:rPr>
+              <a:t>の取り扱い方　</a:t>
+            </a:r>
+            <a:endParaRPr lang="en-US" altLang="ja-JP" dirty="0">
+              <a:latin typeface="Meiryo UI" panose="020B0604030504040204" pitchFamily="50" charset="-128"/>
+              <a:ea typeface="Meiryo UI" panose="020B0604030504040204" pitchFamily="50" charset="-128"/>
+            </a:endParaRPr>
+          </a:p>
+        </p:txBody>
+      </p:sp>
+      <p:sp>
+        <p:nvSpPr>
+          <p:cNvPr id="6" name="角丸四角形 5"/>
+          <p:cNvSpPr/>
+          <p:nvPr/>
+        </p:nvSpPr>
+        <p:spPr>
+          <a:xfrm>
+            <a:off x="788277" y="3769799"/>
+            <a:ext cx="3021723" cy="613941"/>
+          </a:xfrm>
+          <a:prstGeom prst="roundRect">
+            <a:avLst/>
+          </a:prstGeom>
+          <a:ln/>
+        </p:spPr>
+        <p:style>
+          <a:lnRef idx="2">
+            <a:schemeClr val="accent1">
+              <a:shade val="50000"/>
+            </a:schemeClr>
+          </a:lnRef>
+          <a:fillRef idx="1">
+            <a:schemeClr val="accent1"/>
+          </a:fillRef>
+          <a:effectRef idx="0">
+            <a:schemeClr val="accent1"/>
+          </a:effectRef>
+          <a:fontRef idx="minor">
+            <a:schemeClr val="lt1"/>
+          </a:fontRef>
+        </p:style>
+        <p:txBody>
+          <a:bodyPr rtlCol="0" anchor="ctr"/>
+          <a:lstStyle/>
+          <a:p>
+            <a:r>
+              <a:rPr lang="ja-JP" altLang="en-US" dirty="0">
+                <a:latin typeface="Meiryo UI" panose="020B0604030504040204" pitchFamily="50" charset="-128"/>
+                <a:ea typeface="Meiryo UI" panose="020B0604030504040204" pitchFamily="50" charset="-128"/>
+              </a:rPr>
+              <a:t>④</a:t>
+            </a:r>
+            <a:r>
+              <a:rPr lang="ja-JP" altLang="en-US" dirty="0" smtClean="0">
+                <a:latin typeface="Meiryo UI" panose="020B0604030504040204" pitchFamily="50" charset="-128"/>
+                <a:ea typeface="Meiryo UI" panose="020B0604030504040204" pitchFamily="50" charset="-128"/>
+              </a:rPr>
+              <a:t>そもそもどんなデータが</a:t>
+            </a:r>
+            <a:endParaRPr lang="en-US" altLang="ja-JP" dirty="0" smtClean="0">
+              <a:latin typeface="Meiryo UI" panose="020B0604030504040204" pitchFamily="50" charset="-128"/>
+              <a:ea typeface="Meiryo UI" panose="020B0604030504040204" pitchFamily="50" charset="-128"/>
+            </a:endParaRPr>
+          </a:p>
+          <a:p>
+            <a:r>
+              <a:rPr lang="ja-JP" altLang="en-US" dirty="0" smtClean="0">
+                <a:latin typeface="Meiryo UI" panose="020B0604030504040204" pitchFamily="50" charset="-128"/>
+                <a:ea typeface="Meiryo UI" panose="020B0604030504040204" pitchFamily="50" charset="-128"/>
+              </a:rPr>
+              <a:t>使える</a:t>
+            </a:r>
+            <a:r>
+              <a:rPr lang="ja-JP" altLang="en-US" dirty="0">
+                <a:latin typeface="Meiryo UI" panose="020B0604030504040204" pitchFamily="50" charset="-128"/>
+                <a:ea typeface="Meiryo UI" panose="020B0604030504040204" pitchFamily="50" charset="-128"/>
+              </a:rPr>
+              <a:t>か</a:t>
+            </a:r>
+            <a:r>
+              <a:rPr lang="ja-JP" altLang="en-US" dirty="0" smtClean="0">
+                <a:latin typeface="Meiryo UI" panose="020B0604030504040204" pitchFamily="50" charset="-128"/>
+                <a:ea typeface="Meiryo UI" panose="020B0604030504040204" pitchFamily="50" charset="-128"/>
+              </a:rPr>
+              <a:t>わからない</a:t>
+            </a:r>
+            <a:endParaRPr lang="en-US" altLang="ja-JP" dirty="0">
+              <a:latin typeface="Meiryo UI" panose="020B0604030504040204" pitchFamily="50" charset="-128"/>
+              <a:ea typeface="Meiryo UI" panose="020B0604030504040204" pitchFamily="50" charset="-128"/>
+            </a:endParaRPr>
+          </a:p>
+        </p:txBody>
+      </p:sp>
+      <p:sp>
+        <p:nvSpPr>
+          <p:cNvPr id="7" name="角丸四角形 6"/>
+          <p:cNvSpPr/>
+          <p:nvPr/>
+        </p:nvSpPr>
+        <p:spPr>
+          <a:xfrm>
+            <a:off x="788276" y="3289052"/>
+            <a:ext cx="3021723" cy="390166"/>
+          </a:xfrm>
+          <a:prstGeom prst="roundRect">
+            <a:avLst/>
+          </a:prstGeom>
+          <a:ln/>
+        </p:spPr>
+        <p:style>
+          <a:lnRef idx="2">
+            <a:schemeClr val="accent1">
+              <a:shade val="50000"/>
+            </a:schemeClr>
+          </a:lnRef>
+          <a:fillRef idx="1">
+            <a:schemeClr val="accent1"/>
+          </a:fillRef>
+          <a:effectRef idx="0">
+            <a:schemeClr val="accent1"/>
+          </a:effectRef>
+          <a:fontRef idx="minor">
+            <a:schemeClr val="lt1"/>
+          </a:fontRef>
+        </p:style>
+        <p:txBody>
+          <a:bodyPr rtlCol="0" anchor="ctr"/>
+          <a:lstStyle/>
+          <a:p>
+            <a:r>
+              <a:rPr lang="ja-JP" altLang="en-US" dirty="0">
+                <a:latin typeface="Meiryo UI" panose="020B0604030504040204" pitchFamily="50" charset="-128"/>
+                <a:ea typeface="Meiryo UI" panose="020B0604030504040204" pitchFamily="50" charset="-128"/>
+              </a:rPr>
+              <a:t>③</a:t>
+            </a:r>
+            <a:r>
+              <a:rPr lang="ja-JP" altLang="en-US" dirty="0" smtClean="0">
+                <a:latin typeface="Meiryo UI" panose="020B0604030504040204" pitchFamily="50" charset="-128"/>
+                <a:ea typeface="Meiryo UI" panose="020B0604030504040204" pitchFamily="50" charset="-128"/>
+              </a:rPr>
+              <a:t>新しい特徴量の作成</a:t>
+            </a:r>
+            <a:endParaRPr lang="en-US" altLang="ja-JP" dirty="0">
+              <a:latin typeface="Meiryo UI" panose="020B0604030504040204" pitchFamily="50" charset="-128"/>
+              <a:ea typeface="Meiryo UI" panose="020B0604030504040204" pitchFamily="50" charset="-128"/>
+            </a:endParaRPr>
+          </a:p>
+        </p:txBody>
+      </p:sp>
+      <p:sp>
+        <p:nvSpPr>
+          <p:cNvPr id="8" name="テキスト ボックス 7"/>
+          <p:cNvSpPr txBox="1"/>
+          <p:nvPr/>
+        </p:nvSpPr>
+        <p:spPr>
+          <a:xfrm>
+            <a:off x="4023917" y="2354131"/>
+            <a:ext cx="3066865" cy="369332"/>
+          </a:xfrm>
+          <a:prstGeom prst="rect">
+            <a:avLst/>
+          </a:prstGeom>
+          <a:noFill/>
+        </p:spPr>
+        <p:txBody>
+          <a:bodyPr wrap="none" rtlCol="0">
+            <a:spAutoFit/>
+          </a:bodyPr>
+          <a:lstStyle/>
+          <a:p>
+            <a:r>
+              <a:rPr lang="ja-JP" altLang="en-US" dirty="0" smtClean="0">
+                <a:latin typeface="Meiryo UI" panose="020B0604030504040204" pitchFamily="50" charset="-128"/>
+                <a:ea typeface="Meiryo UI" panose="020B0604030504040204" pitchFamily="50" charset="-128"/>
+              </a:rPr>
+              <a:t>→</a:t>
+            </a:r>
+            <a:r>
+              <a:rPr lang="ja-JP" altLang="en-US" dirty="0">
+                <a:latin typeface="Meiryo UI" panose="020B0604030504040204" pitchFamily="50" charset="-128"/>
+                <a:ea typeface="Meiryo UI" panose="020B0604030504040204" pitchFamily="50" charset="-128"/>
+              </a:rPr>
+              <a:t>　どうやって欠損値をなくす</a:t>
+            </a:r>
+            <a:r>
+              <a:rPr lang="ja-JP" altLang="en-US" dirty="0" smtClean="0">
+                <a:latin typeface="Meiryo UI" panose="020B0604030504040204" pitchFamily="50" charset="-128"/>
+                <a:ea typeface="Meiryo UI" panose="020B0604030504040204" pitchFamily="50" charset="-128"/>
+              </a:rPr>
+              <a:t>か</a:t>
+            </a:r>
+            <a:endParaRPr lang="en-US" altLang="ja-JP" dirty="0">
+              <a:latin typeface="Meiryo UI" panose="020B0604030504040204" pitchFamily="50" charset="-128"/>
+              <a:ea typeface="Meiryo UI" panose="020B0604030504040204" pitchFamily="50" charset="-128"/>
+            </a:endParaRPr>
+          </a:p>
+        </p:txBody>
+      </p:sp>
+      <p:sp>
+        <p:nvSpPr>
+          <p:cNvPr id="9" name="テキスト ボックス 8"/>
+          <p:cNvSpPr txBox="1"/>
+          <p:nvPr/>
+        </p:nvSpPr>
+        <p:spPr>
+          <a:xfrm>
+            <a:off x="4023917" y="2833095"/>
+            <a:ext cx="2709396" cy="369332"/>
+          </a:xfrm>
+          <a:prstGeom prst="rect">
+            <a:avLst/>
+          </a:prstGeom>
+          <a:noFill/>
+        </p:spPr>
+        <p:txBody>
+          <a:bodyPr wrap="none" rtlCol="0">
+            <a:spAutoFit/>
+          </a:bodyPr>
+          <a:lstStyle/>
+          <a:p>
+            <a:r>
+              <a:rPr lang="ja-JP" altLang="en-US" dirty="0">
+                <a:latin typeface="Meiryo UI" panose="020B0604030504040204" pitchFamily="50" charset="-128"/>
+                <a:ea typeface="Meiryo UI" panose="020B0604030504040204" pitchFamily="50" charset="-128"/>
+              </a:rPr>
+              <a:t>→　どうやって数値化するか</a:t>
+            </a:r>
+            <a:endParaRPr lang="en-US" altLang="ja-JP" dirty="0">
+              <a:latin typeface="Meiryo UI" panose="020B0604030504040204" pitchFamily="50" charset="-128"/>
+              <a:ea typeface="Meiryo UI" panose="020B0604030504040204" pitchFamily="50" charset="-128"/>
+            </a:endParaRPr>
+          </a:p>
+        </p:txBody>
+      </p:sp>
+      <p:sp>
+        <p:nvSpPr>
+          <p:cNvPr id="10" name="テキスト ボックス 9"/>
+          <p:cNvSpPr txBox="1"/>
+          <p:nvPr/>
+        </p:nvSpPr>
+        <p:spPr>
+          <a:xfrm>
+            <a:off x="4023917" y="3309886"/>
+            <a:ext cx="4687502" cy="369332"/>
+          </a:xfrm>
+          <a:prstGeom prst="rect">
+            <a:avLst/>
+          </a:prstGeom>
+          <a:noFill/>
+        </p:spPr>
+        <p:txBody>
+          <a:bodyPr wrap="none" rtlCol="0">
+            <a:spAutoFit/>
+          </a:bodyPr>
+          <a:lstStyle/>
+          <a:p>
+            <a:r>
+              <a:rPr lang="ja-JP" altLang="en-US" dirty="0">
+                <a:latin typeface="Meiryo UI" panose="020B0604030504040204" pitchFamily="50" charset="-128"/>
+                <a:ea typeface="Meiryo UI" panose="020B0604030504040204" pitchFamily="50" charset="-128"/>
+              </a:rPr>
+              <a:t>→　</a:t>
+            </a:r>
+            <a:r>
+              <a:rPr lang="ja-JP" altLang="en-US" dirty="0" smtClean="0">
+                <a:latin typeface="Meiryo UI" panose="020B0604030504040204" pitchFamily="50" charset="-128"/>
+                <a:ea typeface="Meiryo UI" panose="020B0604030504040204" pitchFamily="50" charset="-128"/>
+              </a:rPr>
+              <a:t>予測に</a:t>
+            </a:r>
+            <a:r>
+              <a:rPr lang="ja-JP" altLang="en-US" dirty="0">
+                <a:latin typeface="Meiryo UI" panose="020B0604030504040204" pitchFamily="50" charset="-128"/>
+                <a:ea typeface="Meiryo UI" panose="020B0604030504040204" pitchFamily="50" charset="-128"/>
+              </a:rPr>
+              <a:t>影響を与える重要なポイントはなにか</a:t>
+            </a:r>
+            <a:endParaRPr lang="en-US" altLang="ja-JP" dirty="0">
+              <a:latin typeface="Meiryo UI" panose="020B0604030504040204" pitchFamily="50" charset="-128"/>
+              <a:ea typeface="Meiryo UI" panose="020B0604030504040204" pitchFamily="50" charset="-128"/>
+            </a:endParaRPr>
+          </a:p>
+        </p:txBody>
+      </p:sp>
+      <p:sp>
+        <p:nvSpPr>
+          <p:cNvPr id="11" name="テキスト ボックス 10"/>
+          <p:cNvSpPr txBox="1"/>
+          <p:nvPr/>
+        </p:nvSpPr>
+        <p:spPr>
+          <a:xfrm>
+            <a:off x="4023917" y="3849635"/>
+            <a:ext cx="3260829" cy="369332"/>
+          </a:xfrm>
+          <a:prstGeom prst="rect">
+            <a:avLst/>
+          </a:prstGeom>
+          <a:noFill/>
+        </p:spPr>
+        <p:txBody>
+          <a:bodyPr wrap="none" rtlCol="0">
+            <a:spAutoFit/>
+          </a:bodyPr>
+          <a:lstStyle/>
+          <a:p>
+            <a:r>
+              <a:rPr lang="ja-JP" altLang="en-US" dirty="0">
+                <a:latin typeface="Meiryo UI" panose="020B0604030504040204" pitchFamily="50" charset="-128"/>
+                <a:ea typeface="Meiryo UI" panose="020B0604030504040204" pitchFamily="50" charset="-128"/>
+              </a:rPr>
+              <a:t>→　</a:t>
+            </a:r>
+            <a:r>
+              <a:rPr lang="ja-JP" altLang="en-US" dirty="0" smtClean="0">
+                <a:latin typeface="Meiryo UI" panose="020B0604030504040204" pitchFamily="50" charset="-128"/>
+                <a:ea typeface="Meiryo UI" panose="020B0604030504040204" pitchFamily="50" charset="-128"/>
+              </a:rPr>
+              <a:t>関係のありそうなデータの収集</a:t>
+            </a:r>
+            <a:endParaRPr lang="en-US" altLang="ja-JP" dirty="0">
+              <a:latin typeface="Meiryo UI" panose="020B0604030504040204" pitchFamily="50" charset="-128"/>
+              <a:ea typeface="Meiryo UI" panose="020B0604030504040204" pitchFamily="50" charset="-128"/>
+            </a:endParaRPr>
+          </a:p>
+        </p:txBody>
+      </p:sp>
+      <p:sp>
+        <p:nvSpPr>
+          <p:cNvPr id="12" name="角丸四角形 11"/>
+          <p:cNvSpPr/>
+          <p:nvPr/>
+        </p:nvSpPr>
+        <p:spPr>
+          <a:xfrm>
+            <a:off x="510370" y="5234993"/>
+            <a:ext cx="3566010" cy="390166"/>
+          </a:xfrm>
+          <a:prstGeom prst="roundRect">
+            <a:avLst/>
+          </a:prstGeom>
+          <a:ln/>
+        </p:spPr>
+        <p:style>
+          <a:lnRef idx="2">
+            <a:schemeClr val="accent1">
+              <a:shade val="50000"/>
+            </a:schemeClr>
+          </a:lnRef>
+          <a:fillRef idx="1">
+            <a:schemeClr val="accent1"/>
+          </a:fillRef>
+          <a:effectRef idx="0">
+            <a:schemeClr val="accent1"/>
+          </a:effectRef>
+          <a:fontRef idx="minor">
+            <a:schemeClr val="lt1"/>
+          </a:fontRef>
+        </p:style>
+        <p:txBody>
+          <a:bodyPr rtlCol="0" anchor="ctr"/>
+          <a:lstStyle/>
+          <a:p>
+            <a:r>
+              <a:rPr lang="ja-JP" altLang="en-US" dirty="0" smtClean="0">
+                <a:latin typeface="Meiryo UI" panose="020B0604030504040204" pitchFamily="50" charset="-128"/>
+                <a:ea typeface="Meiryo UI" panose="020B0604030504040204" pitchFamily="50" charset="-128"/>
+              </a:rPr>
+              <a:t>別</a:t>
+            </a:r>
+            <a:r>
+              <a:rPr lang="ja-JP" altLang="en-US" dirty="0">
+                <a:latin typeface="Meiryo UI" panose="020B0604030504040204" pitchFamily="50" charset="-128"/>
+                <a:ea typeface="Meiryo UI" panose="020B0604030504040204" pitchFamily="50" charset="-128"/>
+              </a:rPr>
+              <a:t>の手法の方が良いのではないか</a:t>
+            </a:r>
+            <a:endParaRPr lang="en-US" altLang="ja-JP" dirty="0">
+              <a:latin typeface="Meiryo UI" panose="020B0604030504040204" pitchFamily="50" charset="-128"/>
+              <a:ea typeface="Meiryo UI" panose="020B0604030504040204" pitchFamily="50" charset="-128"/>
+            </a:endParaRPr>
+          </a:p>
+        </p:txBody>
+      </p:sp>
+      <p:sp>
+        <p:nvSpPr>
+          <p:cNvPr id="13" name="角丸四角形 12"/>
+          <p:cNvSpPr/>
+          <p:nvPr/>
+        </p:nvSpPr>
+        <p:spPr>
+          <a:xfrm>
+            <a:off x="510370" y="5937017"/>
+            <a:ext cx="3566010" cy="390166"/>
+          </a:xfrm>
+          <a:prstGeom prst="roundRect">
+            <a:avLst/>
+          </a:prstGeom>
+          <a:ln/>
+        </p:spPr>
+        <p:style>
+          <a:lnRef idx="2">
+            <a:schemeClr val="accent1">
+              <a:shade val="50000"/>
+            </a:schemeClr>
+          </a:lnRef>
+          <a:fillRef idx="1">
+            <a:schemeClr val="accent1"/>
+          </a:fillRef>
+          <a:effectRef idx="0">
+            <a:schemeClr val="accent1"/>
+          </a:effectRef>
+          <a:fontRef idx="minor">
+            <a:schemeClr val="lt1"/>
+          </a:fontRef>
+        </p:style>
+        <p:txBody>
+          <a:bodyPr rtlCol="0" anchor="ctr"/>
+          <a:lstStyle/>
+          <a:p>
+            <a:r>
+              <a:rPr lang="ja-JP" altLang="en-US" dirty="0">
+                <a:latin typeface="Meiryo UI" panose="020B0604030504040204" pitchFamily="50" charset="-128"/>
+                <a:ea typeface="Meiryo UI" panose="020B0604030504040204" pitchFamily="50" charset="-128"/>
+              </a:rPr>
+              <a:t>評価方法は正しいのか</a:t>
+            </a:r>
+            <a:endParaRPr lang="en-US" altLang="ja-JP" dirty="0">
+              <a:latin typeface="Meiryo UI" panose="020B0604030504040204" pitchFamily="50" charset="-128"/>
+              <a:ea typeface="Meiryo UI" panose="020B0604030504040204" pitchFamily="50" charset="-128"/>
+            </a:endParaRPr>
+          </a:p>
+        </p:txBody>
+      </p:sp>
+      <p:sp>
+        <p:nvSpPr>
+          <p:cNvPr id="14" name="テキスト ボックス 13"/>
+          <p:cNvSpPr txBox="1"/>
+          <p:nvPr/>
+        </p:nvSpPr>
+        <p:spPr>
+          <a:xfrm>
+            <a:off x="4203211" y="5255827"/>
+            <a:ext cx="3797835" cy="646331"/>
+          </a:xfrm>
+          <a:prstGeom prst="rect">
+            <a:avLst/>
+          </a:prstGeom>
+          <a:noFill/>
+        </p:spPr>
+        <p:txBody>
+          <a:bodyPr wrap="none" rtlCol="0">
+            <a:spAutoFit/>
+          </a:bodyPr>
+          <a:lstStyle/>
+          <a:p>
+            <a:r>
+              <a:rPr lang="ja-JP" altLang="en-US" dirty="0">
+                <a:latin typeface="Meiryo UI" panose="020B0604030504040204" pitchFamily="50" charset="-128"/>
+                <a:ea typeface="Meiryo UI" panose="020B0604030504040204" pitchFamily="50" charset="-128"/>
+              </a:rPr>
+              <a:t>→　</a:t>
+            </a:r>
+            <a:r>
+              <a:rPr lang="ja-JP" altLang="en-US" dirty="0" smtClean="0">
+                <a:latin typeface="Meiryo UI" panose="020B0604030504040204" pitchFamily="50" charset="-128"/>
+                <a:ea typeface="Meiryo UI" panose="020B0604030504040204" pitchFamily="50" charset="-128"/>
+              </a:rPr>
+              <a:t>問題やデータの性質によって適した</a:t>
+            </a:r>
+            <a:endParaRPr lang="en-US" altLang="ja-JP" dirty="0" smtClean="0">
+              <a:latin typeface="Meiryo UI" panose="020B0604030504040204" pitchFamily="50" charset="-128"/>
+              <a:ea typeface="Meiryo UI" panose="020B0604030504040204" pitchFamily="50" charset="-128"/>
+            </a:endParaRPr>
+          </a:p>
+          <a:p>
+            <a:r>
+              <a:rPr lang="ja-JP" altLang="en-US" dirty="0">
+                <a:latin typeface="Meiryo UI" panose="020B0604030504040204" pitchFamily="50" charset="-128"/>
+                <a:ea typeface="Meiryo UI" panose="020B0604030504040204" pitchFamily="50" charset="-128"/>
+              </a:rPr>
+              <a:t>　</a:t>
+            </a:r>
+            <a:r>
+              <a:rPr lang="ja-JP" altLang="en-US" dirty="0" smtClean="0">
+                <a:latin typeface="Meiryo UI" panose="020B0604030504040204" pitchFamily="50" charset="-128"/>
+                <a:ea typeface="Meiryo UI" panose="020B0604030504040204" pitchFamily="50" charset="-128"/>
+              </a:rPr>
+              <a:t>　 モデルが変わることもある</a:t>
+            </a:r>
+            <a:endParaRPr lang="en-US" altLang="ja-JP" dirty="0">
+              <a:latin typeface="Meiryo UI" panose="020B0604030504040204" pitchFamily="50" charset="-128"/>
+              <a:ea typeface="Meiryo UI" panose="020B0604030504040204" pitchFamily="50" charset="-128"/>
+            </a:endParaRPr>
+          </a:p>
+        </p:txBody>
+      </p:sp>
+      <p:sp>
+        <p:nvSpPr>
+          <p:cNvPr id="15" name="テキスト ボックス 14"/>
+          <p:cNvSpPr txBox="1"/>
+          <p:nvPr/>
+        </p:nvSpPr>
+        <p:spPr>
+          <a:xfrm>
+            <a:off x="4203211" y="6039140"/>
+            <a:ext cx="3985386" cy="369332"/>
+          </a:xfrm>
+          <a:prstGeom prst="rect">
+            <a:avLst/>
+          </a:prstGeom>
+          <a:noFill/>
+        </p:spPr>
+        <p:txBody>
+          <a:bodyPr wrap="none" rtlCol="0">
+            <a:spAutoFit/>
+          </a:bodyPr>
+          <a:lstStyle/>
+          <a:p>
+            <a:r>
+              <a:rPr lang="ja-JP" altLang="en-US" dirty="0">
+                <a:latin typeface="Meiryo UI" panose="020B0604030504040204" pitchFamily="50" charset="-128"/>
+                <a:ea typeface="Meiryo UI" panose="020B0604030504040204" pitchFamily="50" charset="-128"/>
+              </a:rPr>
+              <a:t>→　</a:t>
+            </a:r>
+            <a:r>
+              <a:rPr lang="ja-JP" altLang="en-US" dirty="0" smtClean="0">
+                <a:latin typeface="Meiryo UI" panose="020B0604030504040204" pitchFamily="50" charset="-128"/>
+                <a:ea typeface="Meiryo UI" panose="020B0604030504040204" pitchFamily="50" charset="-128"/>
+              </a:rPr>
+              <a:t>数値予測の問題では誤差の見方など</a:t>
+            </a:r>
+            <a:endParaRPr lang="en-US" altLang="ja-JP" dirty="0">
+              <a:latin typeface="Meiryo UI" panose="020B0604030504040204" pitchFamily="50" charset="-128"/>
+              <a:ea typeface="Meiryo UI" panose="020B0604030504040204" pitchFamily="50" charset="-128"/>
+            </a:endParaRPr>
+          </a:p>
+        </p:txBody>
+      </p:sp>
+    </p:spTree>
+    <p:extLst>
+      <p:ext uri="{BB962C8B-B14F-4D97-AF65-F5344CB8AC3E}">
+        <p14:creationId xmlns:p14="http://schemas.microsoft.com/office/powerpoint/2010/main" val="1477249446"/>
+      </p:ext>
+    </p:extLst>
+  </p:cSld>
+  <p:clrMapOvr>
+    <a:masterClrMapping/>
+  </p:clrMapOvr>
+  <p:timing>
+    <p:tnLst>
+      <p:par>
+        <p:cTn id="1" dur="indefinite" restart="never" nodeType="tmRoot"/>
+      </p:par>
+    </p:tnLst>
+  </p:timing>
+</p:sld>
+</file>
+
+<file path=ppt/slides/slide13.xml><?xml version="1.0" encoding="utf-8"?>
+<p:sld xmlns:a="http://schemas.openxmlformats.org/drawingml/2006/main" xmlns:r="http://schemas.openxmlformats.org/officeDocument/2006/relationships" xmlns:p="http://schemas.openxmlformats.org/presentationml/2006/main">
+  <p:cSld>
+    <p:spTree>
+      <p:nvGrpSpPr>
+        <p:cNvPr id="1" name=""/>
+        <p:cNvGrpSpPr/>
+        <p:nvPr/>
+      </p:nvGrpSpPr>
+      <p:grpSpPr>
+        <a:xfrm>
+          <a:off x="0" y="0"/>
+          <a:ext cx="0" cy="0"/>
+          <a:chOff x="0" y="0"/>
+          <a:chExt cx="0" cy="0"/>
+        </a:xfrm>
+      </p:grpSpPr>
+      <p:sp>
+        <p:nvSpPr>
+          <p:cNvPr id="2" name="タイトル 1"/>
+          <p:cNvSpPr>
+            <a:spLocks noGrp="1"/>
+          </p:cNvSpPr>
+          <p:nvPr>
+            <p:ph type="title"/>
+          </p:nvPr>
+        </p:nvSpPr>
+        <p:spPr/>
+        <p:txBody>
+          <a:bodyPr/>
+          <a:lstStyle/>
+          <a:p>
+            <a:r>
+              <a:rPr lang="ja-JP" altLang="en-US" dirty="0" smtClean="0"/>
               <a:t>基本の分析の流れ</a:t>
             </a:r>
             <a:endParaRPr kumimoji="1" lang="ja-JP" altLang="en-US" dirty="0"/>
@@ -14517,7 +16484,7 @@
             <p:ph sz="quarter" idx="1"/>
             <p:extLst>
               <p:ext uri="{D42A27DB-BD31-4B8C-83A1-F6EECF244321}">
-                <p14:modId xmlns:p14="http://schemas.microsoft.com/office/powerpoint/2010/main" val="4082278535"/>
+                <p14:modId xmlns:p14="http://schemas.microsoft.com/office/powerpoint/2010/main" val="3749236580"/>
               </p:ext>
             </p:extLst>
           </p:nvPr>
@@ -14582,10 +16549,12 @@
           <a:lstStyle/>
           <a:p>
             <a:pPr algn="ctr"/>
-            <a:endParaRPr kumimoji="1" lang="ja-JP" altLang="en-US">
+            <a:endParaRPr kumimoji="1" lang="ja-JP" altLang="en-US" dirty="0">
               <a:solidFill>
                 <a:schemeClr val="tx1"/>
               </a:solidFill>
+              <a:latin typeface="Meiryo UI" panose="020B0604030504040204" pitchFamily="50" charset="-128"/>
+              <a:ea typeface="Meiryo UI" panose="020B0604030504040204" pitchFamily="50" charset="-128"/>
             </a:endParaRPr>
           </a:p>
         </p:txBody>
@@ -14636,10 +16605,16 @@
           <a:p>
             <a:pPr algn="ctr"/>
             <a:r>
-              <a:rPr kumimoji="1" lang="ja-JP" altLang="en-US" dirty="0" smtClean="0"/>
+              <a:rPr kumimoji="1" lang="ja-JP" altLang="en-US" dirty="0" smtClean="0">
+                <a:latin typeface="Meiryo UI" panose="020B0604030504040204" pitchFamily="50" charset="-128"/>
+                <a:ea typeface="Meiryo UI" panose="020B0604030504040204" pitchFamily="50" charset="-128"/>
+              </a:rPr>
               <a:t>このサイクルを繰り返す</a:t>
             </a:r>
-            <a:endParaRPr kumimoji="1" lang="ja-JP" altLang="en-US" dirty="0"/>
+            <a:endParaRPr kumimoji="1" lang="ja-JP" altLang="en-US" dirty="0">
+              <a:latin typeface="Meiryo UI" panose="020B0604030504040204" pitchFamily="50" charset="-128"/>
+              <a:ea typeface="Meiryo UI" panose="020B0604030504040204" pitchFamily="50" charset="-128"/>
+            </a:endParaRPr>
           </a:p>
         </p:txBody>
       </p:sp>
@@ -14663,7 +16638,7 @@
 </p:sld>
 </file>
 
-<file path=ppt/slides/slide13.xml><?xml version="1.0" encoding="utf-8"?>
+<file path=ppt/slides/slide14.xml><?xml version="1.0" encoding="utf-8"?>
 <p:sld xmlns:a="http://schemas.openxmlformats.org/drawingml/2006/main" xmlns:r="http://schemas.openxmlformats.org/officeDocument/2006/relationships" xmlns:p="http://schemas.openxmlformats.org/presentationml/2006/main">
   <p:cSld>
     <p:spTree>
@@ -14696,10 +16671,10 @@
           <a:lstStyle/>
           <a:p>
             <a:r>
-              <a:rPr lang="ja-JP" altLang="en-US" dirty="0" smtClean="0"/>
+              <a:rPr lang="ja-JP" altLang="en-US" sz="4000" dirty="0" smtClean="0"/>
               <a:t>（参考）今回のデータのダウンロード元</a:t>
             </a:r>
-            <a:endParaRPr kumimoji="1" lang="ja-JP" altLang="en-US" dirty="0"/>
+            <a:endParaRPr kumimoji="1" lang="ja-JP" altLang="en-US" sz="4000" dirty="0"/>
           </a:p>
         </p:txBody>
       </p:sp>
@@ -14747,7 +16722,7 @@
             </a:r>
             <a:r>
               <a:rPr lang="ja-JP" altLang="en-US" dirty="0" smtClean="0"/>
-              <a:t>することで、加工前のデータを落とせるのと、結果をアップロードするとスコアが返ってくる</a:t>
+              <a:t>することで、加工前のタイタニック号の生存者予測用のデータを落とせますし、予測結果をアップロードすることでスコアが返ってきます</a:t>
             </a:r>
             <a:endParaRPr lang="en-US" altLang="ja-JP" dirty="0"/>
           </a:p>
@@ -14983,32 +16958,53 @@
               <a:buNone/>
             </a:pPr>
             <a:r>
-              <a:rPr lang="en-US" altLang="ja-JP" sz="2025" u="sng" dirty="0" err="1" smtClean="0"/>
+              <a:rPr lang="en-US" altLang="ja-JP" sz="2025" u="sng" dirty="0" err="1" smtClean="0">
+                <a:latin typeface="Meiryo UI" panose="020B0604030504040204" pitchFamily="50" charset="-128"/>
+                <a:ea typeface="Meiryo UI" panose="020B0604030504040204" pitchFamily="50" charset="-128"/>
+              </a:rPr>
               <a:t>Kaggle</a:t>
             </a:r>
             <a:r>
-              <a:rPr lang="ja-JP" altLang="en-US" sz="2025" u="sng" dirty="0" smtClean="0"/>
+              <a:rPr lang="ja-JP" altLang="en-US" sz="2025" u="sng" dirty="0" smtClean="0">
+                <a:latin typeface="Meiryo UI" panose="020B0604030504040204" pitchFamily="50" charset="-128"/>
+                <a:ea typeface="Meiryo UI" panose="020B0604030504040204" pitchFamily="50" charset="-128"/>
+              </a:rPr>
               <a:t>のことや、データ分析関連のことに興味があれば、聞いてください</a:t>
             </a:r>
-            <a:endParaRPr lang="en-US" altLang="ja-JP" sz="2025" u="sng" dirty="0" smtClean="0"/>
+            <a:endParaRPr lang="en-US" altLang="ja-JP" sz="2025" u="sng" dirty="0" smtClean="0">
+              <a:latin typeface="Meiryo UI" panose="020B0604030504040204" pitchFamily="50" charset="-128"/>
+              <a:ea typeface="Meiryo UI" panose="020B0604030504040204" pitchFamily="50" charset="-128"/>
+            </a:endParaRPr>
           </a:p>
           <a:p>
             <a:pPr marL="0" indent="0">
               <a:buNone/>
             </a:pPr>
             <a:r>
-              <a:rPr lang="ja-JP" altLang="en-US" sz="2025" u="sng" dirty="0" smtClean="0"/>
+              <a:rPr lang="ja-JP" altLang="en-US" sz="2025" u="sng" dirty="0" smtClean="0">
+                <a:latin typeface="Meiryo UI" panose="020B0604030504040204" pitchFamily="50" charset="-128"/>
+                <a:ea typeface="Meiryo UI" panose="020B0604030504040204" pitchFamily="50" charset="-128"/>
+              </a:rPr>
               <a:t>また、興味があれば、一緒に</a:t>
             </a:r>
             <a:r>
-              <a:rPr lang="en-US" altLang="ja-JP" sz="2025" u="sng" dirty="0" err="1" smtClean="0"/>
+              <a:rPr lang="en-US" altLang="ja-JP" sz="2025" u="sng" dirty="0" err="1" smtClean="0">
+                <a:latin typeface="Meiryo UI" panose="020B0604030504040204" pitchFamily="50" charset="-128"/>
+                <a:ea typeface="Meiryo UI" panose="020B0604030504040204" pitchFamily="50" charset="-128"/>
+              </a:rPr>
               <a:t>kaggle</a:t>
             </a:r>
             <a:r>
-              <a:rPr lang="ja-JP" altLang="en-US" sz="2025" u="sng" dirty="0" smtClean="0"/>
+              <a:rPr lang="ja-JP" altLang="en-US" sz="2025" u="sng" dirty="0" smtClean="0">
+                <a:latin typeface="Meiryo UI" panose="020B0604030504040204" pitchFamily="50" charset="-128"/>
+                <a:ea typeface="Meiryo UI" panose="020B0604030504040204" pitchFamily="50" charset="-128"/>
+              </a:rPr>
               <a:t>で高スコアを出すための手法の勉強などしましょう！！</a:t>
             </a:r>
-            <a:endParaRPr lang="en-US" altLang="ja-JP" sz="2025" u="sng" dirty="0"/>
+            <a:endParaRPr lang="en-US" altLang="ja-JP" sz="2025" u="sng" dirty="0">
+              <a:latin typeface="Meiryo UI" panose="020B0604030504040204" pitchFamily="50" charset="-128"/>
+              <a:ea typeface="Meiryo UI" panose="020B0604030504040204" pitchFamily="50" charset="-128"/>
+            </a:endParaRPr>
           </a:p>
         </p:txBody>
       </p:sp>
@@ -15062,7 +17058,7 @@
 </p:sld>
 </file>
 
-<file path=ppt/slides/slide14.xml><?xml version="1.0" encoding="utf-8"?>
+<file path=ppt/slides/slide15.xml><?xml version="1.0" encoding="utf-8"?>
 <p:sld xmlns:a="http://schemas.openxmlformats.org/drawingml/2006/main" xmlns:r="http://schemas.openxmlformats.org/officeDocument/2006/relationships" xmlns:p="http://schemas.openxmlformats.org/presentationml/2006/main">
   <p:cSld>
     <p:spTree>
@@ -15200,7 +17196,7 @@
             <p:ph sz="quarter" idx="1"/>
             <p:extLst>
               <p:ext uri="{D42A27DB-BD31-4B8C-83A1-F6EECF244321}">
-                <p14:modId xmlns:p14="http://schemas.microsoft.com/office/powerpoint/2010/main" val="2063194892"/>
+                <p14:modId xmlns:p14="http://schemas.microsoft.com/office/powerpoint/2010/main" val="515325686"/>
               </p:ext>
             </p:extLst>
           </p:nvPr>
@@ -15226,10 +17222,16 @@
                     <a:lstStyle/>
                     <a:p>
                       <a:r>
-                        <a:rPr kumimoji="1" lang="ja-JP" altLang="en-US" b="0" dirty="0" smtClean="0"/>
+                        <a:rPr kumimoji="1" lang="ja-JP" altLang="en-US" b="0" dirty="0" smtClean="0">
+                          <a:latin typeface="Meiryo UI" panose="020B0604030504040204" pitchFamily="50" charset="-128"/>
+                          <a:ea typeface="Meiryo UI" panose="020B0604030504040204" pitchFamily="50" charset="-128"/>
+                        </a:rPr>
                         <a:t>名前</a:t>
                       </a:r>
-                      <a:endParaRPr kumimoji="1" lang="ja-JP" altLang="en-US" b="0" dirty="0"/>
+                      <a:endParaRPr kumimoji="1" lang="ja-JP" altLang="en-US" b="0" dirty="0">
+                        <a:latin typeface="Meiryo UI" panose="020B0604030504040204" pitchFamily="50" charset="-128"/>
+                        <a:ea typeface="Meiryo UI" panose="020B0604030504040204" pitchFamily="50" charset="-128"/>
+                      </a:endParaRPr>
                     </a:p>
                   </a:txBody>
                   <a:tcPr/>
@@ -15240,10 +17242,16 @@
                     <a:lstStyle/>
                     <a:p>
                       <a:r>
-                        <a:rPr kumimoji="1" lang="ja-JP" altLang="en-US" b="0" dirty="0" smtClean="0"/>
+                        <a:rPr kumimoji="1" lang="ja-JP" altLang="en-US" b="0" dirty="0" smtClean="0">
+                          <a:latin typeface="Meiryo UI" panose="020B0604030504040204" pitchFamily="50" charset="-128"/>
+                          <a:ea typeface="Meiryo UI" panose="020B0604030504040204" pitchFamily="50" charset="-128"/>
+                        </a:rPr>
                         <a:t>森本 貴尋</a:t>
                       </a:r>
-                      <a:endParaRPr kumimoji="1" lang="ja-JP" altLang="en-US" b="0" dirty="0"/>
+                      <a:endParaRPr kumimoji="1" lang="ja-JP" altLang="en-US" b="0" dirty="0">
+                        <a:latin typeface="Meiryo UI" panose="020B0604030504040204" pitchFamily="50" charset="-128"/>
+                        <a:ea typeface="Meiryo UI" panose="020B0604030504040204" pitchFamily="50" charset="-128"/>
+                      </a:endParaRPr>
                     </a:p>
                   </a:txBody>
                   <a:tcPr/>
@@ -15256,10 +17264,16 @@
                     <a:lstStyle/>
                     <a:p>
                       <a:r>
-                        <a:rPr kumimoji="1" lang="ja-JP" altLang="en-US" dirty="0" smtClean="0"/>
+                        <a:rPr kumimoji="1" lang="ja-JP" altLang="en-US" dirty="0" smtClean="0">
+                          <a:latin typeface="Meiryo UI" panose="020B0604030504040204" pitchFamily="50" charset="-128"/>
+                          <a:ea typeface="Meiryo UI" panose="020B0604030504040204" pitchFamily="50" charset="-128"/>
+                        </a:rPr>
                         <a:t>入社月</a:t>
                       </a:r>
-                      <a:endParaRPr kumimoji="1" lang="ja-JP" altLang="en-US" dirty="0"/>
+                      <a:endParaRPr kumimoji="1" lang="ja-JP" altLang="en-US" dirty="0">
+                        <a:latin typeface="Meiryo UI" panose="020B0604030504040204" pitchFamily="50" charset="-128"/>
+                        <a:ea typeface="Meiryo UI" panose="020B0604030504040204" pitchFamily="50" charset="-128"/>
+                      </a:endParaRPr>
                     </a:p>
                   </a:txBody>
                   <a:tcPr/>
@@ -15270,22 +17284,37 @@
                     <a:lstStyle/>
                     <a:p>
                       <a:r>
-                        <a:rPr kumimoji="1" lang="en-US" altLang="ja-JP" dirty="0" smtClean="0"/>
+                        <a:rPr kumimoji="1" lang="en-US" altLang="ja-JP" dirty="0" smtClean="0">
+                          <a:latin typeface="Meiryo UI" panose="020B0604030504040204" pitchFamily="50" charset="-128"/>
+                          <a:ea typeface="Meiryo UI" panose="020B0604030504040204" pitchFamily="50" charset="-128"/>
+                        </a:rPr>
                         <a:t>2018</a:t>
                       </a:r>
                       <a:r>
-                        <a:rPr kumimoji="1" lang="ja-JP" altLang="en-US" dirty="0" smtClean="0"/>
+                        <a:rPr kumimoji="1" lang="ja-JP" altLang="en-US" dirty="0" smtClean="0">
+                          <a:latin typeface="Meiryo UI" panose="020B0604030504040204" pitchFamily="50" charset="-128"/>
+                          <a:ea typeface="Meiryo UI" panose="020B0604030504040204" pitchFamily="50" charset="-128"/>
+                        </a:rPr>
                         <a:t>年</a:t>
                       </a:r>
                       <a:r>
-                        <a:rPr kumimoji="1" lang="en-US" altLang="ja-JP" dirty="0" smtClean="0"/>
+                        <a:rPr kumimoji="1" lang="en-US" altLang="ja-JP" dirty="0" smtClean="0">
+                          <a:latin typeface="Meiryo UI" panose="020B0604030504040204" pitchFamily="50" charset="-128"/>
+                          <a:ea typeface="Meiryo UI" panose="020B0604030504040204" pitchFamily="50" charset="-128"/>
+                        </a:rPr>
                         <a:t>2</a:t>
                       </a:r>
                       <a:r>
-                        <a:rPr kumimoji="1" lang="ja-JP" altLang="en-US" dirty="0" smtClean="0"/>
+                        <a:rPr kumimoji="1" lang="ja-JP" altLang="en-US" dirty="0" smtClean="0">
+                          <a:latin typeface="Meiryo UI" panose="020B0604030504040204" pitchFamily="50" charset="-128"/>
+                          <a:ea typeface="Meiryo UI" panose="020B0604030504040204" pitchFamily="50" charset="-128"/>
+                        </a:rPr>
                         <a:t>月</a:t>
                       </a:r>
-                      <a:endParaRPr kumimoji="1" lang="ja-JP" altLang="en-US" dirty="0"/>
+                      <a:endParaRPr kumimoji="1" lang="ja-JP" altLang="en-US" dirty="0">
+                        <a:latin typeface="Meiryo UI" panose="020B0604030504040204" pitchFamily="50" charset="-128"/>
+                        <a:ea typeface="Meiryo UI" panose="020B0604030504040204" pitchFamily="50" charset="-128"/>
+                      </a:endParaRPr>
                     </a:p>
                   </a:txBody>
                   <a:tcPr/>
@@ -15298,10 +17327,16 @@
                     <a:lstStyle/>
                     <a:p>
                       <a:r>
-                        <a:rPr kumimoji="1" lang="ja-JP" altLang="en-US" dirty="0" smtClean="0"/>
+                        <a:rPr kumimoji="1" lang="ja-JP" altLang="en-US" dirty="0" smtClean="0">
+                          <a:latin typeface="Meiryo UI" panose="020B0604030504040204" pitchFamily="50" charset="-128"/>
+                          <a:ea typeface="Meiryo UI" panose="020B0604030504040204" pitchFamily="50" charset="-128"/>
+                        </a:rPr>
                         <a:t>就業先</a:t>
                       </a:r>
-                      <a:endParaRPr kumimoji="1" lang="ja-JP" altLang="en-US" dirty="0"/>
+                      <a:endParaRPr kumimoji="1" lang="ja-JP" altLang="en-US" dirty="0">
+                        <a:latin typeface="Meiryo UI" panose="020B0604030504040204" pitchFamily="50" charset="-128"/>
+                        <a:ea typeface="Meiryo UI" panose="020B0604030504040204" pitchFamily="50" charset="-128"/>
+                      </a:endParaRPr>
                     </a:p>
                   </a:txBody>
                   <a:tcPr/>
@@ -15312,25 +17347,43 @@
                     <a:lstStyle/>
                     <a:p>
                       <a:r>
-                        <a:rPr kumimoji="1" lang="ja-JP" altLang="en-US" dirty="0" smtClean="0"/>
+                        <a:rPr kumimoji="1" lang="ja-JP" altLang="en-US" dirty="0" smtClean="0">
+                          <a:latin typeface="Meiryo UI" panose="020B0604030504040204" pitchFamily="50" charset="-128"/>
+                          <a:ea typeface="Meiryo UI" panose="020B0604030504040204" pitchFamily="50" charset="-128"/>
+                        </a:rPr>
                         <a:t>（㈱）富士通総研様</a:t>
                       </a:r>
-                      <a:endParaRPr kumimoji="1" lang="en-US" altLang="ja-JP" dirty="0" smtClean="0"/>
+                      <a:endParaRPr kumimoji="1" lang="en-US" altLang="ja-JP" dirty="0" smtClean="0">
+                        <a:latin typeface="Meiryo UI" panose="020B0604030504040204" pitchFamily="50" charset="-128"/>
+                        <a:ea typeface="Meiryo UI" panose="020B0604030504040204" pitchFamily="50" charset="-128"/>
+                      </a:endParaRPr>
                     </a:p>
                     <a:p>
                       <a:r>
-                        <a:rPr kumimoji="1" lang="ja-JP" altLang="en-US" dirty="0" smtClean="0"/>
+                        <a:rPr kumimoji="1" lang="ja-JP" altLang="en-US" dirty="0" smtClean="0">
+                          <a:latin typeface="Meiryo UI" panose="020B0604030504040204" pitchFamily="50" charset="-128"/>
+                          <a:ea typeface="Meiryo UI" panose="020B0604030504040204" pitchFamily="50" charset="-128"/>
+                        </a:rPr>
                         <a:t>　</a:t>
                       </a:r>
                       <a:r>
-                        <a:rPr kumimoji="1" lang="en-US" altLang="ja-JP" dirty="0" smtClean="0"/>
+                        <a:rPr kumimoji="1" lang="en-US" altLang="ja-JP" dirty="0" smtClean="0">
+                          <a:latin typeface="Meiryo UI" panose="020B0604030504040204" pitchFamily="50" charset="-128"/>
+                          <a:ea typeface="Meiryo UI" panose="020B0604030504040204" pitchFamily="50" charset="-128"/>
+                        </a:rPr>
                         <a:t>AI</a:t>
                       </a:r>
                       <a:r>
-                        <a:rPr kumimoji="1" lang="ja-JP" altLang="en-US" dirty="0" smtClean="0"/>
+                        <a:rPr kumimoji="1" lang="ja-JP" altLang="en-US" dirty="0" smtClean="0">
+                          <a:latin typeface="Meiryo UI" panose="020B0604030504040204" pitchFamily="50" charset="-128"/>
+                          <a:ea typeface="Meiryo UI" panose="020B0604030504040204" pitchFamily="50" charset="-128"/>
+                        </a:rPr>
                         <a:t>エンジニア育成プログラム</a:t>
                       </a:r>
-                      <a:endParaRPr kumimoji="1" lang="ja-JP" altLang="en-US" dirty="0"/>
+                      <a:endParaRPr kumimoji="1" lang="ja-JP" altLang="en-US" dirty="0">
+                        <a:latin typeface="Meiryo UI" panose="020B0604030504040204" pitchFamily="50" charset="-128"/>
+                        <a:ea typeface="Meiryo UI" panose="020B0604030504040204" pitchFamily="50" charset="-128"/>
+                      </a:endParaRPr>
                     </a:p>
                   </a:txBody>
                   <a:tcPr/>
@@ -15343,10 +17396,16 @@
                     <a:lstStyle/>
                     <a:p>
                       <a:r>
-                        <a:rPr kumimoji="1" lang="ja-JP" altLang="en-US" dirty="0" smtClean="0"/>
+                        <a:rPr kumimoji="1" lang="ja-JP" altLang="en-US" dirty="0" smtClean="0">
+                          <a:latin typeface="Meiryo UI" panose="020B0604030504040204" pitchFamily="50" charset="-128"/>
+                          <a:ea typeface="Meiryo UI" panose="020B0604030504040204" pitchFamily="50" charset="-128"/>
+                        </a:rPr>
                         <a:t>趣味</a:t>
                       </a:r>
-                      <a:endParaRPr kumimoji="1" lang="ja-JP" altLang="en-US" dirty="0"/>
+                      <a:endParaRPr kumimoji="1" lang="ja-JP" altLang="en-US" dirty="0">
+                        <a:latin typeface="Meiryo UI" panose="020B0604030504040204" pitchFamily="50" charset="-128"/>
+                        <a:ea typeface="Meiryo UI" panose="020B0604030504040204" pitchFamily="50" charset="-128"/>
+                      </a:endParaRPr>
                     </a:p>
                   </a:txBody>
                   <a:tcPr/>
@@ -15357,10 +17416,16 @@
                     <a:lstStyle/>
                     <a:p>
                       <a:r>
-                        <a:rPr kumimoji="1" lang="ja-JP" altLang="en-US" dirty="0" smtClean="0"/>
+                        <a:rPr kumimoji="1" lang="ja-JP" altLang="en-US" dirty="0" smtClean="0">
+                          <a:latin typeface="Meiryo UI" panose="020B0604030504040204" pitchFamily="50" charset="-128"/>
+                          <a:ea typeface="Meiryo UI" panose="020B0604030504040204" pitchFamily="50" charset="-128"/>
+                        </a:rPr>
                         <a:t>体を動かすこと、ゲーム、料理</a:t>
                       </a:r>
-                      <a:endParaRPr kumimoji="1" lang="ja-JP" altLang="en-US" dirty="0"/>
+                      <a:endParaRPr kumimoji="1" lang="ja-JP" altLang="en-US" dirty="0">
+                        <a:latin typeface="Meiryo UI" panose="020B0604030504040204" pitchFamily="50" charset="-128"/>
+                        <a:ea typeface="Meiryo UI" panose="020B0604030504040204" pitchFamily="50" charset="-128"/>
+                      </a:endParaRPr>
                     </a:p>
                   </a:txBody>
                   <a:tcPr/>
@@ -15373,10 +17438,16 @@
                     <a:lstStyle/>
                     <a:p>
                       <a:r>
-                        <a:rPr kumimoji="1" lang="ja-JP" altLang="en-US" dirty="0" smtClean="0"/>
+                        <a:rPr kumimoji="1" lang="ja-JP" altLang="en-US" dirty="0" smtClean="0">
+                          <a:latin typeface="Meiryo UI" panose="020B0604030504040204" pitchFamily="50" charset="-128"/>
+                          <a:ea typeface="Meiryo UI" panose="020B0604030504040204" pitchFamily="50" charset="-128"/>
+                        </a:rPr>
                         <a:t>特技</a:t>
                       </a:r>
-                      <a:endParaRPr kumimoji="1" lang="ja-JP" altLang="en-US" dirty="0"/>
+                      <a:endParaRPr kumimoji="1" lang="ja-JP" altLang="en-US" dirty="0">
+                        <a:latin typeface="Meiryo UI" panose="020B0604030504040204" pitchFamily="50" charset="-128"/>
+                        <a:ea typeface="Meiryo UI" panose="020B0604030504040204" pitchFamily="50" charset="-128"/>
+                      </a:endParaRPr>
                     </a:p>
                   </a:txBody>
                   <a:tcPr/>
@@ -15387,10 +17458,16 @@
                     <a:lstStyle/>
                     <a:p>
                       <a:r>
-                        <a:rPr kumimoji="1" lang="ja-JP" altLang="en-US" dirty="0" smtClean="0"/>
+                        <a:rPr kumimoji="1" lang="ja-JP" altLang="en-US" dirty="0" smtClean="0">
+                          <a:latin typeface="Meiryo UI" panose="020B0604030504040204" pitchFamily="50" charset="-128"/>
+                          <a:ea typeface="Meiryo UI" panose="020B0604030504040204" pitchFamily="50" charset="-128"/>
+                        </a:rPr>
                         <a:t>アメフト</a:t>
                       </a:r>
-                      <a:endParaRPr kumimoji="1" lang="ja-JP" altLang="en-US" dirty="0"/>
+                      <a:endParaRPr kumimoji="1" lang="ja-JP" altLang="en-US" dirty="0">
+                        <a:latin typeface="Meiryo UI" panose="020B0604030504040204" pitchFamily="50" charset="-128"/>
+                        <a:ea typeface="Meiryo UI" panose="020B0604030504040204" pitchFamily="50" charset="-128"/>
+                      </a:endParaRPr>
                     </a:p>
                   </a:txBody>
                   <a:tcPr/>
@@ -15403,10 +17480,16 @@
                     <a:lstStyle/>
                     <a:p>
                       <a:r>
-                        <a:rPr kumimoji="1" lang="ja-JP" altLang="en-US" dirty="0" smtClean="0"/>
+                        <a:rPr kumimoji="1" lang="ja-JP" altLang="en-US" dirty="0" smtClean="0">
+                          <a:latin typeface="Meiryo UI" panose="020B0604030504040204" pitchFamily="50" charset="-128"/>
+                          <a:ea typeface="Meiryo UI" panose="020B0604030504040204" pitchFamily="50" charset="-128"/>
+                        </a:rPr>
                         <a:t>最近うれしかったこと</a:t>
                       </a:r>
-                      <a:endParaRPr kumimoji="1" lang="ja-JP" altLang="en-US" dirty="0"/>
+                      <a:endParaRPr kumimoji="1" lang="ja-JP" altLang="en-US" dirty="0">
+                        <a:latin typeface="Meiryo UI" panose="020B0604030504040204" pitchFamily="50" charset="-128"/>
+                        <a:ea typeface="Meiryo UI" panose="020B0604030504040204" pitchFamily="50" charset="-128"/>
+                      </a:endParaRPr>
                     </a:p>
                   </a:txBody>
                   <a:tcPr/>
@@ -15417,17 +17500,29 @@
                     <a:lstStyle/>
                     <a:p>
                       <a:r>
-                        <a:rPr kumimoji="1" lang="ja-JP" altLang="en-US" dirty="0" smtClean="0"/>
+                        <a:rPr kumimoji="1" lang="ja-JP" altLang="en-US" dirty="0" smtClean="0">
+                          <a:latin typeface="Meiryo UI" panose="020B0604030504040204" pitchFamily="50" charset="-128"/>
+                          <a:ea typeface="Meiryo UI" panose="020B0604030504040204" pitchFamily="50" charset="-128"/>
+                        </a:rPr>
                         <a:t>去年に比べて健康になった</a:t>
                       </a:r>
-                      <a:endParaRPr kumimoji="1" lang="en-US" altLang="ja-JP" dirty="0" smtClean="0"/>
+                      <a:endParaRPr kumimoji="1" lang="en-US" altLang="ja-JP" dirty="0" smtClean="0">
+                        <a:latin typeface="Meiryo UI" panose="020B0604030504040204" pitchFamily="50" charset="-128"/>
+                        <a:ea typeface="Meiryo UI" panose="020B0604030504040204" pitchFamily="50" charset="-128"/>
+                      </a:endParaRPr>
                     </a:p>
                     <a:p>
                       <a:r>
-                        <a:rPr kumimoji="1" lang="ja-JP" altLang="en-US" dirty="0" smtClean="0"/>
+                        <a:rPr kumimoji="1" lang="ja-JP" altLang="en-US" dirty="0" smtClean="0">
+                          <a:latin typeface="Meiryo UI" panose="020B0604030504040204" pitchFamily="50" charset="-128"/>
+                          <a:ea typeface="Meiryo UI" panose="020B0604030504040204" pitchFamily="50" charset="-128"/>
+                        </a:rPr>
                         <a:t>やせたといわれることが増えた</a:t>
                       </a:r>
-                      <a:endParaRPr kumimoji="1" lang="ja-JP" altLang="en-US" dirty="0"/>
+                      <a:endParaRPr kumimoji="1" lang="ja-JP" altLang="en-US" dirty="0">
+                        <a:latin typeface="Meiryo UI" panose="020B0604030504040204" pitchFamily="50" charset="-128"/>
+                        <a:ea typeface="Meiryo UI" panose="020B0604030504040204" pitchFamily="50" charset="-128"/>
+                      </a:endParaRPr>
                     </a:p>
                   </a:txBody>
                   <a:tcPr/>
@@ -15440,10 +17535,16 @@
                     <a:lstStyle/>
                     <a:p>
                       <a:r>
-                        <a:rPr kumimoji="1" lang="ja-JP" altLang="en-US" dirty="0" smtClean="0"/>
+                        <a:rPr kumimoji="1" lang="ja-JP" altLang="en-US" dirty="0" smtClean="0">
+                          <a:latin typeface="Meiryo UI" panose="020B0604030504040204" pitchFamily="50" charset="-128"/>
+                          <a:ea typeface="Meiryo UI" panose="020B0604030504040204" pitchFamily="50" charset="-128"/>
+                        </a:rPr>
                         <a:t>最近の悩み</a:t>
                       </a:r>
-                      <a:endParaRPr kumimoji="1" lang="ja-JP" altLang="en-US" dirty="0"/>
+                      <a:endParaRPr kumimoji="1" lang="ja-JP" altLang="en-US" dirty="0">
+                        <a:latin typeface="Meiryo UI" panose="020B0604030504040204" pitchFamily="50" charset="-128"/>
+                        <a:ea typeface="Meiryo UI" panose="020B0604030504040204" pitchFamily="50" charset="-128"/>
+                      </a:endParaRPr>
                     </a:p>
                   </a:txBody>
                   <a:tcPr/>
@@ -15454,10 +17555,16 @@
                     <a:lstStyle/>
                     <a:p>
                       <a:r>
-                        <a:rPr kumimoji="1" lang="ja-JP" altLang="en-US" dirty="0" smtClean="0"/>
+                        <a:rPr kumimoji="1" lang="ja-JP" altLang="en-US" dirty="0" smtClean="0">
+                          <a:latin typeface="Meiryo UI" panose="020B0604030504040204" pitchFamily="50" charset="-128"/>
+                          <a:ea typeface="Meiryo UI" panose="020B0604030504040204" pitchFamily="50" charset="-128"/>
+                        </a:rPr>
                         <a:t>お菓子を食べる手が止まらない</a:t>
                       </a:r>
-                      <a:endParaRPr kumimoji="1" lang="ja-JP" altLang="en-US" dirty="0"/>
+                      <a:endParaRPr kumimoji="1" lang="ja-JP" altLang="en-US" dirty="0">
+                        <a:latin typeface="Meiryo UI" panose="020B0604030504040204" pitchFamily="50" charset="-128"/>
+                        <a:ea typeface="Meiryo UI" panose="020B0604030504040204" pitchFamily="50" charset="-128"/>
+                      </a:endParaRPr>
                     </a:p>
                   </a:txBody>
                   <a:tcPr/>
@@ -15810,7 +17917,10 @@
             </a:lvl9pPr>
           </a:lstStyle>
           <a:p>
-            <a:endParaRPr lang="ja-JP" altLang="en-US" sz="2025" dirty="0"/>
+            <a:endParaRPr lang="ja-JP" altLang="en-US" sz="2025" dirty="0">
+              <a:latin typeface="Meiryo UI" panose="020B0604030504040204" pitchFamily="50" charset="-128"/>
+              <a:ea typeface="Meiryo UI" panose="020B0604030504040204" pitchFamily="50" charset="-128"/>
+            </a:endParaRPr>
           </a:p>
         </p:txBody>
       </p:sp>
@@ -15821,7 +17931,7 @@
           <p:nvPr>
             <p:extLst>
               <p:ext uri="{D42A27DB-BD31-4B8C-83A1-F6EECF244321}">
-                <p14:modId xmlns:p14="http://schemas.microsoft.com/office/powerpoint/2010/main" val="2785385955"/>
+                <p14:modId xmlns:p14="http://schemas.microsoft.com/office/powerpoint/2010/main" val="2591868167"/>
               </p:ext>
             </p:extLst>
           </p:nvPr>
@@ -16004,15 +18114,24 @@
           <a:p>
             <a:pPr algn="ctr"/>
             <a:r>
-              <a:rPr lang="ja-JP" altLang="en-US" sz="2000" b="1" dirty="0"/>
+              <a:rPr lang="ja-JP" altLang="en-US" sz="2000" b="1" dirty="0">
+                <a:latin typeface="Meiryo UI" panose="020B0604030504040204" pitchFamily="50" charset="-128"/>
+                <a:ea typeface="Meiryo UI" panose="020B0604030504040204" pitchFamily="50" charset="-128"/>
+              </a:rPr>
               <a:t>タイタニック号に乗っていた人の属性から、生存 </a:t>
             </a:r>
             <a:r>
-              <a:rPr lang="en-US" altLang="ja-JP" sz="2000" b="1" dirty="0"/>
+              <a:rPr lang="en-US" altLang="ja-JP" sz="2000" b="1" dirty="0">
+                <a:latin typeface="Meiryo UI" panose="020B0604030504040204" pitchFamily="50" charset="-128"/>
+                <a:ea typeface="Meiryo UI" panose="020B0604030504040204" pitchFamily="50" charset="-128"/>
+              </a:rPr>
               <a:t>or </a:t>
             </a:r>
             <a:r>
-              <a:rPr lang="ja-JP" altLang="en-US" sz="2000" b="1" dirty="0"/>
+              <a:rPr lang="ja-JP" altLang="en-US" sz="2000" b="1" dirty="0">
+                <a:latin typeface="Meiryo UI" panose="020B0604030504040204" pitchFamily="50" charset="-128"/>
+                <a:ea typeface="Meiryo UI" panose="020B0604030504040204" pitchFamily="50" charset="-128"/>
+              </a:rPr>
               <a:t>死亡をあてよう！</a:t>
             </a:r>
           </a:p>
@@ -16173,11 +18292,7 @@
           <a:p>
             <a:r>
               <a:rPr kumimoji="1" lang="ja-JP" altLang="en-US" dirty="0" smtClean="0"/>
-              <a:t>データ</a:t>
-            </a:r>
-            <a:r>
-              <a:rPr kumimoji="1" lang="ja-JP" altLang="en-US" dirty="0" smtClean="0"/>
-              <a:t>の確認</a:t>
+              <a:t>データの確認</a:t>
             </a:r>
             <a:endParaRPr kumimoji="1" lang="ja-JP" altLang="en-US" dirty="0"/>
           </a:p>
@@ -16193,6 +18308,13 @@
   <p:clrMapOvr>
     <a:masterClrMapping/>
   </p:clrMapOvr>
+  <p:timing>
+    <p:tnLst>
+      <p:par>
+        <p:cTn id="1" dur="indefinite" restart="never" nodeType="tmRoot"/>
+      </p:par>
+    </p:tnLst>
+  </p:timing>
 </p:sld>
 </file>
 
@@ -16282,10 +18404,16 @@
                     <a:lstStyle/>
                     <a:p>
                       <a:r>
-                        <a:rPr kumimoji="1" lang="ja-JP" altLang="en-US" sz="2000" dirty="0" smtClean="0"/>
+                        <a:rPr kumimoji="1" lang="ja-JP" altLang="en-US" sz="2000" dirty="0" smtClean="0">
+                          <a:latin typeface="Meiryo UI" panose="020B0604030504040204" pitchFamily="50" charset="-128"/>
+                          <a:ea typeface="Meiryo UI" panose="020B0604030504040204" pitchFamily="50" charset="-128"/>
+                        </a:rPr>
                         <a:t>列名</a:t>
                       </a:r>
-                      <a:endParaRPr kumimoji="1" lang="ja-JP" altLang="en-US" sz="2000" dirty="0"/>
+                      <a:endParaRPr kumimoji="1" lang="ja-JP" altLang="en-US" sz="2000" dirty="0">
+                        <a:latin typeface="Meiryo UI" panose="020B0604030504040204" pitchFamily="50" charset="-128"/>
+                        <a:ea typeface="Meiryo UI" panose="020B0604030504040204" pitchFamily="50" charset="-128"/>
+                      </a:endParaRPr>
                     </a:p>
                   </a:txBody>
                   <a:tcPr marL="68580" marR="68580" marT="34290" marB="34290"/>
@@ -16296,10 +18424,16 @@
                     <a:lstStyle/>
                     <a:p>
                       <a:r>
-                        <a:rPr kumimoji="1" lang="ja-JP" altLang="en-US" sz="2000" dirty="0" smtClean="0"/>
+                        <a:rPr kumimoji="1" lang="ja-JP" altLang="en-US" sz="2000" dirty="0" smtClean="0">
+                          <a:latin typeface="Meiryo UI" panose="020B0604030504040204" pitchFamily="50" charset="-128"/>
+                          <a:ea typeface="Meiryo UI" panose="020B0604030504040204" pitchFamily="50" charset="-128"/>
+                        </a:rPr>
                         <a:t>どのようなデータか</a:t>
                       </a:r>
-                      <a:endParaRPr kumimoji="1" lang="ja-JP" altLang="en-US" sz="2000" dirty="0"/>
+                      <a:endParaRPr kumimoji="1" lang="ja-JP" altLang="en-US" sz="2000" dirty="0">
+                        <a:latin typeface="Meiryo UI" panose="020B0604030504040204" pitchFamily="50" charset="-128"/>
+                        <a:ea typeface="Meiryo UI" panose="020B0604030504040204" pitchFamily="50" charset="-128"/>
+                      </a:endParaRPr>
                     </a:p>
                   </a:txBody>
                   <a:tcPr marL="68580" marR="68580" marT="34290" marB="34290"/>
@@ -16323,8 +18457,8 @@
                             <a:schemeClr val="dk1"/>
                           </a:solidFill>
                           <a:effectLst/>
-                          <a:latin typeface="+mn-lt"/>
-                          <a:ea typeface="+mn-ea"/>
+                          <a:latin typeface="Meiryo UI" panose="020B0604030504040204" pitchFamily="50" charset="-128"/>
+                          <a:ea typeface="Meiryo UI" panose="020B0604030504040204" pitchFamily="50" charset="-128"/>
                           <a:cs typeface="+mn-cs"/>
                         </a:rPr>
                         <a:t>PassengerId</a:t>
@@ -16335,13 +18469,16 @@
                             <a:schemeClr val="dk1"/>
                           </a:solidFill>
                           <a:effectLst/>
-                          <a:latin typeface="+mn-lt"/>
-                          <a:ea typeface="+mn-ea"/>
+                          <a:latin typeface="Meiryo UI" panose="020B0604030504040204" pitchFamily="50" charset="-128"/>
+                          <a:ea typeface="Meiryo UI" panose="020B0604030504040204" pitchFamily="50" charset="-128"/>
                           <a:cs typeface="+mn-cs"/>
                         </a:rPr>
                         <a:t> </a:t>
                       </a:r>
-                      <a:endParaRPr kumimoji="1" lang="ja-JP" altLang="en-US" sz="1800" dirty="0"/>
+                      <a:endParaRPr kumimoji="1" lang="ja-JP" altLang="en-US" sz="1800" dirty="0">
+                        <a:latin typeface="Meiryo UI" panose="020B0604030504040204" pitchFamily="50" charset="-128"/>
+                        <a:ea typeface="Meiryo UI" panose="020B0604030504040204" pitchFamily="50" charset="-128"/>
+                      </a:endParaRPr>
                     </a:p>
                   </a:txBody>
                   <a:tcPr marL="68580" marR="68580" marT="34290" marB="34290"/>
@@ -16374,8 +18511,8 @@
                             <a:schemeClr val="dk1"/>
                           </a:solidFill>
                           <a:effectLst/>
-                          <a:latin typeface="+mn-lt"/>
-                          <a:ea typeface="+mn-ea"/>
+                          <a:latin typeface="Meiryo UI" panose="020B0604030504040204" pitchFamily="50" charset="-128"/>
+                          <a:ea typeface="Meiryo UI" panose="020B0604030504040204" pitchFamily="50" charset="-128"/>
                           <a:cs typeface="+mn-cs"/>
                         </a:rPr>
                         <a:t>乗客識別ユニーク</a:t>
@@ -16386,8 +18523,8 @@
                             <a:schemeClr val="dk1"/>
                           </a:solidFill>
                           <a:effectLst/>
-                          <a:latin typeface="+mn-lt"/>
-                          <a:ea typeface="+mn-ea"/>
+                          <a:latin typeface="Meiryo UI" panose="020B0604030504040204" pitchFamily="50" charset="-128"/>
+                          <a:ea typeface="Meiryo UI" panose="020B0604030504040204" pitchFamily="50" charset="-128"/>
                           <a:cs typeface="+mn-cs"/>
                         </a:rPr>
                         <a:t>ID</a:t>
@@ -16409,13 +18546,13 @@
                     <a:lstStyle/>
                     <a:p>
                       <a:r>
-                        <a:rPr kumimoji="1" lang="en-US" altLang="ja-JP" sz="1800" b="0" i="0" kern="1200" smtClean="0">
+                        <a:rPr kumimoji="1" lang="en-US" altLang="ja-JP" sz="1800" b="0" i="0" kern="1200" dirty="0" smtClean="0">
                           <a:solidFill>
                             <a:srgbClr val="FF0000"/>
                           </a:solidFill>
                           <a:effectLst/>
-                          <a:latin typeface="+mn-lt"/>
-                          <a:ea typeface="+mn-ea"/>
+                          <a:latin typeface="Meiryo UI" panose="020B0604030504040204" pitchFamily="50" charset="-128"/>
+                          <a:ea typeface="Meiryo UI" panose="020B0604030504040204" pitchFamily="50" charset="-128"/>
                           <a:cs typeface="+mn-cs"/>
                         </a:rPr>
                         <a:t>Survived </a:t>
@@ -16424,6 +18561,8 @@
                         <a:solidFill>
                           <a:srgbClr val="FF0000"/>
                         </a:solidFill>
+                        <a:latin typeface="Meiryo UI" panose="020B0604030504040204" pitchFamily="50" charset="-128"/>
+                        <a:ea typeface="Meiryo UI" panose="020B0604030504040204" pitchFamily="50" charset="-128"/>
                       </a:endParaRPr>
                     </a:p>
                   </a:txBody>
@@ -16439,22 +18578,18 @@
                           <a:solidFill>
                             <a:srgbClr val="FF0000"/>
                           </a:solidFill>
+                          <a:latin typeface="Meiryo UI" panose="020B0604030504040204" pitchFamily="50" charset="-128"/>
+                          <a:ea typeface="Meiryo UI" panose="020B0604030504040204" pitchFamily="50" charset="-128"/>
                         </a:rPr>
-                        <a:t>生存</a:t>
-                      </a:r>
-                      <a:r>
-                        <a:rPr kumimoji="1" lang="ja-JP" altLang="en-US" sz="1800" dirty="0" smtClean="0">
-                          <a:solidFill>
-                            <a:srgbClr val="FF0000"/>
-                          </a:solidFill>
-                        </a:rPr>
-                        <a:t>フラグ（</a:t>
+                        <a:t>生存フラグ（</a:t>
                       </a:r>
                       <a:r>
                         <a:rPr kumimoji="1" lang="en-US" altLang="ja-JP" sz="1800" dirty="0" smtClean="0">
                           <a:solidFill>
                             <a:srgbClr val="FF0000"/>
                           </a:solidFill>
+                          <a:latin typeface="Meiryo UI" panose="020B0604030504040204" pitchFamily="50" charset="-128"/>
+                          <a:ea typeface="Meiryo UI" panose="020B0604030504040204" pitchFamily="50" charset="-128"/>
                         </a:rPr>
                         <a:t>0=</a:t>
                       </a:r>
@@ -16463,6 +18598,8 @@
                           <a:solidFill>
                             <a:srgbClr val="FF0000"/>
                           </a:solidFill>
+                          <a:latin typeface="Meiryo UI" panose="020B0604030504040204" pitchFamily="50" charset="-128"/>
+                          <a:ea typeface="Meiryo UI" panose="020B0604030504040204" pitchFamily="50" charset="-128"/>
                         </a:rPr>
                         <a:t>死亡、</a:t>
                       </a:r>
@@ -16471,6 +18608,8 @@
                           <a:solidFill>
                             <a:srgbClr val="FF0000"/>
                           </a:solidFill>
+                          <a:latin typeface="Meiryo UI" panose="020B0604030504040204" pitchFamily="50" charset="-128"/>
+                          <a:ea typeface="Meiryo UI" panose="020B0604030504040204" pitchFamily="50" charset="-128"/>
                         </a:rPr>
                         <a:t>1=</a:t>
                       </a:r>
@@ -16479,6 +18618,8 @@
                           <a:solidFill>
                             <a:srgbClr val="FF0000"/>
                           </a:solidFill>
+                          <a:latin typeface="Meiryo UI" panose="020B0604030504040204" pitchFamily="50" charset="-128"/>
+                          <a:ea typeface="Meiryo UI" panose="020B0604030504040204" pitchFamily="50" charset="-128"/>
                         </a:rPr>
                         <a:t>生存）</a:t>
                       </a:r>
@@ -16486,6 +18627,8 @@
                         <a:solidFill>
                           <a:srgbClr val="FF0000"/>
                         </a:solidFill>
+                        <a:latin typeface="Meiryo UI" panose="020B0604030504040204" pitchFamily="50" charset="-128"/>
+                        <a:ea typeface="Meiryo UI" panose="020B0604030504040204" pitchFamily="50" charset="-128"/>
                       </a:endParaRPr>
                     </a:p>
                   </a:txBody>
@@ -16504,18 +18647,33 @@
                     <a:lstStyle/>
                     <a:p>
                       <a:r>
-                        <a:rPr kumimoji="1" lang="en-US" altLang="ja-JP" sz="1800" b="0" i="0" kern="1200" smtClean="0">
+                        <a:rPr kumimoji="1" lang="en-US" altLang="ja-JP" sz="1800" b="0" i="0" kern="1200" dirty="0" err="1" smtClean="0">
                           <a:solidFill>
                             <a:schemeClr val="dk1"/>
                           </a:solidFill>
                           <a:effectLst/>
-                          <a:latin typeface="+mn-lt"/>
-                          <a:ea typeface="+mn-ea"/>
+                          <a:latin typeface="Meiryo UI" panose="020B0604030504040204" pitchFamily="50" charset="-128"/>
+                          <a:ea typeface="Meiryo UI" panose="020B0604030504040204" pitchFamily="50" charset="-128"/>
                           <a:cs typeface="+mn-cs"/>
                         </a:rPr>
-                        <a:t>Pclass </a:t>
+                        <a:t>Pclass</a:t>
                       </a:r>
-                      <a:endParaRPr kumimoji="1" lang="ja-JP" altLang="en-US" sz="1800" dirty="0"/>
+                      <a:r>
+                        <a:rPr kumimoji="1" lang="en-US" altLang="ja-JP" sz="1800" b="0" i="0" kern="1200" dirty="0" smtClean="0">
+                          <a:solidFill>
+                            <a:schemeClr val="dk1"/>
+                          </a:solidFill>
+                          <a:effectLst/>
+                          <a:latin typeface="Meiryo UI" panose="020B0604030504040204" pitchFamily="50" charset="-128"/>
+                          <a:ea typeface="Meiryo UI" panose="020B0604030504040204" pitchFamily="50" charset="-128"/>
+                          <a:cs typeface="+mn-cs"/>
+                        </a:rPr>
+                        <a:t> </a:t>
+                      </a:r>
+                      <a:endParaRPr kumimoji="1" lang="ja-JP" altLang="en-US" sz="1800" dirty="0">
+                        <a:latin typeface="Meiryo UI" panose="020B0604030504040204" pitchFamily="50" charset="-128"/>
+                        <a:ea typeface="Meiryo UI" panose="020B0604030504040204" pitchFamily="50" charset="-128"/>
+                      </a:endParaRPr>
                     </a:p>
                   </a:txBody>
                   <a:tcPr marL="68580" marR="68580" marT="34290" marB="34290"/>
@@ -16531,8 +18689,8 @@
                             <a:schemeClr val="dk1"/>
                           </a:solidFill>
                           <a:effectLst/>
-                          <a:latin typeface="+mn-lt"/>
-                          <a:ea typeface="+mn-ea"/>
+                          <a:latin typeface="Meiryo UI" panose="020B0604030504040204" pitchFamily="50" charset="-128"/>
+                          <a:ea typeface="Meiryo UI" panose="020B0604030504040204" pitchFamily="50" charset="-128"/>
                           <a:cs typeface="+mn-cs"/>
                         </a:rPr>
                         <a:t>チケットのランク（</a:t>
@@ -16543,8 +18701,8 @@
                             <a:schemeClr val="dk1"/>
                           </a:solidFill>
                           <a:effectLst/>
-                          <a:latin typeface="+mn-lt"/>
-                          <a:ea typeface="+mn-ea"/>
+                          <a:latin typeface="Meiryo UI" panose="020B0604030504040204" pitchFamily="50" charset="-128"/>
+                          <a:ea typeface="Meiryo UI" panose="020B0604030504040204" pitchFamily="50" charset="-128"/>
                           <a:cs typeface="+mn-cs"/>
                         </a:rPr>
                         <a:t>1</a:t>
@@ -16555,13 +18713,16 @@
                             <a:schemeClr val="dk1"/>
                           </a:solidFill>
                           <a:effectLst/>
-                          <a:latin typeface="+mn-lt"/>
-                          <a:ea typeface="+mn-ea"/>
+                          <a:latin typeface="Meiryo UI" panose="020B0604030504040204" pitchFamily="50" charset="-128"/>
+                          <a:ea typeface="Meiryo UI" panose="020B0604030504040204" pitchFamily="50" charset="-128"/>
                           <a:cs typeface="+mn-cs"/>
                         </a:rPr>
                         <a:t>が高い）</a:t>
                       </a:r>
-                      <a:endParaRPr kumimoji="1" lang="ja-JP" altLang="en-US" sz="1800" dirty="0"/>
+                      <a:endParaRPr kumimoji="1" lang="ja-JP" altLang="en-US" sz="1800" dirty="0">
+                        <a:latin typeface="Meiryo UI" panose="020B0604030504040204" pitchFamily="50" charset="-128"/>
+                        <a:ea typeface="Meiryo UI" panose="020B0604030504040204" pitchFamily="50" charset="-128"/>
+                      </a:endParaRPr>
                     </a:p>
                   </a:txBody>
                   <a:tcPr marL="68580" marR="68580" marT="34290" marB="34290"/>
@@ -16584,13 +18745,16 @@
                             <a:schemeClr val="dk1"/>
                           </a:solidFill>
                           <a:effectLst/>
-                          <a:latin typeface="+mn-lt"/>
-                          <a:ea typeface="+mn-ea"/>
+                          <a:latin typeface="Meiryo UI" panose="020B0604030504040204" pitchFamily="50" charset="-128"/>
+                          <a:ea typeface="Meiryo UI" panose="020B0604030504040204" pitchFamily="50" charset="-128"/>
                           <a:cs typeface="+mn-cs"/>
                         </a:rPr>
                         <a:t>Sex</a:t>
                       </a:r>
-                      <a:endParaRPr kumimoji="1" lang="ja-JP" altLang="en-US" sz="1800" dirty="0"/>
+                      <a:endParaRPr kumimoji="1" lang="ja-JP" altLang="en-US" sz="1800" dirty="0">
+                        <a:latin typeface="Meiryo UI" panose="020B0604030504040204" pitchFamily="50" charset="-128"/>
+                        <a:ea typeface="Meiryo UI" panose="020B0604030504040204" pitchFamily="50" charset="-128"/>
+                      </a:endParaRPr>
                     </a:p>
                   </a:txBody>
                   <a:tcPr marL="68580" marR="68580" marT="34290" marB="34290"/>
@@ -16601,26 +18765,44 @@
                     <a:lstStyle/>
                     <a:p>
                       <a:r>
-                        <a:rPr kumimoji="1" lang="ja-JP" altLang="en-US" sz="1800" dirty="0" smtClean="0"/>
+                        <a:rPr kumimoji="1" lang="ja-JP" altLang="en-US" sz="1800" dirty="0" smtClean="0">
+                          <a:latin typeface="Meiryo UI" panose="020B0604030504040204" pitchFamily="50" charset="-128"/>
+                          <a:ea typeface="Meiryo UI" panose="020B0604030504040204" pitchFamily="50" charset="-128"/>
+                        </a:rPr>
                         <a:t>性別（</a:t>
                       </a:r>
                       <a:r>
-                        <a:rPr kumimoji="1" lang="en-US" altLang="ja-JP" sz="1800" dirty="0" smtClean="0"/>
+                        <a:rPr kumimoji="1" lang="en-US" altLang="ja-JP" sz="1800" dirty="0" smtClean="0">
+                          <a:latin typeface="Meiryo UI" panose="020B0604030504040204" pitchFamily="50" charset="-128"/>
+                          <a:ea typeface="Meiryo UI" panose="020B0604030504040204" pitchFamily="50" charset="-128"/>
+                        </a:rPr>
                         <a:t>0=</a:t>
                       </a:r>
                       <a:r>
-                        <a:rPr kumimoji="1" lang="ja-JP" altLang="en-US" sz="1800" dirty="0" smtClean="0"/>
+                        <a:rPr kumimoji="1" lang="ja-JP" altLang="en-US" sz="1800" dirty="0" smtClean="0">
+                          <a:latin typeface="Meiryo UI" panose="020B0604030504040204" pitchFamily="50" charset="-128"/>
+                          <a:ea typeface="Meiryo UI" panose="020B0604030504040204" pitchFamily="50" charset="-128"/>
+                        </a:rPr>
                         <a:t>男性、</a:t>
                       </a:r>
                       <a:r>
-                        <a:rPr kumimoji="1" lang="en-US" altLang="ja-JP" sz="1800" dirty="0" smtClean="0"/>
+                        <a:rPr kumimoji="1" lang="en-US" altLang="ja-JP" sz="1800" dirty="0" smtClean="0">
+                          <a:latin typeface="Meiryo UI" panose="020B0604030504040204" pitchFamily="50" charset="-128"/>
+                          <a:ea typeface="Meiryo UI" panose="020B0604030504040204" pitchFamily="50" charset="-128"/>
+                        </a:rPr>
                         <a:t>1=</a:t>
                       </a:r>
                       <a:r>
-                        <a:rPr kumimoji="1" lang="ja-JP" altLang="en-US" sz="1800" dirty="0" smtClean="0"/>
+                        <a:rPr kumimoji="1" lang="ja-JP" altLang="en-US" sz="1800" dirty="0" smtClean="0">
+                          <a:latin typeface="Meiryo UI" panose="020B0604030504040204" pitchFamily="50" charset="-128"/>
+                          <a:ea typeface="Meiryo UI" panose="020B0604030504040204" pitchFamily="50" charset="-128"/>
+                        </a:rPr>
                         <a:t>女性）</a:t>
                       </a:r>
-                      <a:endParaRPr kumimoji="1" lang="ja-JP" altLang="en-US" sz="1800" dirty="0"/>
+                      <a:endParaRPr kumimoji="1" lang="ja-JP" altLang="en-US" sz="1800" dirty="0">
+                        <a:latin typeface="Meiryo UI" panose="020B0604030504040204" pitchFamily="50" charset="-128"/>
+                        <a:ea typeface="Meiryo UI" panose="020B0604030504040204" pitchFamily="50" charset="-128"/>
+                      </a:endParaRPr>
                     </a:p>
                   </a:txBody>
                   <a:tcPr marL="68580" marR="68580" marT="34290" marB="34290"/>
@@ -16638,10 +18820,16 @@
                     <a:lstStyle/>
                     <a:p>
                       <a:r>
-                        <a:rPr kumimoji="1" lang="en-US" altLang="ja-JP" sz="1800" dirty="0" smtClean="0"/>
+                        <a:rPr kumimoji="1" lang="en-US" altLang="ja-JP" sz="1800" dirty="0" smtClean="0">
+                          <a:latin typeface="Meiryo UI" panose="020B0604030504040204" pitchFamily="50" charset="-128"/>
+                          <a:ea typeface="Meiryo UI" panose="020B0604030504040204" pitchFamily="50" charset="-128"/>
+                        </a:rPr>
                         <a:t>Age</a:t>
                       </a:r>
-                      <a:endParaRPr kumimoji="1" lang="ja-JP" altLang="en-US" sz="1800" dirty="0"/>
+                      <a:endParaRPr kumimoji="1" lang="ja-JP" altLang="en-US" sz="1800" dirty="0">
+                        <a:latin typeface="Meiryo UI" panose="020B0604030504040204" pitchFamily="50" charset="-128"/>
+                        <a:ea typeface="Meiryo UI" panose="020B0604030504040204" pitchFamily="50" charset="-128"/>
+                      </a:endParaRPr>
                     </a:p>
                   </a:txBody>
                   <a:tcPr marL="68580" marR="68580" marT="34290" marB="34290"/>
@@ -16652,10 +18840,16 @@
                     <a:lstStyle/>
                     <a:p>
                       <a:r>
-                        <a:rPr kumimoji="1" lang="ja-JP" altLang="en-US" sz="1800" dirty="0" smtClean="0"/>
+                        <a:rPr kumimoji="1" lang="ja-JP" altLang="en-US" sz="1800" dirty="0" smtClean="0">
+                          <a:latin typeface="Meiryo UI" panose="020B0604030504040204" pitchFamily="50" charset="-128"/>
+                          <a:ea typeface="Meiryo UI" panose="020B0604030504040204" pitchFamily="50" charset="-128"/>
+                        </a:rPr>
                         <a:t>年齢</a:t>
                       </a:r>
-                      <a:endParaRPr kumimoji="1" lang="ja-JP" altLang="en-US" sz="1800" dirty="0"/>
+                      <a:endParaRPr kumimoji="1" lang="ja-JP" altLang="en-US" sz="1800" dirty="0">
+                        <a:latin typeface="Meiryo UI" panose="020B0604030504040204" pitchFamily="50" charset="-128"/>
+                        <a:ea typeface="Meiryo UI" panose="020B0604030504040204" pitchFamily="50" charset="-128"/>
+                      </a:endParaRPr>
                     </a:p>
                   </a:txBody>
                   <a:tcPr marL="68580" marR="68580" marT="34290" marB="34290"/>
@@ -16673,10 +18867,16 @@
                     <a:lstStyle/>
                     <a:p>
                       <a:r>
-                        <a:rPr kumimoji="1" lang="en-US" altLang="ja-JP" sz="1800" dirty="0" err="1" smtClean="0"/>
+                        <a:rPr kumimoji="1" lang="en-US" altLang="ja-JP" sz="1800" dirty="0" err="1" smtClean="0">
+                          <a:latin typeface="Meiryo UI" panose="020B0604030504040204" pitchFamily="50" charset="-128"/>
+                          <a:ea typeface="Meiryo UI" panose="020B0604030504040204" pitchFamily="50" charset="-128"/>
+                        </a:rPr>
                         <a:t>SibSp</a:t>
                       </a:r>
-                      <a:endParaRPr kumimoji="1" lang="ja-JP" altLang="en-US" sz="1800" dirty="0"/>
+                      <a:endParaRPr kumimoji="1" lang="ja-JP" altLang="en-US" sz="1800" dirty="0">
+                        <a:latin typeface="Meiryo UI" panose="020B0604030504040204" pitchFamily="50" charset="-128"/>
+                        <a:ea typeface="Meiryo UI" panose="020B0604030504040204" pitchFamily="50" charset="-128"/>
+                      </a:endParaRPr>
                     </a:p>
                   </a:txBody>
                   <a:tcPr marL="68580" marR="68580" marT="34290" marB="34290"/>
@@ -16692,8 +18892,8 @@
                             <a:schemeClr val="dk1"/>
                           </a:solidFill>
                           <a:effectLst/>
-                          <a:latin typeface="+mn-lt"/>
-                          <a:ea typeface="+mn-ea"/>
+                          <a:latin typeface="Meiryo UI" panose="020B0604030504040204" pitchFamily="50" charset="-128"/>
+                          <a:ea typeface="Meiryo UI" panose="020B0604030504040204" pitchFamily="50" charset="-128"/>
                           <a:cs typeface="+mn-cs"/>
                         </a:rPr>
                         <a:t>タイタニックに同乗している兄弟</a:t>
@@ -16704,8 +18904,8 @@
                             <a:schemeClr val="dk1"/>
                           </a:solidFill>
                           <a:effectLst/>
-                          <a:latin typeface="+mn-lt"/>
-                          <a:ea typeface="+mn-ea"/>
+                          <a:latin typeface="Meiryo UI" panose="020B0604030504040204" pitchFamily="50" charset="-128"/>
+                          <a:ea typeface="Meiryo UI" panose="020B0604030504040204" pitchFamily="50" charset="-128"/>
                           <a:cs typeface="+mn-cs"/>
                         </a:rPr>
                         <a:t>/</a:t>
@@ -16716,13 +18916,16 @@
                             <a:schemeClr val="dk1"/>
                           </a:solidFill>
                           <a:effectLst/>
-                          <a:latin typeface="+mn-lt"/>
-                          <a:ea typeface="+mn-ea"/>
+                          <a:latin typeface="Meiryo UI" panose="020B0604030504040204" pitchFamily="50" charset="-128"/>
+                          <a:ea typeface="Meiryo UI" panose="020B0604030504040204" pitchFamily="50" charset="-128"/>
                           <a:cs typeface="+mn-cs"/>
                         </a:rPr>
                         <a:t>配偶者の数</a:t>
                       </a:r>
-                      <a:endParaRPr kumimoji="1" lang="ja-JP" altLang="en-US" sz="1800" dirty="0"/>
+                      <a:endParaRPr kumimoji="1" lang="ja-JP" altLang="en-US" sz="1800" dirty="0">
+                        <a:latin typeface="Meiryo UI" panose="020B0604030504040204" pitchFamily="50" charset="-128"/>
+                        <a:ea typeface="Meiryo UI" panose="020B0604030504040204" pitchFamily="50" charset="-128"/>
+                      </a:endParaRPr>
                     </a:p>
                   </a:txBody>
                   <a:tcPr marL="68580" marR="68580" marT="34290" marB="34290"/>
@@ -16740,18 +18943,21 @@
                     <a:lstStyle/>
                     <a:p>
                       <a:r>
-                        <a:rPr kumimoji="1" lang="en-US" altLang="ja-JP" sz="1800" b="0" i="0" kern="1200" smtClean="0">
+                        <a:rPr kumimoji="1" lang="en-US" altLang="ja-JP" sz="1800" b="0" i="0" kern="1200" dirty="0" smtClean="0">
                           <a:solidFill>
                             <a:schemeClr val="dk1"/>
                           </a:solidFill>
                           <a:effectLst/>
-                          <a:latin typeface="+mn-lt"/>
-                          <a:ea typeface="+mn-ea"/>
+                          <a:latin typeface="Meiryo UI" panose="020B0604030504040204" pitchFamily="50" charset="-128"/>
+                          <a:ea typeface="Meiryo UI" panose="020B0604030504040204" pitchFamily="50" charset="-128"/>
                           <a:cs typeface="+mn-cs"/>
                         </a:rPr>
                         <a:t>parch </a:t>
                       </a:r>
-                      <a:endParaRPr kumimoji="1" lang="ja-JP" altLang="en-US" sz="1800" dirty="0"/>
+                      <a:endParaRPr kumimoji="1" lang="ja-JP" altLang="en-US" sz="1800" dirty="0">
+                        <a:latin typeface="Meiryo UI" panose="020B0604030504040204" pitchFamily="50" charset="-128"/>
+                        <a:ea typeface="Meiryo UI" panose="020B0604030504040204" pitchFamily="50" charset="-128"/>
+                      </a:endParaRPr>
                     </a:p>
                   </a:txBody>
                   <a:tcPr marL="68580" marR="68580" marT="34290" marB="34290"/>
@@ -16767,8 +18973,8 @@
                             <a:schemeClr val="dk1"/>
                           </a:solidFill>
                           <a:effectLst/>
-                          <a:latin typeface="+mn-lt"/>
-                          <a:ea typeface="+mn-ea"/>
+                          <a:latin typeface="Meiryo UI" panose="020B0604030504040204" pitchFamily="50" charset="-128"/>
+                          <a:ea typeface="Meiryo UI" panose="020B0604030504040204" pitchFamily="50" charset="-128"/>
                           <a:cs typeface="+mn-cs"/>
                         </a:rPr>
                         <a:t>タイタニックに同乗している親</a:t>
@@ -16779,8 +18985,8 @@
                             <a:schemeClr val="dk1"/>
                           </a:solidFill>
                           <a:effectLst/>
-                          <a:latin typeface="+mn-lt"/>
-                          <a:ea typeface="+mn-ea"/>
+                          <a:latin typeface="Meiryo UI" panose="020B0604030504040204" pitchFamily="50" charset="-128"/>
+                          <a:ea typeface="Meiryo UI" panose="020B0604030504040204" pitchFamily="50" charset="-128"/>
                           <a:cs typeface="+mn-cs"/>
                         </a:rPr>
                         <a:t>/</a:t>
@@ -16791,13 +18997,16 @@
                             <a:schemeClr val="dk1"/>
                           </a:solidFill>
                           <a:effectLst/>
-                          <a:latin typeface="+mn-lt"/>
-                          <a:ea typeface="+mn-ea"/>
+                          <a:latin typeface="Meiryo UI" panose="020B0604030504040204" pitchFamily="50" charset="-128"/>
+                          <a:ea typeface="Meiryo UI" panose="020B0604030504040204" pitchFamily="50" charset="-128"/>
                           <a:cs typeface="+mn-cs"/>
                         </a:rPr>
                         <a:t>子供の数</a:t>
                       </a:r>
-                      <a:endParaRPr kumimoji="1" lang="ja-JP" altLang="en-US" sz="1800" dirty="0"/>
+                      <a:endParaRPr kumimoji="1" lang="ja-JP" altLang="en-US" sz="1800" dirty="0">
+                        <a:latin typeface="Meiryo UI" panose="020B0604030504040204" pitchFamily="50" charset="-128"/>
+                        <a:ea typeface="Meiryo UI" panose="020B0604030504040204" pitchFamily="50" charset="-128"/>
+                      </a:endParaRPr>
                     </a:p>
                   </a:txBody>
                   <a:tcPr marL="68580" marR="68580" marT="34290" marB="34290"/>
@@ -16815,10 +19024,16 @@
                     <a:lstStyle/>
                     <a:p>
                       <a:r>
-                        <a:rPr kumimoji="1" lang="en-US" altLang="ja-JP" sz="1800" dirty="0" smtClean="0"/>
+                        <a:rPr kumimoji="1" lang="en-US" altLang="ja-JP" sz="1800" dirty="0" smtClean="0">
+                          <a:latin typeface="Meiryo UI" panose="020B0604030504040204" pitchFamily="50" charset="-128"/>
+                          <a:ea typeface="Meiryo UI" panose="020B0604030504040204" pitchFamily="50" charset="-128"/>
+                        </a:rPr>
                         <a:t>fare</a:t>
                       </a:r>
-                      <a:endParaRPr kumimoji="1" lang="ja-JP" altLang="en-US" sz="1800" dirty="0"/>
+                      <a:endParaRPr kumimoji="1" lang="ja-JP" altLang="en-US" sz="1800" dirty="0">
+                        <a:latin typeface="Meiryo UI" panose="020B0604030504040204" pitchFamily="50" charset="-128"/>
+                        <a:ea typeface="Meiryo UI" panose="020B0604030504040204" pitchFamily="50" charset="-128"/>
+                      </a:endParaRPr>
                     </a:p>
                   </a:txBody>
                   <a:tcPr marL="68580" marR="68580" marT="34290" marB="34290"/>
@@ -16834,13 +19049,16 @@
                             <a:schemeClr val="dk1"/>
                           </a:solidFill>
                           <a:effectLst/>
-                          <a:latin typeface="+mn-lt"/>
-                          <a:ea typeface="+mn-ea"/>
+                          <a:latin typeface="Meiryo UI" panose="020B0604030504040204" pitchFamily="50" charset="-128"/>
+                          <a:ea typeface="Meiryo UI" panose="020B0604030504040204" pitchFamily="50" charset="-128"/>
                           <a:cs typeface="+mn-cs"/>
                         </a:rPr>
                         <a:t>料金</a:t>
                       </a:r>
-                      <a:endParaRPr kumimoji="1" lang="ja-JP" altLang="en-US" sz="1800" dirty="0"/>
+                      <a:endParaRPr kumimoji="1" lang="ja-JP" altLang="en-US" sz="1800" dirty="0">
+                        <a:latin typeface="Meiryo UI" panose="020B0604030504040204" pitchFamily="50" charset="-128"/>
+                        <a:ea typeface="Meiryo UI" panose="020B0604030504040204" pitchFamily="50" charset="-128"/>
+                      </a:endParaRPr>
                     </a:p>
                   </a:txBody>
                   <a:tcPr marL="68580" marR="68580" marT="34290" marB="34290"/>
@@ -16863,13 +19081,16 @@
                             <a:schemeClr val="dk1"/>
                           </a:solidFill>
                           <a:effectLst/>
-                          <a:latin typeface="+mn-lt"/>
-                          <a:ea typeface="+mn-ea"/>
+                          <a:latin typeface="Meiryo UI" panose="020B0604030504040204" pitchFamily="50" charset="-128"/>
+                          <a:ea typeface="Meiryo UI" panose="020B0604030504040204" pitchFamily="50" charset="-128"/>
                           <a:cs typeface="+mn-cs"/>
                         </a:rPr>
                         <a:t>Embarked</a:t>
                       </a:r>
-                      <a:endParaRPr kumimoji="1" lang="ja-JP" altLang="en-US" sz="1800" dirty="0"/>
+                      <a:endParaRPr kumimoji="1" lang="ja-JP" altLang="en-US" sz="1800" dirty="0">
+                        <a:latin typeface="Meiryo UI" panose="020B0604030504040204" pitchFamily="50" charset="-128"/>
+                        <a:ea typeface="Meiryo UI" panose="020B0604030504040204" pitchFamily="50" charset="-128"/>
+                      </a:endParaRPr>
                     </a:p>
                   </a:txBody>
                   <a:tcPr marL="68580" marR="68580" marT="34290" marB="34290"/>
@@ -16885,23 +19106,11 @@
                             <a:schemeClr val="dk1"/>
                           </a:solidFill>
                           <a:effectLst/>
-                          <a:latin typeface="+mn-lt"/>
-                          <a:ea typeface="+mn-ea"/>
+                          <a:latin typeface="Meiryo UI" panose="020B0604030504040204" pitchFamily="50" charset="-128"/>
+                          <a:ea typeface="Meiryo UI" panose="020B0604030504040204" pitchFamily="50" charset="-128"/>
                           <a:cs typeface="+mn-cs"/>
                         </a:rPr>
-                        <a:t>出港地（タイタニックへ乗った</a:t>
-                      </a:r>
-                      <a:r>
-                        <a:rPr kumimoji="1" lang="ja-JP" altLang="en-US" sz="1800" b="0" i="0" kern="1200" dirty="0" smtClean="0">
-                          <a:solidFill>
-                            <a:schemeClr val="dk1"/>
-                          </a:solidFill>
-                          <a:effectLst/>
-                          <a:latin typeface="+mn-lt"/>
-                          <a:ea typeface="+mn-ea"/>
-                          <a:cs typeface="+mn-cs"/>
-                        </a:rPr>
-                        <a:t>港、</a:t>
+                        <a:t>出港地（タイタニックへ乗った港、</a:t>
                       </a:r>
                       <a:r>
                         <a:rPr kumimoji="1" lang="en-US" altLang="ja-JP" sz="1800" b="0" i="0" kern="1200" dirty="0" smtClean="0">
@@ -16909,8 +19118,8 @@
                             <a:schemeClr val="dk1"/>
                           </a:solidFill>
                           <a:effectLst/>
-                          <a:latin typeface="+mn-lt"/>
-                          <a:ea typeface="+mn-ea"/>
+                          <a:latin typeface="Meiryo UI" panose="020B0604030504040204" pitchFamily="50" charset="-128"/>
+                          <a:ea typeface="Meiryo UI" panose="020B0604030504040204" pitchFamily="50" charset="-128"/>
                           <a:cs typeface="+mn-cs"/>
                         </a:rPr>
                         <a:t>3</a:t>
@@ -16921,13 +19130,16 @@
                             <a:schemeClr val="dk1"/>
                           </a:solidFill>
                           <a:effectLst/>
-                          <a:latin typeface="+mn-lt"/>
-                          <a:ea typeface="+mn-ea"/>
+                          <a:latin typeface="Meiryo UI" panose="020B0604030504040204" pitchFamily="50" charset="-128"/>
+                          <a:ea typeface="Meiryo UI" panose="020B0604030504040204" pitchFamily="50" charset="-128"/>
                           <a:cs typeface="+mn-cs"/>
                         </a:rPr>
                         <a:t>種類を数値で表している）</a:t>
                       </a:r>
-                      <a:endParaRPr kumimoji="1" lang="ja-JP" altLang="en-US" sz="1800" dirty="0"/>
+                      <a:endParaRPr kumimoji="1" lang="ja-JP" altLang="en-US" sz="1800" dirty="0">
+                        <a:latin typeface="Meiryo UI" panose="020B0604030504040204" pitchFamily="50" charset="-128"/>
+                        <a:ea typeface="Meiryo UI" panose="020B0604030504040204" pitchFamily="50" charset="-128"/>
+                      </a:endParaRPr>
                     </a:p>
                   </a:txBody>
                   <a:tcPr marL="68580" marR="68580" marT="34290" marB="34290"/>
@@ -16942,6 +19154,77 @@
           </a:graphicData>
         </a:graphic>
       </p:graphicFrame>
+      <p:sp>
+        <p:nvSpPr>
+          <p:cNvPr id="3" name="テキスト ボックス 2"/>
+          <p:cNvSpPr txBox="1"/>
+          <p:nvPr/>
+        </p:nvSpPr>
+        <p:spPr>
+          <a:xfrm>
+            <a:off x="592183" y="5730241"/>
+            <a:ext cx="7341326" cy="369332"/>
+          </a:xfrm>
+          <a:prstGeom prst="rect">
+            <a:avLst/>
+          </a:prstGeom>
+          <a:noFill/>
+        </p:spPr>
+        <p:txBody>
+          <a:bodyPr wrap="square" rtlCol="0">
+            <a:spAutoFit/>
+          </a:bodyPr>
+          <a:lstStyle/>
+          <a:p>
+            <a:r>
+              <a:rPr kumimoji="1" lang="en-US" altLang="ja-JP" dirty="0" smtClean="0">
+                <a:latin typeface="Meiryo UI" panose="020B0604030504040204" pitchFamily="50" charset="-128"/>
+                <a:ea typeface="Meiryo UI" panose="020B0604030504040204" pitchFamily="50" charset="-128"/>
+              </a:rPr>
+              <a:t>※</a:t>
+            </a:r>
+            <a:r>
+              <a:rPr kumimoji="1" lang="ja-JP" altLang="en-US" dirty="0" smtClean="0">
+                <a:latin typeface="Meiryo UI" panose="020B0604030504040204" pitchFamily="50" charset="-128"/>
+                <a:ea typeface="Meiryo UI" panose="020B0604030504040204" pitchFamily="50" charset="-128"/>
+              </a:rPr>
+              <a:t>学習データ：</a:t>
+            </a:r>
+            <a:r>
+              <a:rPr kumimoji="1" lang="en-US" altLang="ja-JP" dirty="0" smtClean="0">
+                <a:latin typeface="Meiryo UI" panose="020B0604030504040204" pitchFamily="50" charset="-128"/>
+                <a:ea typeface="Meiryo UI" panose="020B0604030504040204" pitchFamily="50" charset="-128"/>
+              </a:rPr>
+              <a:t>791</a:t>
+            </a:r>
+            <a:r>
+              <a:rPr kumimoji="1" lang="ja-JP" altLang="en-US" dirty="0" smtClean="0">
+                <a:latin typeface="Meiryo UI" panose="020B0604030504040204" pitchFamily="50" charset="-128"/>
+                <a:ea typeface="Meiryo UI" panose="020B0604030504040204" pitchFamily="50" charset="-128"/>
+              </a:rPr>
+              <a:t>件、予測対象データ：</a:t>
+            </a:r>
+            <a:r>
+              <a:rPr kumimoji="1" lang="en-US" altLang="ja-JP" dirty="0" smtClean="0">
+                <a:latin typeface="Meiryo UI" panose="020B0604030504040204" pitchFamily="50" charset="-128"/>
+                <a:ea typeface="Meiryo UI" panose="020B0604030504040204" pitchFamily="50" charset="-128"/>
+              </a:rPr>
+              <a:t>100</a:t>
+            </a:r>
+            <a:r>
+              <a:rPr kumimoji="1" lang="ja-JP" altLang="en-US" dirty="0" smtClean="0">
+                <a:latin typeface="Meiryo UI" panose="020B0604030504040204" pitchFamily="50" charset="-128"/>
+                <a:ea typeface="Meiryo UI" panose="020B0604030504040204" pitchFamily="50" charset="-128"/>
+              </a:rPr>
+              <a:t>件を用意しています</a:t>
+            </a:r>
+            <a:endParaRPr kumimoji="1" lang="ja-JP" altLang="en-US" dirty="0">
+              <a:latin typeface="Meiryo UI" panose="020B0604030504040204" pitchFamily="50" charset="-128"/>
+              <a:ea typeface="Meiryo UI" panose="020B0604030504040204" pitchFamily="50" charset="-128"/>
+            </a:endParaRPr>
+          </a:p>
+        </p:txBody>
+      </p:sp>
     </p:spTree>
     <p:extLst>
       <p:ext uri="{BB962C8B-B14F-4D97-AF65-F5344CB8AC3E}">
@@ -17145,10 +19428,23 @@
           <a:p>
             <a:pPr algn="ctr"/>
             <a:r>
-              <a:rPr kumimoji="1" lang="ja-JP" altLang="en-US" dirty="0" smtClean="0"/>
-              <a:t>男性は死亡、女性は生存の数が多い</a:t>
-            </a:r>
-            <a:endParaRPr kumimoji="1" lang="ja-JP" altLang="en-US" dirty="0"/>
+              <a:rPr kumimoji="1" lang="ja-JP" altLang="en-US" dirty="0" smtClean="0">
+                <a:latin typeface="Meiryo UI" panose="020B0604030504040204" pitchFamily="50" charset="-128"/>
+                <a:ea typeface="Meiryo UI" panose="020B0604030504040204" pitchFamily="50" charset="-128"/>
+              </a:rPr>
+              <a:t>男性は死亡、女性は生存の</a:t>
+            </a:r>
+            <a:r>
+              <a:rPr lang="ja-JP" altLang="en-US" dirty="0" smtClean="0">
+                <a:latin typeface="Meiryo UI" panose="020B0604030504040204" pitchFamily="50" charset="-128"/>
+                <a:ea typeface="Meiryo UI" panose="020B0604030504040204" pitchFamily="50" charset="-128"/>
+              </a:rPr>
+              <a:t>比率が高い</a:t>
+            </a:r>
+            <a:endParaRPr kumimoji="1" lang="ja-JP" altLang="en-US" dirty="0">
+              <a:latin typeface="Meiryo UI" panose="020B0604030504040204" pitchFamily="50" charset="-128"/>
+              <a:ea typeface="Meiryo UI" panose="020B0604030504040204" pitchFamily="50" charset="-128"/>
+            </a:endParaRPr>
           </a:p>
         </p:txBody>
       </p:sp>
@@ -17201,22 +19497,37 @@
           <a:p>
             <a:pPr algn="ctr"/>
             <a:r>
-              <a:rPr kumimoji="1" lang="ja-JP" altLang="en-US" dirty="0" smtClean="0"/>
+              <a:rPr kumimoji="1" lang="ja-JP" altLang="en-US" dirty="0" smtClean="0">
+                <a:latin typeface="Meiryo UI" panose="020B0604030504040204" pitchFamily="50" charset="-128"/>
+                <a:ea typeface="Meiryo UI" panose="020B0604030504040204" pitchFamily="50" charset="-128"/>
+              </a:rPr>
               <a:t>死亡は</a:t>
             </a:r>
             <a:r>
-              <a:rPr lang="en-US" altLang="ja-JP" dirty="0" smtClean="0"/>
+              <a:rPr lang="en-US" altLang="ja-JP" dirty="0" smtClean="0">
+                <a:latin typeface="Meiryo UI" panose="020B0604030504040204" pitchFamily="50" charset="-128"/>
+                <a:ea typeface="Meiryo UI" panose="020B0604030504040204" pitchFamily="50" charset="-128"/>
+              </a:rPr>
               <a:t>20~30</a:t>
             </a:r>
             <a:r>
-              <a:rPr lang="ja-JP" altLang="en-US" dirty="0" smtClean="0"/>
+              <a:rPr lang="ja-JP" altLang="en-US" dirty="0" smtClean="0">
+                <a:latin typeface="Meiryo UI" panose="020B0604030504040204" pitchFamily="50" charset="-128"/>
+                <a:ea typeface="Meiryo UI" panose="020B0604030504040204" pitchFamily="50" charset="-128"/>
+              </a:rPr>
               <a:t>代が</a:t>
             </a:r>
             <a:r>
-              <a:rPr kumimoji="1" lang="ja-JP" altLang="en-US" dirty="0" smtClean="0"/>
+              <a:rPr kumimoji="1" lang="ja-JP" altLang="en-US" dirty="0" smtClean="0">
+                <a:latin typeface="Meiryo UI" panose="020B0604030504040204" pitchFamily="50" charset="-128"/>
+                <a:ea typeface="Meiryo UI" panose="020B0604030504040204" pitchFamily="50" charset="-128"/>
+              </a:rPr>
               <a:t>多い</a:t>
             </a:r>
-            <a:endParaRPr kumimoji="1" lang="ja-JP" altLang="en-US" dirty="0"/>
+            <a:endParaRPr kumimoji="1" lang="ja-JP" altLang="en-US" dirty="0">
+              <a:latin typeface="Meiryo UI" panose="020B0604030504040204" pitchFamily="50" charset="-128"/>
+              <a:ea typeface="Meiryo UI" panose="020B0604030504040204" pitchFamily="50" charset="-128"/>
+            </a:endParaRPr>
           </a:p>
         </p:txBody>
       </p:sp>
@@ -17309,6 +19620,13 @@
   <p:clrMapOvr>
     <a:masterClrMapping/>
   </p:clrMapOvr>
+  <p:timing>
+    <p:tnLst>
+      <p:par>
+        <p:cTn id="1" dur="indefinite" restart="never" nodeType="tmRoot"/>
+      </p:par>
+    </p:tnLst>
+  </p:timing>
 </p:sld>
 </file>
 
@@ -17345,31 +19663,1056 @@
           <a:lstStyle/>
           <a:p>
             <a:r>
-              <a:rPr lang="en-US" altLang="ja-JP" dirty="0" smtClean="0"/>
-              <a:t>Python</a:t>
-            </a:r>
-            <a:r>
-              <a:rPr lang="ja-JP" altLang="en-US" dirty="0" err="1" smtClean="0"/>
-              <a:t>での</a:t>
-            </a:r>
-            <a:r>
               <a:rPr lang="ja-JP" altLang="en-US" dirty="0" smtClean="0"/>
-              <a:t>処理の流れ</a:t>
+              <a:t>やってみる前にちょっと言葉の説明</a:t>
             </a:r>
             <a:endParaRPr kumimoji="1" lang="ja-JP" altLang="en-US" dirty="0"/>
           </a:p>
         </p:txBody>
       </p:sp>
+      <p:graphicFrame>
+        <p:nvGraphicFramePr>
+          <p:cNvPr id="19" name="表 18"/>
+          <p:cNvGraphicFramePr>
+            <a:graphicFrameLocks noGrp="1"/>
+          </p:cNvGraphicFramePr>
+          <p:nvPr>
+            <p:extLst>
+              <p:ext uri="{D42A27DB-BD31-4B8C-83A1-F6EECF244321}">
+                <p14:modId xmlns:p14="http://schemas.microsoft.com/office/powerpoint/2010/main" val="1960579590"/>
+              </p:ext>
+            </p:extLst>
+          </p:nvPr>
+        </p:nvGraphicFramePr>
+        <p:xfrm>
+          <a:off x="368074" y="1639615"/>
+          <a:ext cx="8468077" cy="2191954"/>
+        </p:xfrm>
+        <a:graphic>
+          <a:graphicData uri="http://schemas.openxmlformats.org/drawingml/2006/table">
+            <a:tbl>
+              <a:tblPr firstRow="1" bandRow="1">
+                <a:tableStyleId>{5C22544A-7EE6-4342-B048-85BDC9FD1C3A}</a:tableStyleId>
+              </a:tblPr>
+              <a:tblGrid>
+                <a:gridCol w="1480184">
+                  <a:extLst>
+                    <a:ext uri="{9D8B030D-6E8A-4147-A177-3AD203B41FA5}">
+                      <a16:colId xmlns="" xmlns:a16="http://schemas.microsoft.com/office/drawing/2014/main" val="20000"/>
+                    </a:ext>
+                  </a:extLst>
+                </a:gridCol>
+                <a:gridCol w="6987893">
+                  <a:extLst>
+                    <a:ext uri="{9D8B030D-6E8A-4147-A177-3AD203B41FA5}">
+                      <a16:colId xmlns="" xmlns:a16="http://schemas.microsoft.com/office/drawing/2014/main" val="20001"/>
+                    </a:ext>
+                  </a:extLst>
+                </a:gridCol>
+              </a:tblGrid>
+              <a:tr h="397560">
+                <a:tc>
+                  <a:txBody>
+                    <a:bodyPr/>
+                    <a:lstStyle/>
+                    <a:p>
+                      <a:r>
+                        <a:rPr kumimoji="1" lang="ja-JP" altLang="en-US" sz="1600" dirty="0" smtClean="0">
+                          <a:latin typeface="Meiryo UI" panose="020B0604030504040204" pitchFamily="50" charset="-128"/>
+                          <a:ea typeface="Meiryo UI" panose="020B0604030504040204" pitchFamily="50" charset="-128"/>
+                        </a:rPr>
+                        <a:t>言葉</a:t>
+                      </a:r>
+                      <a:endParaRPr kumimoji="1" lang="ja-JP" altLang="en-US" sz="1600" dirty="0">
+                        <a:latin typeface="Meiryo UI" panose="020B0604030504040204" pitchFamily="50" charset="-128"/>
+                        <a:ea typeface="Meiryo UI" panose="020B0604030504040204" pitchFamily="50" charset="-128"/>
+                      </a:endParaRPr>
+                    </a:p>
+                  </a:txBody>
+                  <a:tcPr marL="68580" marR="68580" marT="34290" marB="34290"/>
+                </a:tc>
+                <a:tc>
+                  <a:txBody>
+                    <a:bodyPr/>
+                    <a:lstStyle/>
+                    <a:p>
+                      <a:r>
+                        <a:rPr kumimoji="1" lang="ja-JP" altLang="en-US" sz="1600" dirty="0" smtClean="0">
+                          <a:latin typeface="Meiryo UI" panose="020B0604030504040204" pitchFamily="50" charset="-128"/>
+                          <a:ea typeface="Meiryo UI" panose="020B0604030504040204" pitchFamily="50" charset="-128"/>
+                        </a:rPr>
+                        <a:t>意味</a:t>
+                      </a:r>
+                      <a:endParaRPr kumimoji="1" lang="ja-JP" altLang="en-US" sz="1600" dirty="0">
+                        <a:latin typeface="Meiryo UI" panose="020B0604030504040204" pitchFamily="50" charset="-128"/>
+                        <a:ea typeface="Meiryo UI" panose="020B0604030504040204" pitchFamily="50" charset="-128"/>
+                      </a:endParaRPr>
+                    </a:p>
+                  </a:txBody>
+                  <a:tcPr marL="68580" marR="68580" marT="34290" marB="34290"/>
+                </a:tc>
+                <a:extLst>
+                  <a:ext uri="{0D108BD9-81ED-4DB2-BD59-A6C34878D82A}">
+                    <a16:rowId xmlns="" xmlns:a16="http://schemas.microsoft.com/office/drawing/2014/main" val="10000"/>
+                  </a:ext>
+                </a:extLst>
+              </a:tr>
+              <a:tr h="397560">
+                <a:tc>
+                  <a:txBody>
+                    <a:bodyPr/>
+                    <a:lstStyle/>
+                    <a:p>
+                      <a:r>
+                        <a:rPr lang="ja-JP" altLang="en-US" sz="1600" dirty="0" smtClean="0">
+                          <a:latin typeface="Meiryo UI" panose="020B0604030504040204" pitchFamily="50" charset="-128"/>
+                          <a:ea typeface="Meiryo UI" panose="020B0604030504040204" pitchFamily="50" charset="-128"/>
+                        </a:rPr>
+                        <a:t>目的変数</a:t>
+                      </a:r>
+                      <a:endParaRPr kumimoji="1" lang="ja-JP" altLang="en-US" sz="1600" dirty="0">
+                        <a:latin typeface="Meiryo UI" panose="020B0604030504040204" pitchFamily="50" charset="-128"/>
+                        <a:ea typeface="Meiryo UI" panose="020B0604030504040204" pitchFamily="50" charset="-128"/>
+                      </a:endParaRPr>
+                    </a:p>
+                  </a:txBody>
+                  <a:tcPr marL="68580" marR="68580" marT="34290" marB="34290"/>
+                </a:tc>
+                <a:tc>
+                  <a:txBody>
+                    <a:bodyPr/>
+                    <a:lstStyle/>
+                    <a:p>
+                      <a:pPr marL="0" marR="0" lvl="0" indent="0" algn="l" defTabSz="914400" rtl="0" eaLnBrk="1" fontAlgn="auto" latinLnBrk="0" hangingPunct="1">
+                        <a:lnSpc>
+                          <a:spcPct val="100000"/>
+                        </a:lnSpc>
+                        <a:spcBef>
+                          <a:spcPts val="0"/>
+                        </a:spcBef>
+                        <a:spcAft>
+                          <a:spcPts val="0"/>
+                        </a:spcAft>
+                        <a:buClrTx/>
+                        <a:buSzTx/>
+                        <a:buFontTx/>
+                        <a:buNone/>
+                        <a:tabLst/>
+                        <a:defRPr/>
+                      </a:pPr>
+                      <a:r>
+                        <a:rPr lang="ja-JP" altLang="en-US" sz="1600" dirty="0" smtClean="0">
+                          <a:latin typeface="Meiryo UI" panose="020B0604030504040204" pitchFamily="50" charset="-128"/>
+                          <a:ea typeface="Meiryo UI" panose="020B0604030504040204" pitchFamily="50" charset="-128"/>
+                        </a:rPr>
+                        <a:t>求めたい値、予測したい値。従属変数とも呼ばれる</a:t>
+                      </a:r>
+                    </a:p>
+                  </a:txBody>
+                  <a:tcPr marL="68580" marR="68580" marT="34290" marB="34290"/>
+                </a:tc>
+              </a:tr>
+              <a:tr h="397560">
+                <a:tc>
+                  <a:txBody>
+                    <a:bodyPr/>
+                    <a:lstStyle/>
+                    <a:p>
+                      <a:r>
+                        <a:rPr kumimoji="1" lang="ja-JP" altLang="en-US" sz="1600" dirty="0" smtClean="0">
+                          <a:latin typeface="Meiryo UI" panose="020B0604030504040204" pitchFamily="50" charset="-128"/>
+                          <a:ea typeface="Meiryo UI" panose="020B0604030504040204" pitchFamily="50" charset="-128"/>
+                        </a:rPr>
+                        <a:t>説明変数</a:t>
+                      </a:r>
+                      <a:endParaRPr kumimoji="1" lang="ja-JP" altLang="en-US" sz="1600" dirty="0">
+                        <a:latin typeface="Meiryo UI" panose="020B0604030504040204" pitchFamily="50" charset="-128"/>
+                        <a:ea typeface="Meiryo UI" panose="020B0604030504040204" pitchFamily="50" charset="-128"/>
+                      </a:endParaRPr>
+                    </a:p>
+                  </a:txBody>
+                  <a:tcPr marL="68580" marR="68580" marT="34290" marB="34290"/>
+                </a:tc>
+                <a:tc>
+                  <a:txBody>
+                    <a:bodyPr/>
+                    <a:lstStyle/>
+                    <a:p>
+                      <a:pPr marL="0" marR="0" lvl="0" indent="0" algn="l" defTabSz="914400" rtl="0" eaLnBrk="1" fontAlgn="auto" latinLnBrk="0" hangingPunct="1">
+                        <a:lnSpc>
+                          <a:spcPct val="100000"/>
+                        </a:lnSpc>
+                        <a:spcBef>
+                          <a:spcPts val="0"/>
+                        </a:spcBef>
+                        <a:spcAft>
+                          <a:spcPts val="0"/>
+                        </a:spcAft>
+                        <a:buClrTx/>
+                        <a:buSzTx/>
+                        <a:buFontTx/>
+                        <a:buNone/>
+                        <a:tabLst/>
+                        <a:defRPr/>
+                      </a:pPr>
+                      <a:r>
+                        <a:rPr lang="ja-JP" altLang="en-US" sz="1600" dirty="0" smtClean="0">
+                          <a:latin typeface="Meiryo UI" panose="020B0604030504040204" pitchFamily="50" charset="-128"/>
+                          <a:ea typeface="Meiryo UI" panose="020B0604030504040204" pitchFamily="50" charset="-128"/>
+                        </a:rPr>
+                        <a:t>目的変数を説明する値、予測結果の要因。被従属変数、特徴量とも呼ばれる</a:t>
+                      </a:r>
+                    </a:p>
+                  </a:txBody>
+                  <a:tcPr marL="68580" marR="68580" marT="34290" marB="34290"/>
+                </a:tc>
+              </a:tr>
+              <a:tr h="999274">
+                <a:tc>
+                  <a:txBody>
+                    <a:bodyPr/>
+                    <a:lstStyle/>
+                    <a:p>
+                      <a:pPr marL="0" marR="0" lvl="0" indent="0" algn="l" defTabSz="914400" rtl="0" eaLnBrk="1" fontAlgn="auto" latinLnBrk="0" hangingPunct="1">
+                        <a:lnSpc>
+                          <a:spcPct val="100000"/>
+                        </a:lnSpc>
+                        <a:spcBef>
+                          <a:spcPts val="0"/>
+                        </a:spcBef>
+                        <a:spcAft>
+                          <a:spcPts val="0"/>
+                        </a:spcAft>
+                        <a:buClrTx/>
+                        <a:buSzTx/>
+                        <a:buFontTx/>
+                        <a:buNone/>
+                        <a:tabLst/>
+                        <a:defRPr/>
+                      </a:pPr>
+                      <a:r>
+                        <a:rPr lang="ja-JP" altLang="en-US" sz="1600" dirty="0" smtClean="0">
+                          <a:latin typeface="Meiryo UI" panose="020B0604030504040204" pitchFamily="50" charset="-128"/>
+                          <a:ea typeface="Meiryo UI" panose="020B0604030504040204" pitchFamily="50" charset="-128"/>
+                        </a:rPr>
+                        <a:t>モデル</a:t>
+                      </a:r>
+                    </a:p>
+                  </a:txBody>
+                  <a:tcPr marL="68580" marR="68580" marT="34290" marB="34290"/>
+                </a:tc>
+                <a:tc>
+                  <a:txBody>
+                    <a:bodyPr/>
+                    <a:lstStyle/>
+                    <a:p>
+                      <a:r>
+                        <a:rPr kumimoji="1" lang="ja-JP" altLang="en-US" sz="1600" dirty="0" smtClean="0">
+                          <a:latin typeface="Meiryo UI" panose="020B0604030504040204" pitchFamily="50" charset="-128"/>
+                          <a:ea typeface="Meiryo UI" panose="020B0604030504040204" pitchFamily="50" charset="-128"/>
+                        </a:rPr>
+                        <a:t>例）　「決定木モデルで学習する」「予測モデルを作成する」</a:t>
+                      </a:r>
+                      <a:endParaRPr kumimoji="1" lang="en-US" altLang="ja-JP" sz="1600" dirty="0" smtClean="0">
+                        <a:latin typeface="Meiryo UI" panose="020B0604030504040204" pitchFamily="50" charset="-128"/>
+                        <a:ea typeface="Meiryo UI" panose="020B0604030504040204" pitchFamily="50" charset="-128"/>
+                      </a:endParaRPr>
+                    </a:p>
+                    <a:p>
+                      <a:r>
+                        <a:rPr kumimoji="1" lang="ja-JP" altLang="en-US" sz="1600" dirty="0" smtClean="0">
+                          <a:latin typeface="Meiryo UI" panose="020B0604030504040204" pitchFamily="50" charset="-128"/>
+                          <a:ea typeface="Meiryo UI" panose="020B0604030504040204" pitchFamily="50" charset="-128"/>
+                        </a:rPr>
+                        <a:t>　→簡単に言えば、入力データから出力データに変換するための関数</a:t>
+                      </a:r>
+                      <a:endParaRPr kumimoji="1" lang="en-US" altLang="ja-JP" sz="1600" dirty="0" smtClean="0">
+                        <a:latin typeface="Meiryo UI" panose="020B0604030504040204" pitchFamily="50" charset="-128"/>
+                        <a:ea typeface="Meiryo UI" panose="020B0604030504040204" pitchFamily="50" charset="-128"/>
+                      </a:endParaRPr>
+                    </a:p>
+                    <a:p>
+                      <a:r>
+                        <a:rPr kumimoji="1" lang="ja-JP" altLang="en-US" sz="1600" dirty="0" smtClean="0">
+                          <a:latin typeface="Meiryo UI" panose="020B0604030504040204" pitchFamily="50" charset="-128"/>
+                          <a:ea typeface="Meiryo UI" panose="020B0604030504040204" pitchFamily="50" charset="-128"/>
+                        </a:rPr>
+                        <a:t>　　　入力された説明変数から目的変数を導き出す数式</a:t>
+                      </a:r>
+                      <a:endParaRPr kumimoji="1" lang="en-US" altLang="ja-JP" sz="1600" dirty="0" smtClean="0">
+                        <a:latin typeface="Meiryo UI" panose="020B0604030504040204" pitchFamily="50" charset="-128"/>
+                        <a:ea typeface="Meiryo UI" panose="020B0604030504040204" pitchFamily="50" charset="-128"/>
+                      </a:endParaRPr>
+                    </a:p>
+                  </a:txBody>
+                  <a:tcPr marL="68580" marR="68580" marT="34290" marB="34290"/>
+                </a:tc>
+              </a:tr>
+            </a:tbl>
+          </a:graphicData>
+        </a:graphic>
+      </p:graphicFrame>
+      <p:pic>
+        <p:nvPicPr>
+          <p:cNvPr id="28" name="table"/>
+          <p:cNvPicPr>
+            <a:picLocks noChangeAspect="1"/>
+          </p:cNvPicPr>
+          <p:nvPr/>
+        </p:nvPicPr>
+        <p:blipFill>
+          <a:blip r:embed="rId2"/>
+          <a:stretch>
+            <a:fillRect/>
+          </a:stretch>
+        </p:blipFill>
+        <p:spPr>
+          <a:xfrm>
+            <a:off x="241143" y="4727594"/>
+            <a:ext cx="2820635" cy="1163621"/>
+          </a:xfrm>
+          <a:prstGeom prst="rect">
+            <a:avLst/>
+          </a:prstGeom>
+        </p:spPr>
+      </p:pic>
       <p:sp>
         <p:nvSpPr>
-          <p:cNvPr id="4" name="角丸四角形 3"/>
+          <p:cNvPr id="29" name="右矢印 28"/>
           <p:cNvSpPr/>
           <p:nvPr/>
         </p:nvSpPr>
         <p:spPr>
           <a:xfrm>
-            <a:off x="722811" y="1654629"/>
-            <a:ext cx="5468987" cy="487680"/>
+            <a:off x="3318239" y="4919968"/>
+            <a:ext cx="731728" cy="603504"/>
+          </a:xfrm>
+          <a:prstGeom prst="rightArrow">
+            <a:avLst/>
+          </a:prstGeom>
+          <a:ln/>
+        </p:spPr>
+        <p:style>
+          <a:lnRef idx="1">
+            <a:schemeClr val="accent1"/>
+          </a:lnRef>
+          <a:fillRef idx="3">
+            <a:schemeClr val="accent1"/>
+          </a:fillRef>
+          <a:effectRef idx="2">
+            <a:schemeClr val="accent1"/>
+          </a:effectRef>
+          <a:fontRef idx="minor">
+            <a:schemeClr val="lt1"/>
+          </a:fontRef>
+        </p:style>
+        <p:txBody>
+          <a:bodyPr rtlCol="0" anchor="ctr"/>
+          <a:lstStyle>
+            <a:defPPr>
+              <a:defRPr lang="ja-JP"/>
+            </a:defPPr>
+            <a:lvl1pPr marL="0" algn="l" defTabSz="457200" rtl="0" eaLnBrk="1" latinLnBrk="0" hangingPunct="1">
+              <a:defRPr kumimoji="1" sz="1800" kern="1200">
+                <a:solidFill>
+                  <a:schemeClr val="lt1"/>
+                </a:solidFill>
+                <a:latin typeface="+mn-lt"/>
+                <a:ea typeface="+mn-ea"/>
+                <a:cs typeface="+mn-cs"/>
+              </a:defRPr>
+            </a:lvl1pPr>
+            <a:lvl2pPr marL="457200" algn="l" defTabSz="457200" rtl="0" eaLnBrk="1" latinLnBrk="0" hangingPunct="1">
+              <a:defRPr kumimoji="1" sz="1800" kern="1200">
+                <a:solidFill>
+                  <a:schemeClr val="lt1"/>
+                </a:solidFill>
+                <a:latin typeface="+mn-lt"/>
+                <a:ea typeface="+mn-ea"/>
+                <a:cs typeface="+mn-cs"/>
+              </a:defRPr>
+            </a:lvl2pPr>
+            <a:lvl3pPr marL="914400" algn="l" defTabSz="457200" rtl="0" eaLnBrk="1" latinLnBrk="0" hangingPunct="1">
+              <a:defRPr kumimoji="1" sz="1800" kern="1200">
+                <a:solidFill>
+                  <a:schemeClr val="lt1"/>
+                </a:solidFill>
+                <a:latin typeface="+mn-lt"/>
+                <a:ea typeface="+mn-ea"/>
+                <a:cs typeface="+mn-cs"/>
+              </a:defRPr>
+            </a:lvl3pPr>
+            <a:lvl4pPr marL="1371600" algn="l" defTabSz="457200" rtl="0" eaLnBrk="1" latinLnBrk="0" hangingPunct="1">
+              <a:defRPr kumimoji="1" sz="1800" kern="1200">
+                <a:solidFill>
+                  <a:schemeClr val="lt1"/>
+                </a:solidFill>
+                <a:latin typeface="+mn-lt"/>
+                <a:ea typeface="+mn-ea"/>
+                <a:cs typeface="+mn-cs"/>
+              </a:defRPr>
+            </a:lvl4pPr>
+            <a:lvl5pPr marL="1828800" algn="l" defTabSz="457200" rtl="0" eaLnBrk="1" latinLnBrk="0" hangingPunct="1">
+              <a:defRPr kumimoji="1" sz="1800" kern="1200">
+                <a:solidFill>
+                  <a:schemeClr val="lt1"/>
+                </a:solidFill>
+                <a:latin typeface="+mn-lt"/>
+                <a:ea typeface="+mn-ea"/>
+                <a:cs typeface="+mn-cs"/>
+              </a:defRPr>
+            </a:lvl5pPr>
+            <a:lvl6pPr marL="2286000" algn="l" defTabSz="457200" rtl="0" eaLnBrk="1" latinLnBrk="0" hangingPunct="1">
+              <a:defRPr kumimoji="1" sz="1800" kern="1200">
+                <a:solidFill>
+                  <a:schemeClr val="lt1"/>
+                </a:solidFill>
+                <a:latin typeface="+mn-lt"/>
+                <a:ea typeface="+mn-ea"/>
+                <a:cs typeface="+mn-cs"/>
+              </a:defRPr>
+            </a:lvl6pPr>
+            <a:lvl7pPr marL="2743200" algn="l" defTabSz="457200" rtl="0" eaLnBrk="1" latinLnBrk="0" hangingPunct="1">
+              <a:defRPr kumimoji="1" sz="1800" kern="1200">
+                <a:solidFill>
+                  <a:schemeClr val="lt1"/>
+                </a:solidFill>
+                <a:latin typeface="+mn-lt"/>
+                <a:ea typeface="+mn-ea"/>
+                <a:cs typeface="+mn-cs"/>
+              </a:defRPr>
+            </a:lvl7pPr>
+            <a:lvl8pPr marL="3200400" algn="l" defTabSz="457200" rtl="0" eaLnBrk="1" latinLnBrk="0" hangingPunct="1">
+              <a:defRPr kumimoji="1" sz="1800" kern="1200">
+                <a:solidFill>
+                  <a:schemeClr val="lt1"/>
+                </a:solidFill>
+                <a:latin typeface="+mn-lt"/>
+                <a:ea typeface="+mn-ea"/>
+                <a:cs typeface="+mn-cs"/>
+              </a:defRPr>
+            </a:lvl8pPr>
+            <a:lvl9pPr marL="3657600" algn="l" defTabSz="457200" rtl="0" eaLnBrk="1" latinLnBrk="0" hangingPunct="1">
+              <a:defRPr kumimoji="1" sz="1800" kern="1200">
+                <a:solidFill>
+                  <a:schemeClr val="lt1"/>
+                </a:solidFill>
+                <a:latin typeface="+mn-lt"/>
+                <a:ea typeface="+mn-ea"/>
+                <a:cs typeface="+mn-cs"/>
+              </a:defRPr>
+            </a:lvl9pPr>
+          </a:lstStyle>
+          <a:p>
+            <a:pPr algn="ctr"/>
+            <a:r>
+              <a:rPr lang="ja-JP" altLang="en-US" sz="1400" dirty="0" smtClean="0">
+                <a:latin typeface="Meiryo UI" panose="020B0604030504040204" pitchFamily="50" charset="-128"/>
+                <a:ea typeface="Meiryo UI" panose="020B0604030504040204" pitchFamily="50" charset="-128"/>
+              </a:rPr>
+              <a:t>学習</a:t>
+            </a:r>
+            <a:endParaRPr kumimoji="1" lang="ja-JP" altLang="en-US" sz="1400" dirty="0">
+              <a:latin typeface="Meiryo UI" panose="020B0604030504040204" pitchFamily="50" charset="-128"/>
+              <a:ea typeface="Meiryo UI" panose="020B0604030504040204" pitchFamily="50" charset="-128"/>
+            </a:endParaRPr>
+          </a:p>
+        </p:txBody>
+      </p:sp>
+      <p:sp>
+        <p:nvSpPr>
+          <p:cNvPr id="30" name="テキスト ボックス 14"/>
+          <p:cNvSpPr txBox="1"/>
+          <p:nvPr/>
+        </p:nvSpPr>
+        <p:spPr>
+          <a:xfrm>
+            <a:off x="4298835" y="4928798"/>
+            <a:ext cx="1221693" cy="646331"/>
+          </a:xfrm>
+          <a:prstGeom prst="rect">
+            <a:avLst/>
+          </a:prstGeom>
+          <a:solidFill>
+            <a:schemeClr val="bg1">
+              <a:lumMod val="95000"/>
+            </a:schemeClr>
+          </a:solidFill>
+          <a:ln w="38100">
+            <a:solidFill>
+              <a:schemeClr val="accent1"/>
+            </a:solidFill>
+          </a:ln>
+        </p:spPr>
+        <p:txBody>
+          <a:bodyPr wrap="square" rtlCol="0">
+            <a:spAutoFit/>
+          </a:bodyPr>
+          <a:lstStyle>
+            <a:defPPr>
+              <a:defRPr lang="ja-JP"/>
+            </a:defPPr>
+            <a:lvl1pPr marL="0" algn="l" defTabSz="457200" rtl="0" eaLnBrk="1" latinLnBrk="0" hangingPunct="1">
+              <a:defRPr kumimoji="1" sz="1800" kern="1200">
+                <a:solidFill>
+                  <a:schemeClr val="tx1"/>
+                </a:solidFill>
+                <a:latin typeface="+mn-lt"/>
+                <a:ea typeface="+mn-ea"/>
+                <a:cs typeface="+mn-cs"/>
+              </a:defRPr>
+            </a:lvl1pPr>
+            <a:lvl2pPr marL="457200" algn="l" defTabSz="457200" rtl="0" eaLnBrk="1" latinLnBrk="0" hangingPunct="1">
+              <a:defRPr kumimoji="1" sz="1800" kern="1200">
+                <a:solidFill>
+                  <a:schemeClr val="tx1"/>
+                </a:solidFill>
+                <a:latin typeface="+mn-lt"/>
+                <a:ea typeface="+mn-ea"/>
+                <a:cs typeface="+mn-cs"/>
+              </a:defRPr>
+            </a:lvl2pPr>
+            <a:lvl3pPr marL="914400" algn="l" defTabSz="457200" rtl="0" eaLnBrk="1" latinLnBrk="0" hangingPunct="1">
+              <a:defRPr kumimoji="1" sz="1800" kern="1200">
+                <a:solidFill>
+                  <a:schemeClr val="tx1"/>
+                </a:solidFill>
+                <a:latin typeface="+mn-lt"/>
+                <a:ea typeface="+mn-ea"/>
+                <a:cs typeface="+mn-cs"/>
+              </a:defRPr>
+            </a:lvl3pPr>
+            <a:lvl4pPr marL="1371600" algn="l" defTabSz="457200" rtl="0" eaLnBrk="1" latinLnBrk="0" hangingPunct="1">
+              <a:defRPr kumimoji="1" sz="1800" kern="1200">
+                <a:solidFill>
+                  <a:schemeClr val="tx1"/>
+                </a:solidFill>
+                <a:latin typeface="+mn-lt"/>
+                <a:ea typeface="+mn-ea"/>
+                <a:cs typeface="+mn-cs"/>
+              </a:defRPr>
+            </a:lvl4pPr>
+            <a:lvl5pPr marL="1828800" algn="l" defTabSz="457200" rtl="0" eaLnBrk="1" latinLnBrk="0" hangingPunct="1">
+              <a:defRPr kumimoji="1" sz="1800" kern="1200">
+                <a:solidFill>
+                  <a:schemeClr val="tx1"/>
+                </a:solidFill>
+                <a:latin typeface="+mn-lt"/>
+                <a:ea typeface="+mn-ea"/>
+                <a:cs typeface="+mn-cs"/>
+              </a:defRPr>
+            </a:lvl5pPr>
+            <a:lvl6pPr marL="2286000" algn="l" defTabSz="457200" rtl="0" eaLnBrk="1" latinLnBrk="0" hangingPunct="1">
+              <a:defRPr kumimoji="1" sz="1800" kern="1200">
+                <a:solidFill>
+                  <a:schemeClr val="tx1"/>
+                </a:solidFill>
+                <a:latin typeface="+mn-lt"/>
+                <a:ea typeface="+mn-ea"/>
+                <a:cs typeface="+mn-cs"/>
+              </a:defRPr>
+            </a:lvl6pPr>
+            <a:lvl7pPr marL="2743200" algn="l" defTabSz="457200" rtl="0" eaLnBrk="1" latinLnBrk="0" hangingPunct="1">
+              <a:defRPr kumimoji="1" sz="1800" kern="1200">
+                <a:solidFill>
+                  <a:schemeClr val="tx1"/>
+                </a:solidFill>
+                <a:latin typeface="+mn-lt"/>
+                <a:ea typeface="+mn-ea"/>
+                <a:cs typeface="+mn-cs"/>
+              </a:defRPr>
+            </a:lvl7pPr>
+            <a:lvl8pPr marL="3200400" algn="l" defTabSz="457200" rtl="0" eaLnBrk="1" latinLnBrk="0" hangingPunct="1">
+              <a:defRPr kumimoji="1" sz="1800" kern="1200">
+                <a:solidFill>
+                  <a:schemeClr val="tx1"/>
+                </a:solidFill>
+                <a:latin typeface="+mn-lt"/>
+                <a:ea typeface="+mn-ea"/>
+                <a:cs typeface="+mn-cs"/>
+              </a:defRPr>
+            </a:lvl8pPr>
+            <a:lvl9pPr marL="3657600" algn="l" defTabSz="457200" rtl="0" eaLnBrk="1" latinLnBrk="0" hangingPunct="1">
+              <a:defRPr kumimoji="1" sz="1800" kern="1200">
+                <a:solidFill>
+                  <a:schemeClr val="tx1"/>
+                </a:solidFill>
+                <a:latin typeface="+mn-lt"/>
+                <a:ea typeface="+mn-ea"/>
+                <a:cs typeface="+mn-cs"/>
+              </a:defRPr>
+            </a:lvl9pPr>
+          </a:lstStyle>
+          <a:p>
+            <a:r>
+              <a:rPr lang="ja-JP" altLang="en-US" sz="1200" dirty="0" smtClean="0">
+                <a:solidFill>
+                  <a:schemeClr val="accent1">
+                    <a:lumMod val="75000"/>
+                  </a:schemeClr>
+                </a:solidFill>
+                <a:latin typeface="Meiryo UI" panose="020B0604030504040204" pitchFamily="50" charset="-128"/>
+                <a:ea typeface="Meiryo UI" panose="020B0604030504040204" pitchFamily="50" charset="-128"/>
+              </a:rPr>
+              <a:t>購入有無</a:t>
+            </a:r>
+            <a:r>
+              <a:rPr kumimoji="1" lang="ja-JP" altLang="en-US" sz="1200" dirty="0" smtClean="0">
+                <a:solidFill>
+                  <a:schemeClr val="accent1">
+                    <a:lumMod val="75000"/>
+                  </a:schemeClr>
+                </a:solidFill>
+                <a:latin typeface="Meiryo UI" panose="020B0604030504040204" pitchFamily="50" charset="-128"/>
+                <a:ea typeface="Meiryo UI" panose="020B0604030504040204" pitchFamily="50" charset="-128"/>
+              </a:rPr>
+              <a:t>を求める数式</a:t>
+            </a:r>
+            <a:r>
+              <a:rPr lang="en-US" altLang="ja-JP" sz="1200" dirty="0" smtClean="0">
+                <a:solidFill>
+                  <a:schemeClr val="accent1">
+                    <a:lumMod val="75000"/>
+                  </a:schemeClr>
+                </a:solidFill>
+                <a:latin typeface="Meiryo UI" panose="020B0604030504040204" pitchFamily="50" charset="-128"/>
+                <a:ea typeface="Meiryo UI" panose="020B0604030504040204" pitchFamily="50" charset="-128"/>
+              </a:rPr>
+              <a:t>(</a:t>
+            </a:r>
+            <a:r>
+              <a:rPr kumimoji="1" lang="ja-JP" altLang="en-US" sz="1200" dirty="0" smtClean="0">
+                <a:solidFill>
+                  <a:schemeClr val="accent1">
+                    <a:lumMod val="75000"/>
+                  </a:schemeClr>
+                </a:solidFill>
+                <a:latin typeface="Meiryo UI" panose="020B0604030504040204" pitchFamily="50" charset="-128"/>
+                <a:ea typeface="Meiryo UI" panose="020B0604030504040204" pitchFamily="50" charset="-128"/>
+              </a:rPr>
+              <a:t>モデル</a:t>
+            </a:r>
+            <a:r>
+              <a:rPr lang="en-US" altLang="ja-JP" sz="1200" dirty="0" smtClean="0">
+                <a:solidFill>
+                  <a:schemeClr val="accent1">
+                    <a:lumMod val="75000"/>
+                  </a:schemeClr>
+                </a:solidFill>
+                <a:latin typeface="Meiryo UI" panose="020B0604030504040204" pitchFamily="50" charset="-128"/>
+                <a:ea typeface="Meiryo UI" panose="020B0604030504040204" pitchFamily="50" charset="-128"/>
+              </a:rPr>
+              <a:t>)</a:t>
+            </a:r>
+          </a:p>
+        </p:txBody>
+      </p:sp>
+      <p:sp>
+        <p:nvSpPr>
+          <p:cNvPr id="31" name="右矢印 30"/>
+          <p:cNvSpPr/>
+          <p:nvPr/>
+        </p:nvSpPr>
+        <p:spPr>
+          <a:xfrm rot="19939302" flipH="1">
+            <a:off x="5713659" y="4599925"/>
+            <a:ext cx="696135" cy="603504"/>
+          </a:xfrm>
+          <a:prstGeom prst="rightArrow">
+            <a:avLst/>
+          </a:prstGeom>
+          <a:ln/>
+        </p:spPr>
+        <p:style>
+          <a:lnRef idx="1">
+            <a:schemeClr val="accent1"/>
+          </a:lnRef>
+          <a:fillRef idx="3">
+            <a:schemeClr val="accent1"/>
+          </a:fillRef>
+          <a:effectRef idx="2">
+            <a:schemeClr val="accent1"/>
+          </a:effectRef>
+          <a:fontRef idx="minor">
+            <a:schemeClr val="lt1"/>
+          </a:fontRef>
+        </p:style>
+        <p:txBody>
+          <a:bodyPr rtlCol="0" anchor="ctr"/>
+          <a:lstStyle>
+            <a:defPPr>
+              <a:defRPr lang="ja-JP"/>
+            </a:defPPr>
+            <a:lvl1pPr marL="0" algn="l" defTabSz="457200" rtl="0" eaLnBrk="1" latinLnBrk="0" hangingPunct="1">
+              <a:defRPr kumimoji="1" sz="1800" kern="1200">
+                <a:solidFill>
+                  <a:schemeClr val="lt1"/>
+                </a:solidFill>
+                <a:latin typeface="+mn-lt"/>
+                <a:ea typeface="+mn-ea"/>
+                <a:cs typeface="+mn-cs"/>
+              </a:defRPr>
+            </a:lvl1pPr>
+            <a:lvl2pPr marL="457200" algn="l" defTabSz="457200" rtl="0" eaLnBrk="1" latinLnBrk="0" hangingPunct="1">
+              <a:defRPr kumimoji="1" sz="1800" kern="1200">
+                <a:solidFill>
+                  <a:schemeClr val="lt1"/>
+                </a:solidFill>
+                <a:latin typeface="+mn-lt"/>
+                <a:ea typeface="+mn-ea"/>
+                <a:cs typeface="+mn-cs"/>
+              </a:defRPr>
+            </a:lvl2pPr>
+            <a:lvl3pPr marL="914400" algn="l" defTabSz="457200" rtl="0" eaLnBrk="1" latinLnBrk="0" hangingPunct="1">
+              <a:defRPr kumimoji="1" sz="1800" kern="1200">
+                <a:solidFill>
+                  <a:schemeClr val="lt1"/>
+                </a:solidFill>
+                <a:latin typeface="+mn-lt"/>
+                <a:ea typeface="+mn-ea"/>
+                <a:cs typeface="+mn-cs"/>
+              </a:defRPr>
+            </a:lvl3pPr>
+            <a:lvl4pPr marL="1371600" algn="l" defTabSz="457200" rtl="0" eaLnBrk="1" latinLnBrk="0" hangingPunct="1">
+              <a:defRPr kumimoji="1" sz="1800" kern="1200">
+                <a:solidFill>
+                  <a:schemeClr val="lt1"/>
+                </a:solidFill>
+                <a:latin typeface="+mn-lt"/>
+                <a:ea typeface="+mn-ea"/>
+                <a:cs typeface="+mn-cs"/>
+              </a:defRPr>
+            </a:lvl4pPr>
+            <a:lvl5pPr marL="1828800" algn="l" defTabSz="457200" rtl="0" eaLnBrk="1" latinLnBrk="0" hangingPunct="1">
+              <a:defRPr kumimoji="1" sz="1800" kern="1200">
+                <a:solidFill>
+                  <a:schemeClr val="lt1"/>
+                </a:solidFill>
+                <a:latin typeface="+mn-lt"/>
+                <a:ea typeface="+mn-ea"/>
+                <a:cs typeface="+mn-cs"/>
+              </a:defRPr>
+            </a:lvl5pPr>
+            <a:lvl6pPr marL="2286000" algn="l" defTabSz="457200" rtl="0" eaLnBrk="1" latinLnBrk="0" hangingPunct="1">
+              <a:defRPr kumimoji="1" sz="1800" kern="1200">
+                <a:solidFill>
+                  <a:schemeClr val="lt1"/>
+                </a:solidFill>
+                <a:latin typeface="+mn-lt"/>
+                <a:ea typeface="+mn-ea"/>
+                <a:cs typeface="+mn-cs"/>
+              </a:defRPr>
+            </a:lvl6pPr>
+            <a:lvl7pPr marL="2743200" algn="l" defTabSz="457200" rtl="0" eaLnBrk="1" latinLnBrk="0" hangingPunct="1">
+              <a:defRPr kumimoji="1" sz="1800" kern="1200">
+                <a:solidFill>
+                  <a:schemeClr val="lt1"/>
+                </a:solidFill>
+                <a:latin typeface="+mn-lt"/>
+                <a:ea typeface="+mn-ea"/>
+                <a:cs typeface="+mn-cs"/>
+              </a:defRPr>
+            </a:lvl7pPr>
+            <a:lvl8pPr marL="3200400" algn="l" defTabSz="457200" rtl="0" eaLnBrk="1" latinLnBrk="0" hangingPunct="1">
+              <a:defRPr kumimoji="1" sz="1800" kern="1200">
+                <a:solidFill>
+                  <a:schemeClr val="lt1"/>
+                </a:solidFill>
+                <a:latin typeface="+mn-lt"/>
+                <a:ea typeface="+mn-ea"/>
+                <a:cs typeface="+mn-cs"/>
+              </a:defRPr>
+            </a:lvl8pPr>
+            <a:lvl9pPr marL="3657600" algn="l" defTabSz="457200" rtl="0" eaLnBrk="1" latinLnBrk="0" hangingPunct="1">
+              <a:defRPr kumimoji="1" sz="1800" kern="1200">
+                <a:solidFill>
+                  <a:schemeClr val="lt1"/>
+                </a:solidFill>
+                <a:latin typeface="+mn-lt"/>
+                <a:ea typeface="+mn-ea"/>
+                <a:cs typeface="+mn-cs"/>
+              </a:defRPr>
+            </a:lvl9pPr>
+          </a:lstStyle>
+          <a:p>
+            <a:pPr algn="ctr"/>
+            <a:r>
+              <a:rPr lang="ja-JP" altLang="en-US" sz="1400" dirty="0" smtClean="0">
+                <a:latin typeface="Meiryo UI" panose="020B0604030504040204" pitchFamily="50" charset="-128"/>
+                <a:ea typeface="Meiryo UI" panose="020B0604030504040204" pitchFamily="50" charset="-128"/>
+              </a:rPr>
+              <a:t>入力</a:t>
+            </a:r>
+            <a:endParaRPr kumimoji="1" lang="ja-JP" altLang="en-US" sz="1400" dirty="0">
+              <a:latin typeface="Meiryo UI" panose="020B0604030504040204" pitchFamily="50" charset="-128"/>
+              <a:ea typeface="Meiryo UI" panose="020B0604030504040204" pitchFamily="50" charset="-128"/>
+            </a:endParaRPr>
+          </a:p>
+        </p:txBody>
+      </p:sp>
+      <p:sp>
+        <p:nvSpPr>
+          <p:cNvPr id="32" name="右矢印 31"/>
+          <p:cNvSpPr/>
+          <p:nvPr/>
+        </p:nvSpPr>
+        <p:spPr>
+          <a:xfrm rot="1317803">
+            <a:off x="5786992" y="5312021"/>
+            <a:ext cx="696135" cy="603504"/>
+          </a:xfrm>
+          <a:prstGeom prst="rightArrow">
+            <a:avLst/>
+          </a:prstGeom>
+          <a:ln/>
+        </p:spPr>
+        <p:style>
+          <a:lnRef idx="1">
+            <a:schemeClr val="accent1"/>
+          </a:lnRef>
+          <a:fillRef idx="3">
+            <a:schemeClr val="accent1"/>
+          </a:fillRef>
+          <a:effectRef idx="2">
+            <a:schemeClr val="accent1"/>
+          </a:effectRef>
+          <a:fontRef idx="minor">
+            <a:schemeClr val="lt1"/>
+          </a:fontRef>
+        </p:style>
+        <p:txBody>
+          <a:bodyPr rtlCol="0" anchor="ctr"/>
+          <a:lstStyle>
+            <a:defPPr>
+              <a:defRPr lang="ja-JP"/>
+            </a:defPPr>
+            <a:lvl1pPr marL="0" algn="l" defTabSz="457200" rtl="0" eaLnBrk="1" latinLnBrk="0" hangingPunct="1">
+              <a:defRPr kumimoji="1" sz="1800" kern="1200">
+                <a:solidFill>
+                  <a:schemeClr val="lt1"/>
+                </a:solidFill>
+                <a:latin typeface="+mn-lt"/>
+                <a:ea typeface="+mn-ea"/>
+                <a:cs typeface="+mn-cs"/>
+              </a:defRPr>
+            </a:lvl1pPr>
+            <a:lvl2pPr marL="457200" algn="l" defTabSz="457200" rtl="0" eaLnBrk="1" latinLnBrk="0" hangingPunct="1">
+              <a:defRPr kumimoji="1" sz="1800" kern="1200">
+                <a:solidFill>
+                  <a:schemeClr val="lt1"/>
+                </a:solidFill>
+                <a:latin typeface="+mn-lt"/>
+                <a:ea typeface="+mn-ea"/>
+                <a:cs typeface="+mn-cs"/>
+              </a:defRPr>
+            </a:lvl2pPr>
+            <a:lvl3pPr marL="914400" algn="l" defTabSz="457200" rtl="0" eaLnBrk="1" latinLnBrk="0" hangingPunct="1">
+              <a:defRPr kumimoji="1" sz="1800" kern="1200">
+                <a:solidFill>
+                  <a:schemeClr val="lt1"/>
+                </a:solidFill>
+                <a:latin typeface="+mn-lt"/>
+                <a:ea typeface="+mn-ea"/>
+                <a:cs typeface="+mn-cs"/>
+              </a:defRPr>
+            </a:lvl3pPr>
+            <a:lvl4pPr marL="1371600" algn="l" defTabSz="457200" rtl="0" eaLnBrk="1" latinLnBrk="0" hangingPunct="1">
+              <a:defRPr kumimoji="1" sz="1800" kern="1200">
+                <a:solidFill>
+                  <a:schemeClr val="lt1"/>
+                </a:solidFill>
+                <a:latin typeface="+mn-lt"/>
+                <a:ea typeface="+mn-ea"/>
+                <a:cs typeface="+mn-cs"/>
+              </a:defRPr>
+            </a:lvl4pPr>
+            <a:lvl5pPr marL="1828800" algn="l" defTabSz="457200" rtl="0" eaLnBrk="1" latinLnBrk="0" hangingPunct="1">
+              <a:defRPr kumimoji="1" sz="1800" kern="1200">
+                <a:solidFill>
+                  <a:schemeClr val="lt1"/>
+                </a:solidFill>
+                <a:latin typeface="+mn-lt"/>
+                <a:ea typeface="+mn-ea"/>
+                <a:cs typeface="+mn-cs"/>
+              </a:defRPr>
+            </a:lvl5pPr>
+            <a:lvl6pPr marL="2286000" algn="l" defTabSz="457200" rtl="0" eaLnBrk="1" latinLnBrk="0" hangingPunct="1">
+              <a:defRPr kumimoji="1" sz="1800" kern="1200">
+                <a:solidFill>
+                  <a:schemeClr val="lt1"/>
+                </a:solidFill>
+                <a:latin typeface="+mn-lt"/>
+                <a:ea typeface="+mn-ea"/>
+                <a:cs typeface="+mn-cs"/>
+              </a:defRPr>
+            </a:lvl6pPr>
+            <a:lvl7pPr marL="2743200" algn="l" defTabSz="457200" rtl="0" eaLnBrk="1" latinLnBrk="0" hangingPunct="1">
+              <a:defRPr kumimoji="1" sz="1800" kern="1200">
+                <a:solidFill>
+                  <a:schemeClr val="lt1"/>
+                </a:solidFill>
+                <a:latin typeface="+mn-lt"/>
+                <a:ea typeface="+mn-ea"/>
+                <a:cs typeface="+mn-cs"/>
+              </a:defRPr>
+            </a:lvl7pPr>
+            <a:lvl8pPr marL="3200400" algn="l" defTabSz="457200" rtl="0" eaLnBrk="1" latinLnBrk="0" hangingPunct="1">
+              <a:defRPr kumimoji="1" sz="1800" kern="1200">
+                <a:solidFill>
+                  <a:schemeClr val="lt1"/>
+                </a:solidFill>
+                <a:latin typeface="+mn-lt"/>
+                <a:ea typeface="+mn-ea"/>
+                <a:cs typeface="+mn-cs"/>
+              </a:defRPr>
+            </a:lvl8pPr>
+            <a:lvl9pPr marL="3657600" algn="l" defTabSz="457200" rtl="0" eaLnBrk="1" latinLnBrk="0" hangingPunct="1">
+              <a:defRPr kumimoji="1" sz="1800" kern="1200">
+                <a:solidFill>
+                  <a:schemeClr val="lt1"/>
+                </a:solidFill>
+                <a:latin typeface="+mn-lt"/>
+                <a:ea typeface="+mn-ea"/>
+                <a:cs typeface="+mn-cs"/>
+              </a:defRPr>
+            </a:lvl9pPr>
+          </a:lstStyle>
+          <a:p>
+            <a:pPr algn="ctr"/>
+            <a:r>
+              <a:rPr lang="ja-JP" altLang="en-US" sz="1400" dirty="0">
+                <a:latin typeface="Meiryo UI" panose="020B0604030504040204" pitchFamily="50" charset="-128"/>
+                <a:ea typeface="Meiryo UI" panose="020B0604030504040204" pitchFamily="50" charset="-128"/>
+              </a:rPr>
+              <a:t>予測</a:t>
+            </a:r>
+            <a:endParaRPr kumimoji="1" lang="ja-JP" altLang="en-US" sz="1400" dirty="0">
+              <a:latin typeface="Meiryo UI" panose="020B0604030504040204" pitchFamily="50" charset="-128"/>
+              <a:ea typeface="Meiryo UI" panose="020B0604030504040204" pitchFamily="50" charset="-128"/>
+            </a:endParaRPr>
+          </a:p>
+        </p:txBody>
+      </p:sp>
+      <p:pic>
+        <p:nvPicPr>
+          <p:cNvPr id="33" name="table"/>
+          <p:cNvPicPr>
+            <a:picLocks noChangeAspect="1"/>
+          </p:cNvPicPr>
+          <p:nvPr/>
+        </p:nvPicPr>
+        <p:blipFill>
+          <a:blip r:embed="rId3"/>
+          <a:stretch>
+            <a:fillRect/>
+          </a:stretch>
+        </p:blipFill>
+        <p:spPr>
+          <a:xfrm>
+            <a:off x="6577738" y="4371065"/>
+            <a:ext cx="2018630" cy="576535"/>
+          </a:xfrm>
+          <a:prstGeom prst="rect">
+            <a:avLst/>
+          </a:prstGeom>
+        </p:spPr>
+      </p:pic>
+      <p:pic>
+        <p:nvPicPr>
+          <p:cNvPr id="34" name="table"/>
+          <p:cNvPicPr>
+            <a:picLocks noChangeAspect="1"/>
+          </p:cNvPicPr>
+          <p:nvPr/>
+        </p:nvPicPr>
+        <p:blipFill>
+          <a:blip r:embed="rId4"/>
+          <a:stretch>
+            <a:fillRect/>
+          </a:stretch>
+        </p:blipFill>
+        <p:spPr>
+          <a:xfrm>
+            <a:off x="6613809" y="5428651"/>
+            <a:ext cx="948782" cy="576535"/>
+          </a:xfrm>
+          <a:prstGeom prst="rect">
+            <a:avLst/>
+          </a:prstGeom>
+        </p:spPr>
+      </p:pic>
+      <p:sp>
+        <p:nvSpPr>
+          <p:cNvPr id="7" name="角丸四角形吹き出し 6"/>
+          <p:cNvSpPr/>
+          <p:nvPr/>
+        </p:nvSpPr>
+        <p:spPr>
+          <a:xfrm>
+            <a:off x="2364829" y="4214648"/>
+            <a:ext cx="1229710" cy="399393"/>
+          </a:xfrm>
+          <a:prstGeom prst="wedgeRoundRectCallout">
+            <a:avLst>
+              <a:gd name="adj1" fmla="val -20833"/>
+              <a:gd name="adj2" fmla="val 80921"/>
+              <a:gd name="adj3" fmla="val 16667"/>
+            </a:avLst>
+          </a:prstGeom>
+          <a:solidFill>
+            <a:schemeClr val="bg1">
+              <a:lumMod val="65000"/>
+            </a:schemeClr>
+          </a:solidFill>
+          <a:ln>
+            <a:solidFill>
+              <a:schemeClr val="tx1"/>
+            </a:solidFill>
+          </a:ln>
+        </p:spPr>
+        <p:style>
+          <a:lnRef idx="1">
+            <a:schemeClr val="accent1"/>
+          </a:lnRef>
+          <a:fillRef idx="3">
+            <a:schemeClr val="accent1"/>
+          </a:fillRef>
+          <a:effectRef idx="2">
+            <a:schemeClr val="accent1"/>
+          </a:effectRef>
+          <a:fontRef idx="minor">
+            <a:schemeClr val="lt1"/>
+          </a:fontRef>
+        </p:style>
+        <p:txBody>
+          <a:bodyPr rtlCol="0" anchor="ctr"/>
+          <a:lstStyle/>
+          <a:p>
+            <a:pPr algn="ctr"/>
+            <a:r>
+              <a:rPr kumimoji="1" lang="ja-JP" altLang="en-US" dirty="0" smtClean="0">
+                <a:latin typeface="Meiryo UI" panose="020B0604030504040204" pitchFamily="50" charset="-128"/>
+                <a:ea typeface="Meiryo UI" panose="020B0604030504040204" pitchFamily="50" charset="-128"/>
+              </a:rPr>
+              <a:t>目的変数</a:t>
+            </a:r>
+            <a:endParaRPr kumimoji="1" lang="ja-JP" altLang="en-US" dirty="0">
+              <a:latin typeface="Meiryo UI" panose="020B0604030504040204" pitchFamily="50" charset="-128"/>
+              <a:ea typeface="Meiryo UI" panose="020B0604030504040204" pitchFamily="50" charset="-128"/>
+            </a:endParaRPr>
+          </a:p>
+        </p:txBody>
+      </p:sp>
+      <p:sp>
+        <p:nvSpPr>
+          <p:cNvPr id="12" name="角丸四角形 11"/>
+          <p:cNvSpPr/>
+          <p:nvPr/>
+        </p:nvSpPr>
+        <p:spPr>
+          <a:xfrm>
+            <a:off x="368074" y="4214648"/>
+            <a:ext cx="1787451" cy="399393"/>
           </a:xfrm>
           <a:prstGeom prst="roundRect">
             <a:avLst/>
@@ -17405,26 +20748,36 @@
           <a:p>
             <a:pPr algn="ctr"/>
             <a:r>
-              <a:rPr kumimoji="1" lang="ja-JP" altLang="en-US" b="1" dirty="0" smtClean="0"/>
-              <a:t>ファイルのアップロード</a:t>
-            </a:r>
-            <a:endParaRPr kumimoji="1" lang="ja-JP" altLang="en-US" b="1" dirty="0"/>
+              <a:rPr kumimoji="1" lang="ja-JP" altLang="en-US" dirty="0" smtClean="0">
+                <a:latin typeface="Meiryo UI" panose="020B0604030504040204" pitchFamily="50" charset="-128"/>
+                <a:ea typeface="Meiryo UI" panose="020B0604030504040204" pitchFamily="50" charset="-128"/>
+              </a:rPr>
+              <a:t>説明変数</a:t>
+            </a:r>
+            <a:endParaRPr kumimoji="1" lang="ja-JP" altLang="en-US" dirty="0">
+              <a:latin typeface="Meiryo UI" panose="020B0604030504040204" pitchFamily="50" charset="-128"/>
+              <a:ea typeface="Meiryo UI" panose="020B0604030504040204" pitchFamily="50" charset="-128"/>
+            </a:endParaRPr>
           </a:p>
         </p:txBody>
       </p:sp>
       <p:sp>
         <p:nvSpPr>
-          <p:cNvPr id="6" name="角丸四角形 5"/>
+          <p:cNvPr id="45" name="角丸四角形吹き出し 44"/>
           <p:cNvSpPr/>
           <p:nvPr/>
         </p:nvSpPr>
         <p:spPr>
           <a:xfrm>
-            <a:off x="1071171" y="2334771"/>
-            <a:ext cx="5468987" cy="487680"/>
+            <a:off x="3803843" y="4194250"/>
+            <a:ext cx="1600175" cy="557047"/>
           </a:xfrm>
-          <a:prstGeom prst="roundRect">
-            <a:avLst/>
+          <a:prstGeom prst="wedgeRoundRectCallout">
+            <a:avLst>
+              <a:gd name="adj1" fmla="val -6383"/>
+              <a:gd name="adj2" fmla="val 79034"/>
+              <a:gd name="adj3" fmla="val 16667"/>
+            </a:avLst>
           </a:prstGeom>
           <a:solidFill>
             <a:schemeClr val="bg1">
@@ -17457,34 +20810,36 @@
           <a:p>
             <a:pPr algn="ctr"/>
             <a:r>
-              <a:rPr lang="ja-JP" altLang="en-US" b="1" dirty="0" smtClean="0"/>
-              <a:t>データ</a:t>
-            </a:r>
-            <a:r>
-              <a:rPr lang="ja-JP" altLang="en-US" b="1" dirty="0"/>
-              <a:t>読み込</a:t>
-            </a:r>
-            <a:r>
-              <a:rPr lang="ja-JP" altLang="en-US" b="1" dirty="0" smtClean="0"/>
-              <a:t>み</a:t>
-            </a:r>
-            <a:endParaRPr kumimoji="1" lang="ja-JP" altLang="en-US" b="1" dirty="0"/>
+              <a:rPr kumimoji="1" lang="ja-JP" altLang="en-US" sz="1200" dirty="0" smtClean="0">
+                <a:latin typeface="Meiryo UI" panose="020B0604030504040204" pitchFamily="50" charset="-128"/>
+                <a:ea typeface="Meiryo UI" panose="020B0604030504040204" pitchFamily="50" charset="-128"/>
+              </a:rPr>
+              <a:t>①左の学習データをもとにモデルを作成</a:t>
+            </a:r>
+            <a:endParaRPr kumimoji="1" lang="ja-JP" altLang="en-US" sz="1200" dirty="0">
+              <a:latin typeface="Meiryo UI" panose="020B0604030504040204" pitchFamily="50" charset="-128"/>
+              <a:ea typeface="Meiryo UI" panose="020B0604030504040204" pitchFamily="50" charset="-128"/>
+            </a:endParaRPr>
           </a:p>
         </p:txBody>
       </p:sp>
       <p:sp>
         <p:nvSpPr>
-          <p:cNvPr id="8" name="角丸四角形 7"/>
+          <p:cNvPr id="46" name="角丸四角形吹き出し 45"/>
           <p:cNvSpPr/>
           <p:nvPr/>
         </p:nvSpPr>
         <p:spPr>
           <a:xfrm>
-            <a:off x="1419531" y="3014913"/>
-            <a:ext cx="5468987" cy="487680"/>
+            <a:off x="5813721" y="3925431"/>
+            <a:ext cx="1600175" cy="387189"/>
           </a:xfrm>
-          <a:prstGeom prst="roundRect">
-            <a:avLst/>
+          <a:prstGeom prst="wedgeRoundRectCallout">
+            <a:avLst>
+              <a:gd name="adj1" fmla="val -6383"/>
+              <a:gd name="adj2" fmla="val 79034"/>
+              <a:gd name="adj3" fmla="val 16667"/>
+            </a:avLst>
           </a:prstGeom>
           <a:solidFill>
             <a:schemeClr val="bg1">
@@ -17517,26 +20872,36 @@
           <a:p>
             <a:pPr algn="ctr"/>
             <a:r>
-              <a:rPr kumimoji="1" lang="ja-JP" altLang="en-US" b="1" dirty="0" smtClean="0"/>
-              <a:t>目的変数、説明変数の設定（まずは性別、年齢のみ）</a:t>
-            </a:r>
-            <a:endParaRPr kumimoji="1" lang="ja-JP" altLang="en-US" b="1" dirty="0"/>
+              <a:rPr kumimoji="1" lang="ja-JP" altLang="en-US" sz="1200" dirty="0" smtClean="0">
+                <a:latin typeface="Meiryo UI" panose="020B0604030504040204" pitchFamily="50" charset="-128"/>
+                <a:ea typeface="Meiryo UI" panose="020B0604030504040204" pitchFamily="50" charset="-128"/>
+              </a:rPr>
+              <a:t>②説明変数のみをモデルに当てはめる</a:t>
+            </a:r>
+            <a:endParaRPr kumimoji="1" lang="ja-JP" altLang="en-US" sz="1200" dirty="0">
+              <a:latin typeface="Meiryo UI" panose="020B0604030504040204" pitchFamily="50" charset="-128"/>
+              <a:ea typeface="Meiryo UI" panose="020B0604030504040204" pitchFamily="50" charset="-128"/>
+            </a:endParaRPr>
           </a:p>
         </p:txBody>
       </p:sp>
       <p:sp>
         <p:nvSpPr>
-          <p:cNvPr id="9" name="角丸四角形 8"/>
+          <p:cNvPr id="47" name="角丸四角形吹き出し 46"/>
           <p:cNvSpPr/>
           <p:nvPr/>
         </p:nvSpPr>
         <p:spPr>
           <a:xfrm>
-            <a:off x="1767891" y="3695055"/>
-            <a:ext cx="5468987" cy="487680"/>
+            <a:off x="7083883" y="5082830"/>
+            <a:ext cx="1807870" cy="241818"/>
           </a:xfrm>
-          <a:prstGeom prst="roundRect">
-            <a:avLst/>
+          <a:prstGeom prst="wedgeRoundRectCallout">
+            <a:avLst>
+              <a:gd name="adj1" fmla="val -35451"/>
+              <a:gd name="adj2" fmla="val 80133"/>
+              <a:gd name="adj3" fmla="val 16667"/>
+            </a:avLst>
           </a:prstGeom>
           <a:solidFill>
             <a:schemeClr val="bg1">
@@ -17569,573 +20934,23 @@
           <a:p>
             <a:pPr algn="ctr"/>
             <a:r>
-              <a:rPr lang="ja-JP" altLang="en-US" b="1" dirty="0" smtClean="0"/>
-              <a:t>学習処理の実行（決定木モデル）</a:t>
-            </a:r>
-            <a:endParaRPr kumimoji="1" lang="ja-JP" altLang="en-US" b="1" dirty="0"/>
-          </a:p>
-        </p:txBody>
-      </p:sp>
-      <p:sp>
-        <p:nvSpPr>
-          <p:cNvPr id="10" name="角丸四角形 9"/>
-          <p:cNvSpPr/>
-          <p:nvPr/>
-        </p:nvSpPr>
-        <p:spPr>
-          <a:xfrm>
-            <a:off x="2116251" y="4375197"/>
-            <a:ext cx="5468987" cy="487680"/>
-          </a:xfrm>
-          <a:prstGeom prst="roundRect">
-            <a:avLst/>
-          </a:prstGeom>
-          <a:solidFill>
-            <a:schemeClr val="bg1">
-              <a:lumMod val="65000"/>
-            </a:schemeClr>
-          </a:solidFill>
-          <a:ln>
-            <a:solidFill>
-              <a:schemeClr val="tx1"/>
-            </a:solidFill>
-          </a:ln>
-        </p:spPr>
-        <p:style>
-          <a:lnRef idx="1">
-            <a:schemeClr val="accent1"/>
-          </a:lnRef>
-          <a:fillRef idx="3">
-            <a:schemeClr val="accent1"/>
-          </a:fillRef>
-          <a:effectRef idx="2">
-            <a:schemeClr val="accent1"/>
-          </a:effectRef>
-          <a:fontRef idx="minor">
-            <a:schemeClr val="lt1"/>
-          </a:fontRef>
-        </p:style>
-        <p:txBody>
-          <a:bodyPr rtlCol="0" anchor="ctr"/>
-          <a:lstStyle/>
-          <a:p>
-            <a:pPr algn="ctr"/>
-            <a:r>
-              <a:rPr lang="ja-JP" altLang="en-US" b="1" dirty="0" smtClean="0"/>
-              <a:t>予測処理の実行</a:t>
-            </a:r>
-            <a:endParaRPr kumimoji="1" lang="ja-JP" altLang="en-US" b="1" dirty="0"/>
-          </a:p>
-        </p:txBody>
-      </p:sp>
-      <p:sp>
-        <p:nvSpPr>
-          <p:cNvPr id="11" name="角丸四角形 10"/>
-          <p:cNvSpPr/>
-          <p:nvPr/>
-        </p:nvSpPr>
-        <p:spPr>
-          <a:xfrm>
-            <a:off x="2464611" y="5055339"/>
-            <a:ext cx="5468987" cy="487680"/>
-          </a:xfrm>
-          <a:prstGeom prst="roundRect">
-            <a:avLst/>
-          </a:prstGeom>
-          <a:solidFill>
-            <a:schemeClr val="bg1">
-              <a:lumMod val="65000"/>
-            </a:schemeClr>
-          </a:solidFill>
-          <a:ln>
-            <a:solidFill>
-              <a:schemeClr val="tx1"/>
-            </a:solidFill>
-          </a:ln>
-        </p:spPr>
-        <p:style>
-          <a:lnRef idx="1">
-            <a:schemeClr val="accent1"/>
-          </a:lnRef>
-          <a:fillRef idx="3">
-            <a:schemeClr val="accent1"/>
-          </a:fillRef>
-          <a:effectRef idx="2">
-            <a:schemeClr val="accent1"/>
-          </a:effectRef>
-          <a:fontRef idx="minor">
-            <a:schemeClr val="lt1"/>
-          </a:fontRef>
-        </p:style>
-        <p:txBody>
-          <a:bodyPr rtlCol="0" anchor="ctr"/>
-          <a:lstStyle/>
-          <a:p>
-            <a:pPr algn="ctr"/>
-            <a:r>
-              <a:rPr lang="ja-JP" altLang="en-US" b="1" dirty="0" smtClean="0"/>
-              <a:t>結果の確認</a:t>
-            </a:r>
-            <a:endParaRPr kumimoji="1" lang="ja-JP" altLang="en-US" b="1" dirty="0"/>
-          </a:p>
-        </p:txBody>
-      </p:sp>
-      <p:sp>
-        <p:nvSpPr>
-          <p:cNvPr id="5" name="下矢印 4"/>
-          <p:cNvSpPr/>
-          <p:nvPr/>
-        </p:nvSpPr>
-        <p:spPr>
-          <a:xfrm>
-            <a:off x="5756367" y="2062192"/>
-            <a:ext cx="330929" cy="366634"/>
-          </a:xfrm>
-          <a:prstGeom prst="downArrow">
-            <a:avLst/>
-          </a:prstGeom>
-          <a:solidFill>
-            <a:schemeClr val="accent6">
-              <a:lumMod val="40000"/>
-              <a:lumOff val="60000"/>
-            </a:schemeClr>
-          </a:solidFill>
-          <a:ln>
-            <a:solidFill>
-              <a:schemeClr val="tx1"/>
-            </a:solidFill>
-          </a:ln>
-        </p:spPr>
-        <p:style>
-          <a:lnRef idx="1">
-            <a:schemeClr val="accent1"/>
-          </a:lnRef>
-          <a:fillRef idx="3">
-            <a:schemeClr val="accent1"/>
-          </a:fillRef>
-          <a:effectRef idx="2">
-            <a:schemeClr val="accent1"/>
-          </a:effectRef>
-          <a:fontRef idx="minor">
-            <a:schemeClr val="lt1"/>
-          </a:fontRef>
-        </p:style>
-        <p:txBody>
-          <a:bodyPr rtlCol="0" anchor="ctr"/>
-          <a:lstStyle/>
-          <a:p>
-            <a:pPr algn="ctr"/>
-            <a:endParaRPr kumimoji="1" lang="ja-JP" altLang="en-US"/>
-          </a:p>
-        </p:txBody>
-      </p:sp>
-      <p:sp>
-        <p:nvSpPr>
-          <p:cNvPr id="13" name="下矢印 12"/>
-          <p:cNvSpPr/>
-          <p:nvPr/>
-        </p:nvSpPr>
-        <p:spPr>
-          <a:xfrm>
-            <a:off x="6087296" y="2735365"/>
-            <a:ext cx="330929" cy="366634"/>
-          </a:xfrm>
-          <a:prstGeom prst="downArrow">
-            <a:avLst/>
-          </a:prstGeom>
-          <a:solidFill>
-            <a:schemeClr val="accent6">
-              <a:lumMod val="40000"/>
-              <a:lumOff val="60000"/>
-            </a:schemeClr>
-          </a:solidFill>
-          <a:ln>
-            <a:solidFill>
-              <a:schemeClr val="tx1"/>
-            </a:solidFill>
-          </a:ln>
-        </p:spPr>
-        <p:style>
-          <a:lnRef idx="1">
-            <a:schemeClr val="accent1"/>
-          </a:lnRef>
-          <a:fillRef idx="3">
-            <a:schemeClr val="accent1"/>
-          </a:fillRef>
-          <a:effectRef idx="2">
-            <a:schemeClr val="accent1"/>
-          </a:effectRef>
-          <a:fontRef idx="minor">
-            <a:schemeClr val="lt1"/>
-          </a:fontRef>
-        </p:style>
-        <p:txBody>
-          <a:bodyPr rtlCol="0" anchor="ctr"/>
-          <a:lstStyle/>
-          <a:p>
-            <a:pPr algn="ctr"/>
-            <a:endParaRPr kumimoji="1" lang="ja-JP" altLang="en-US"/>
-          </a:p>
-        </p:txBody>
-      </p:sp>
-      <p:sp>
-        <p:nvSpPr>
-          <p:cNvPr id="14" name="下矢印 13"/>
-          <p:cNvSpPr/>
-          <p:nvPr/>
-        </p:nvSpPr>
-        <p:spPr>
-          <a:xfrm>
-            <a:off x="6418225" y="3415507"/>
-            <a:ext cx="330929" cy="366634"/>
-          </a:xfrm>
-          <a:prstGeom prst="downArrow">
-            <a:avLst/>
-          </a:prstGeom>
-          <a:solidFill>
-            <a:schemeClr val="accent6">
-              <a:lumMod val="40000"/>
-              <a:lumOff val="60000"/>
-            </a:schemeClr>
-          </a:solidFill>
-          <a:ln>
-            <a:solidFill>
-              <a:schemeClr val="tx1"/>
-            </a:solidFill>
-          </a:ln>
-        </p:spPr>
-        <p:style>
-          <a:lnRef idx="1">
-            <a:schemeClr val="accent1"/>
-          </a:lnRef>
-          <a:fillRef idx="3">
-            <a:schemeClr val="accent1"/>
-          </a:fillRef>
-          <a:effectRef idx="2">
-            <a:schemeClr val="accent1"/>
-          </a:effectRef>
-          <a:fontRef idx="minor">
-            <a:schemeClr val="lt1"/>
-          </a:fontRef>
-        </p:style>
-        <p:txBody>
-          <a:bodyPr rtlCol="0" anchor="ctr"/>
-          <a:lstStyle/>
-          <a:p>
-            <a:pPr algn="ctr"/>
-            <a:endParaRPr kumimoji="1" lang="ja-JP" altLang="en-US"/>
-          </a:p>
-        </p:txBody>
-      </p:sp>
-      <p:sp>
-        <p:nvSpPr>
-          <p:cNvPr id="15" name="下矢印 14"/>
-          <p:cNvSpPr/>
-          <p:nvPr/>
-        </p:nvSpPr>
-        <p:spPr>
-          <a:xfrm>
-            <a:off x="6749154" y="4095649"/>
-            <a:ext cx="330929" cy="366634"/>
-          </a:xfrm>
-          <a:prstGeom prst="downArrow">
-            <a:avLst/>
-          </a:prstGeom>
-          <a:solidFill>
-            <a:schemeClr val="accent6">
-              <a:lumMod val="40000"/>
-              <a:lumOff val="60000"/>
-            </a:schemeClr>
-          </a:solidFill>
-          <a:ln>
-            <a:solidFill>
-              <a:schemeClr val="tx1"/>
-            </a:solidFill>
-          </a:ln>
-        </p:spPr>
-        <p:style>
-          <a:lnRef idx="1">
-            <a:schemeClr val="accent1"/>
-          </a:lnRef>
-          <a:fillRef idx="3">
-            <a:schemeClr val="accent1"/>
-          </a:fillRef>
-          <a:effectRef idx="2">
-            <a:schemeClr val="accent1"/>
-          </a:effectRef>
-          <a:fontRef idx="minor">
-            <a:schemeClr val="lt1"/>
-          </a:fontRef>
-        </p:style>
-        <p:txBody>
-          <a:bodyPr rtlCol="0" anchor="ctr"/>
-          <a:lstStyle/>
-          <a:p>
-            <a:pPr algn="ctr"/>
-            <a:endParaRPr kumimoji="1" lang="ja-JP" altLang="en-US"/>
-          </a:p>
-        </p:txBody>
-      </p:sp>
-      <p:sp>
-        <p:nvSpPr>
-          <p:cNvPr id="16" name="下矢印 15"/>
-          <p:cNvSpPr/>
-          <p:nvPr/>
-        </p:nvSpPr>
-        <p:spPr>
-          <a:xfrm>
-            <a:off x="7080083" y="4775791"/>
-            <a:ext cx="330929" cy="366634"/>
-          </a:xfrm>
-          <a:prstGeom prst="downArrow">
-            <a:avLst/>
-          </a:prstGeom>
-          <a:solidFill>
-            <a:schemeClr val="accent6">
-              <a:lumMod val="40000"/>
-              <a:lumOff val="60000"/>
-            </a:schemeClr>
-          </a:solidFill>
-          <a:ln>
-            <a:solidFill>
-              <a:schemeClr val="tx1"/>
-            </a:solidFill>
-          </a:ln>
-        </p:spPr>
-        <p:style>
-          <a:lnRef idx="1">
-            <a:schemeClr val="accent1"/>
-          </a:lnRef>
-          <a:fillRef idx="3">
-            <a:schemeClr val="accent1"/>
-          </a:fillRef>
-          <a:effectRef idx="2">
-            <a:schemeClr val="accent1"/>
-          </a:effectRef>
-          <a:fontRef idx="minor">
-            <a:schemeClr val="lt1"/>
-          </a:fontRef>
-        </p:style>
-        <p:txBody>
-          <a:bodyPr rtlCol="0" anchor="ctr"/>
-          <a:lstStyle/>
-          <a:p>
-            <a:pPr algn="ctr"/>
-            <a:endParaRPr kumimoji="1" lang="ja-JP" altLang="en-US"/>
-          </a:p>
-        </p:txBody>
-      </p:sp>
-      <p:sp>
-        <p:nvSpPr>
-          <p:cNvPr id="17" name="コンテンツ プレースホルダー 2"/>
-          <p:cNvSpPr txBox="1">
-            <a:spLocks/>
-          </p:cNvSpPr>
-          <p:nvPr/>
-        </p:nvSpPr>
-        <p:spPr>
-          <a:xfrm>
-            <a:off x="882777" y="5816471"/>
-            <a:ext cx="7372350" cy="467163"/>
-          </a:xfrm>
-          <a:prstGeom prst="rect">
-            <a:avLst/>
-          </a:prstGeom>
-        </p:spPr>
-        <p:txBody>
-          <a:bodyPr vert="horz">
-            <a:normAutofit/>
-          </a:bodyPr>
-          <a:lstStyle>
-            <a:lvl1pPr marL="274320" indent="-274320" algn="l" rtl="0" eaLnBrk="1" latinLnBrk="0" hangingPunct="1">
-              <a:spcBef>
-                <a:spcPct val="20000"/>
-              </a:spcBef>
-              <a:buClr>
-                <a:schemeClr val="accent1"/>
-              </a:buClr>
-              <a:buSzPct val="85000"/>
-              <a:buFont typeface="Wingdings 2"/>
-              <a:buChar char=""/>
-              <a:defRPr kumimoji="1" sz="2700" kern="1200">
-                <a:solidFill>
-                  <a:schemeClr val="tx1"/>
-                </a:solidFill>
-                <a:latin typeface="+mn-lt"/>
-                <a:ea typeface="+mn-ea"/>
-                <a:cs typeface="+mn-cs"/>
-              </a:defRPr>
-            </a:lvl1pPr>
-            <a:lvl2pPr marL="548640" indent="-274320" algn="l" rtl="0" eaLnBrk="1" latinLnBrk="0" hangingPunct="1">
-              <a:spcBef>
-                <a:spcPct val="20000"/>
-              </a:spcBef>
-              <a:buClr>
-                <a:schemeClr val="accent2"/>
-              </a:buClr>
-              <a:buSzPct val="70000"/>
-              <a:buFont typeface="Wingdings"/>
-              <a:buChar char=""/>
-              <a:defRPr kumimoji="1" sz="2200" kern="1200">
-                <a:solidFill>
-                  <a:schemeClr val="tx2"/>
-                </a:solidFill>
-                <a:latin typeface="+mn-lt"/>
-                <a:ea typeface="+mn-ea"/>
-                <a:cs typeface="+mn-cs"/>
-              </a:defRPr>
-            </a:lvl2pPr>
-            <a:lvl3pPr marL="822960" indent="-228600" algn="l" rtl="0" eaLnBrk="1" latinLnBrk="0" hangingPunct="1">
-              <a:spcBef>
-                <a:spcPct val="20000"/>
-              </a:spcBef>
-              <a:buClr>
-                <a:schemeClr val="accent3"/>
-              </a:buClr>
-              <a:buSzPct val="75000"/>
-              <a:buFont typeface="Wingdings 2"/>
-              <a:buChar char=""/>
-              <a:defRPr kumimoji="1" sz="2000" kern="1200">
-                <a:solidFill>
-                  <a:schemeClr val="tx1"/>
-                </a:solidFill>
-                <a:latin typeface="+mn-lt"/>
-                <a:ea typeface="+mn-ea"/>
-                <a:cs typeface="+mn-cs"/>
-              </a:defRPr>
-            </a:lvl3pPr>
-            <a:lvl4pPr marL="1097280" indent="-228600" algn="l" rtl="0" eaLnBrk="1" latinLnBrk="0" hangingPunct="1">
-              <a:spcBef>
-                <a:spcPct val="20000"/>
-              </a:spcBef>
-              <a:buClr>
-                <a:schemeClr val="accent4"/>
-              </a:buClr>
-              <a:buSzPct val="70000"/>
-              <a:buFont typeface="Wingdings"/>
-              <a:buChar char=""/>
-              <a:defRPr kumimoji="1" sz="2000" kern="1200">
-                <a:solidFill>
-                  <a:schemeClr val="tx2"/>
-                </a:solidFill>
-                <a:latin typeface="+mn-lt"/>
-                <a:ea typeface="+mn-ea"/>
-                <a:cs typeface="+mn-cs"/>
-              </a:defRPr>
-            </a:lvl4pPr>
-            <a:lvl5pPr marL="1371600" indent="-228600" algn="l" rtl="0" eaLnBrk="1" latinLnBrk="0" hangingPunct="1">
-              <a:spcBef>
-                <a:spcPct val="20000"/>
-              </a:spcBef>
-              <a:buClr>
-                <a:schemeClr val="accent5"/>
-              </a:buClr>
-              <a:buFontTx/>
-              <a:buChar char="•"/>
-              <a:defRPr kumimoji="1" sz="1800" kern="1200">
-                <a:solidFill>
-                  <a:schemeClr val="tx1"/>
-                </a:solidFill>
-                <a:latin typeface="+mn-lt"/>
-                <a:ea typeface="+mn-ea"/>
-                <a:cs typeface="+mn-cs"/>
-              </a:defRPr>
-            </a:lvl5pPr>
-            <a:lvl6pPr marL="1645920" indent="-182880" algn="l" rtl="0" eaLnBrk="1" latinLnBrk="0" hangingPunct="1">
-              <a:spcBef>
-                <a:spcPct val="20000"/>
-              </a:spcBef>
-              <a:buClr>
-                <a:schemeClr val="accent6"/>
-              </a:buClr>
-              <a:buSzPct val="80000"/>
-              <a:buFont typeface="Wingdings 2"/>
-              <a:buChar char=""/>
-              <a:defRPr kumimoji="1" sz="1800" kern="1200">
-                <a:solidFill>
-                  <a:schemeClr val="tx1"/>
-                </a:solidFill>
-                <a:latin typeface="+mn-lt"/>
-                <a:ea typeface="+mn-ea"/>
-                <a:cs typeface="+mn-cs"/>
-              </a:defRPr>
-            </a:lvl6pPr>
-            <a:lvl7pPr marL="1920240" indent="-182880" algn="l" rtl="0" eaLnBrk="1" latinLnBrk="0" hangingPunct="1">
-              <a:spcBef>
-                <a:spcPct val="20000"/>
-              </a:spcBef>
-              <a:buClr>
-                <a:schemeClr val="accent1">
-                  <a:shade val="75000"/>
-                </a:schemeClr>
-              </a:buClr>
-              <a:buSzPct val="90000"/>
-              <a:buChar char="•"/>
-              <a:defRPr kumimoji="1" sz="1600" kern="1200" baseline="0">
-                <a:solidFill>
-                  <a:schemeClr val="tx1"/>
-                </a:solidFill>
-                <a:latin typeface="+mn-lt"/>
-                <a:ea typeface="+mn-ea"/>
-                <a:cs typeface="+mn-cs"/>
-              </a:defRPr>
-            </a:lvl7pPr>
-            <a:lvl8pPr marL="2103120" indent="-182880" algn="l" rtl="0" eaLnBrk="1" latinLnBrk="0" hangingPunct="1">
-              <a:spcBef>
-                <a:spcPct val="20000"/>
-              </a:spcBef>
-              <a:buClr>
-                <a:schemeClr val="accent4">
-                  <a:shade val="75000"/>
-                </a:schemeClr>
-              </a:buClr>
-              <a:buChar char="•"/>
-              <a:defRPr kumimoji="1" sz="1600" kern="1200">
-                <a:solidFill>
-                  <a:schemeClr val="tx1"/>
-                </a:solidFill>
-                <a:latin typeface="+mn-lt"/>
-                <a:ea typeface="+mn-ea"/>
-                <a:cs typeface="+mn-cs"/>
-              </a:defRPr>
-            </a:lvl8pPr>
-            <a:lvl9pPr marL="2377440" indent="-182880" algn="l" rtl="0" eaLnBrk="1" latinLnBrk="0" hangingPunct="1">
-              <a:spcBef>
-                <a:spcPct val="20000"/>
-              </a:spcBef>
-              <a:buClr>
-                <a:schemeClr val="accent2">
-                  <a:shade val="75000"/>
-                </a:schemeClr>
-              </a:buClr>
-              <a:buSzPct val="90000"/>
-              <a:buChar char="•"/>
-              <a:defRPr kumimoji="1" sz="1400" kern="1200" cap="all" baseline="0">
-                <a:solidFill>
-                  <a:schemeClr val="tx1"/>
-                </a:solidFill>
-                <a:latin typeface="+mn-lt"/>
-                <a:ea typeface="+mn-ea"/>
-                <a:cs typeface="+mn-cs"/>
-              </a:defRPr>
-            </a:lvl9pPr>
-          </a:lstStyle>
-          <a:p>
-            <a:pPr marL="0" indent="0" algn="ctr">
-              <a:buNone/>
-            </a:pPr>
-            <a:r>
-              <a:rPr lang="ja-JP" altLang="en-US" sz="2025" b="1" dirty="0" smtClean="0"/>
-              <a:t>実際に一緒にコードを書いて実行してみましょう！</a:t>
-            </a:r>
-            <a:endParaRPr lang="en-US" altLang="ja-JP" sz="2025" b="1" dirty="0"/>
+              <a:rPr kumimoji="1" lang="ja-JP" altLang="en-US" sz="1200" dirty="0" smtClean="0">
+                <a:latin typeface="Meiryo UI" panose="020B0604030504040204" pitchFamily="50" charset="-128"/>
+                <a:ea typeface="Meiryo UI" panose="020B0604030504040204" pitchFamily="50" charset="-128"/>
+              </a:rPr>
+              <a:t>③予測結果が返ってくる</a:t>
+            </a:r>
+            <a:endParaRPr kumimoji="1" lang="ja-JP" altLang="en-US" sz="1200" dirty="0">
+              <a:latin typeface="Meiryo UI" panose="020B0604030504040204" pitchFamily="50" charset="-128"/>
+              <a:ea typeface="Meiryo UI" panose="020B0604030504040204" pitchFamily="50" charset="-128"/>
+            </a:endParaRPr>
           </a:p>
         </p:txBody>
       </p:sp>
     </p:spTree>
     <p:extLst>
       <p:ext uri="{BB962C8B-B14F-4D97-AF65-F5344CB8AC3E}">
-        <p14:creationId xmlns:p14="http://schemas.microsoft.com/office/powerpoint/2010/main" val="2916039787"/>
+        <p14:creationId xmlns:p14="http://schemas.microsoft.com/office/powerpoint/2010/main" val="2670293728"/>
       </p:ext>
     </p:extLst>
   </p:cSld>
